--- a/UI関連/UI_20210904.pptx
+++ b/UI関連/UI_20210904.pptx
@@ -7,6 +7,9 @@
   <p:sldIdLst>
     <p:sldId id="256" r:id="rId2"/>
     <p:sldId id="257" r:id="rId3"/>
+    <p:sldId id="258" r:id="rId4"/>
+    <p:sldId id="259" r:id="rId5"/>
+    <p:sldId id="260" r:id="rId6"/>
   </p:sldIdLst>
   <p:sldSz cx="12192000" cy="6858000"/>
   <p:notesSz cx="6858000" cy="9144000"/>
@@ -105,7 +108,38 @@
       </a:defRPr>
     </a:lvl9pPr>
   </p:defaultTextStyle>
+  <p:extLst>
+    <p:ext uri="{EFAFB233-063F-42B5-8137-9DF3F51BA10A}">
+      <p15:sldGuideLst xmlns:p15="http://schemas.microsoft.com/office/powerpoint/2012/main"/>
+    </p:ext>
+  </p:extLst>
 </p:presentation>
+</file>
+
+<file path=ppt/commentAuthors.xml><?xml version="1.0" encoding="utf-8"?>
+<p:cmAuthorLst xmlns:a="http://schemas.openxmlformats.org/drawingml/2006/main" xmlns:r="http://schemas.openxmlformats.org/officeDocument/2006/relationships" xmlns:p="http://schemas.openxmlformats.org/presentationml/2006/main">
+  <p:cmAuthor id="1" name="貴文 鈴木" initials="貴文" lastIdx="1" clrIdx="0">
+    <p:extLst>
+      <p:ext uri="{19B8F6BF-5375-455C-9EA6-DF929625EA0E}">
+        <p15:presenceInfo xmlns:p15="http://schemas.microsoft.com/office/powerpoint/2012/main" userId="7a66a47323f46c1b" providerId="Windows Live"/>
+      </p:ext>
+    </p:extLst>
+  </p:cmAuthor>
+</p:cmAuthorLst>
+</file>
+
+<file path=ppt/comments/comment1.xml><?xml version="1.0" encoding="utf-8"?>
+<p:cmLst xmlns:a="http://schemas.openxmlformats.org/drawingml/2006/main" xmlns:r="http://schemas.openxmlformats.org/officeDocument/2006/relationships" xmlns:p="http://schemas.openxmlformats.org/presentationml/2006/main">
+  <p:cm authorId="1" dt="2021-09-04T20:20:24.790" idx="1">
+    <p:pos x="10" y="10"/>
+    <p:text/>
+    <p:extLst>
+      <p:ext uri="{C676402C-5697-4E1C-873F-D02D1690AC5C}">
+        <p15:threadingInfo xmlns:p15="http://schemas.microsoft.com/office/powerpoint/2012/main" timeZoneBias="-540"/>
+      </p:ext>
+    </p:extLst>
+  </p:cm>
+</p:cmLst>
 </file>
 
 <file path=ppt/slideLayouts/slideLayout1.xml><?xml version="1.0" encoding="utf-8"?>
@@ -3624,8 +3658,8 @@
         </p:nvSpPr>
         <p:spPr>
           <a:xfrm>
-            <a:off x="262760" y="283779"/>
-            <a:ext cx="9148658" cy="4524315"/>
+            <a:off x="0" y="0"/>
+            <a:ext cx="9148658" cy="6186309"/>
           </a:xfrm>
           <a:prstGeom prst="rect">
             <a:avLst/>
@@ -3870,6 +3904,60 @@
               <a:rPr lang="ja-JP" altLang="en-US"/>
               <a:t>が出来上がっていると、システム全体の動作確認がしやすいと思う。</a:t>
             </a:r>
+            <a:endParaRPr lang="en-US" altLang="ja-JP" dirty="0"/>
+          </a:p>
+          <a:p>
+            <a:r>
+              <a:rPr lang="ja-JP" altLang="en-US"/>
+              <a:t>■その他</a:t>
+            </a:r>
+            <a:endParaRPr lang="en-US" altLang="ja-JP" dirty="0"/>
+          </a:p>
+          <a:p>
+            <a:pPr marL="285750" indent="-285750">
+              <a:buFont typeface="Arial" panose="020B0604020202020204" pitchFamily="34" charset="0"/>
+              <a:buChar char="•"/>
+            </a:pPr>
+            <a:r>
+              <a:rPr lang="ja-JP" altLang="en-US"/>
+              <a:t>イラスト編集できない</a:t>
+            </a:r>
+            <a:endParaRPr lang="en-US" altLang="ja-JP" dirty="0"/>
+          </a:p>
+          <a:p>
+            <a:pPr marL="285750" indent="-285750">
+              <a:buFont typeface="Arial" panose="020B0604020202020204" pitchFamily="34" charset="0"/>
+              <a:buChar char="•"/>
+            </a:pPr>
+            <a:r>
+              <a:rPr lang="en-US" altLang="ja-JP" dirty="0"/>
+              <a:t>Web</a:t>
+            </a:r>
+            <a:r>
+              <a:rPr lang="ja-JP" altLang="en-US"/>
+              <a:t>ページの表示の重たさによる、レスポンスタイムの増加を避けたい</a:t>
+            </a:r>
+            <a:endParaRPr lang="en-US" altLang="ja-JP" dirty="0"/>
+          </a:p>
+          <a:p>
+            <a:r>
+              <a:rPr lang="ja-JP" altLang="en-US"/>
+              <a:t>■論点</a:t>
+            </a:r>
+            <a:endParaRPr lang="en-US" altLang="ja-JP" dirty="0"/>
+          </a:p>
+          <a:p>
+            <a:pPr marL="285750" indent="-285750">
+              <a:buFont typeface="Arial" panose="020B0604020202020204" pitchFamily="34" charset="0"/>
+              <a:buChar char="•"/>
+            </a:pPr>
+            <a:r>
+              <a:rPr lang="ja-JP" altLang="en-US"/>
+              <a:t>生成したあだ名は音声だけでなく、文字でも出力するのかどうか</a:t>
+            </a:r>
+            <a:endParaRPr lang="en-US" altLang="ja-JP" dirty="0"/>
+          </a:p>
+          <a:p>
             <a:endParaRPr lang="en-US" altLang="ja-JP" dirty="0"/>
           </a:p>
         </p:txBody>
@@ -3904,10 +3992,5310 @@
           <a:chExt cx="0" cy="0"/>
         </a:xfrm>
       </p:grpSpPr>
+      <p:sp>
+        <p:nvSpPr>
+          <p:cNvPr id="2" name="テキスト ボックス 1">
+            <a:extLst>
+              <a:ext uri="{FF2B5EF4-FFF2-40B4-BE49-F238E27FC236}">
+                <a16:creationId xmlns:a16="http://schemas.microsoft.com/office/drawing/2014/main" id="{561928E5-0287-A345-8EC4-9949D8AADD7D}"/>
+              </a:ext>
+            </a:extLst>
+          </p:cNvPr>
+          <p:cNvSpPr txBox="1"/>
+          <p:nvPr/>
+        </p:nvSpPr>
+        <p:spPr>
+          <a:xfrm>
+            <a:off x="262760" y="283779"/>
+            <a:ext cx="2492990" cy="369332"/>
+          </a:xfrm>
+          <a:prstGeom prst="rect">
+            <a:avLst/>
+          </a:prstGeom>
+          <a:noFill/>
+        </p:spPr>
+        <p:txBody>
+          <a:bodyPr wrap="none" rtlCol="0">
+            <a:spAutoFit/>
+          </a:bodyPr>
+          <a:lstStyle/>
+          <a:p>
+            <a:r>
+              <a:rPr kumimoji="1" lang="ja-JP" altLang="en-US"/>
+              <a:t>■</a:t>
+            </a:r>
+            <a:r>
+              <a:rPr lang="ja-JP" altLang="en-US"/>
+              <a:t>ユースケースの作成</a:t>
+            </a:r>
+            <a:endParaRPr kumimoji="1" lang="en-US" altLang="ja-JP" dirty="0"/>
+          </a:p>
+        </p:txBody>
+      </p:sp>
+      <p:pic>
+        <p:nvPicPr>
+          <p:cNvPr id="3" name="図 2">
+            <a:extLst>
+              <a:ext uri="{FF2B5EF4-FFF2-40B4-BE49-F238E27FC236}">
+                <a16:creationId xmlns:a16="http://schemas.microsoft.com/office/drawing/2014/main" id="{AD7DB2BE-2058-5B40-8BFD-39AE975F5D9F}"/>
+              </a:ext>
+            </a:extLst>
+          </p:cNvPr>
+          <p:cNvPicPr>
+            <a:picLocks noChangeAspect="1"/>
+          </p:cNvPicPr>
+          <p:nvPr/>
+        </p:nvPicPr>
+        <p:blipFill>
+          <a:blip r:embed="rId2"/>
+          <a:stretch>
+            <a:fillRect/>
+          </a:stretch>
+        </p:blipFill>
+        <p:spPr>
+          <a:xfrm>
+            <a:off x="2645683" y="1997681"/>
+            <a:ext cx="2114550" cy="1948237"/>
+          </a:xfrm>
+          <a:prstGeom prst="rect">
+            <a:avLst/>
+          </a:prstGeom>
+        </p:spPr>
+      </p:pic>
+      <p:cxnSp>
+        <p:nvCxnSpPr>
+          <p:cNvPr id="6" name="直線コネクタ 5">
+            <a:extLst>
+              <a:ext uri="{FF2B5EF4-FFF2-40B4-BE49-F238E27FC236}">
+                <a16:creationId xmlns:a16="http://schemas.microsoft.com/office/drawing/2014/main" id="{BCA69C7C-3F68-624F-AF5C-169856797E43}"/>
+              </a:ext>
+            </a:extLst>
+          </p:cNvPr>
+          <p:cNvCxnSpPr>
+            <a:cxnSpLocks/>
+            <a:stCxn id="3" idx="3"/>
+            <a:endCxn id="13" idx="2"/>
+          </p:cNvCxnSpPr>
+          <p:nvPr/>
+        </p:nvCxnSpPr>
+        <p:spPr>
+          <a:xfrm>
+            <a:off x="4760233" y="2971800"/>
+            <a:ext cx="1022500" cy="1"/>
+          </a:xfrm>
+          <a:prstGeom prst="line">
+            <a:avLst/>
+          </a:prstGeom>
+        </p:spPr>
+        <p:style>
+          <a:lnRef idx="1">
+            <a:schemeClr val="accent1"/>
+          </a:lnRef>
+          <a:fillRef idx="0">
+            <a:schemeClr val="accent1"/>
+          </a:fillRef>
+          <a:effectRef idx="0">
+            <a:schemeClr val="accent1"/>
+          </a:effectRef>
+          <a:fontRef idx="minor">
+            <a:schemeClr val="tx1"/>
+          </a:fontRef>
+        </p:style>
+      </p:cxnSp>
+      <p:sp>
+        <p:nvSpPr>
+          <p:cNvPr id="13" name="円/楕円 12">
+            <a:extLst>
+              <a:ext uri="{FF2B5EF4-FFF2-40B4-BE49-F238E27FC236}">
+                <a16:creationId xmlns:a16="http://schemas.microsoft.com/office/drawing/2014/main" id="{995A7BF9-4E18-E849-BF87-9A84A10F3108}"/>
+              </a:ext>
+            </a:extLst>
+          </p:cNvPr>
+          <p:cNvSpPr/>
+          <p:nvPr/>
+        </p:nvSpPr>
+        <p:spPr>
+          <a:xfrm>
+            <a:off x="5782733" y="2675467"/>
+            <a:ext cx="2692400" cy="592667"/>
+          </a:xfrm>
+          <a:prstGeom prst="ellipse">
+            <a:avLst/>
+          </a:prstGeom>
+          <a:noFill/>
+        </p:spPr>
+        <p:style>
+          <a:lnRef idx="2">
+            <a:schemeClr val="accent1">
+              <a:shade val="50000"/>
+            </a:schemeClr>
+          </a:lnRef>
+          <a:fillRef idx="1">
+            <a:schemeClr val="accent1"/>
+          </a:fillRef>
+          <a:effectRef idx="0">
+            <a:schemeClr val="accent1"/>
+          </a:effectRef>
+          <a:fontRef idx="minor">
+            <a:schemeClr val="lt1"/>
+          </a:fontRef>
+        </p:style>
+        <p:txBody>
+          <a:bodyPr rtlCol="0" anchor="ctr"/>
+          <a:lstStyle/>
+          <a:p>
+            <a:pPr algn="ctr"/>
+            <a:r>
+              <a:rPr kumimoji="1" lang="ja-JP" altLang="en-US">
+                <a:solidFill>
+                  <a:schemeClr val="tx1"/>
+                </a:solidFill>
+              </a:rPr>
+              <a:t>シャッターを</a:t>
+            </a:r>
+            <a:endParaRPr kumimoji="1" lang="en-US" altLang="ja-JP" dirty="0">
+              <a:solidFill>
+                <a:schemeClr val="tx1"/>
+              </a:solidFill>
+            </a:endParaRPr>
+          </a:p>
+          <a:p>
+            <a:pPr algn="ctr"/>
+            <a:r>
+              <a:rPr kumimoji="1" lang="ja-JP" altLang="en-US">
+                <a:solidFill>
+                  <a:schemeClr val="tx1"/>
+                </a:solidFill>
+              </a:rPr>
+              <a:t>切る</a:t>
+            </a:r>
+          </a:p>
+        </p:txBody>
+      </p:sp>
+      <p:sp>
+        <p:nvSpPr>
+          <p:cNvPr id="19" name="円/楕円 18">
+            <a:extLst>
+              <a:ext uri="{FF2B5EF4-FFF2-40B4-BE49-F238E27FC236}">
+                <a16:creationId xmlns:a16="http://schemas.microsoft.com/office/drawing/2014/main" id="{56C83F70-EF1C-3C46-84C8-8F7007F9BBAA}"/>
+              </a:ext>
+            </a:extLst>
+          </p:cNvPr>
+          <p:cNvSpPr/>
+          <p:nvPr/>
+        </p:nvSpPr>
+        <p:spPr>
+          <a:xfrm>
+            <a:off x="5782733" y="1886176"/>
+            <a:ext cx="2692400" cy="592667"/>
+          </a:xfrm>
+          <a:prstGeom prst="ellipse">
+            <a:avLst/>
+          </a:prstGeom>
+          <a:noFill/>
+        </p:spPr>
+        <p:style>
+          <a:lnRef idx="2">
+            <a:schemeClr val="accent1">
+              <a:shade val="50000"/>
+            </a:schemeClr>
+          </a:lnRef>
+          <a:fillRef idx="1">
+            <a:schemeClr val="accent1"/>
+          </a:fillRef>
+          <a:effectRef idx="0">
+            <a:schemeClr val="accent1"/>
+          </a:effectRef>
+          <a:fontRef idx="minor">
+            <a:schemeClr val="lt1"/>
+          </a:fontRef>
+        </p:style>
+        <p:txBody>
+          <a:bodyPr rtlCol="0" anchor="ctr"/>
+          <a:lstStyle/>
+          <a:p>
+            <a:pPr algn="ctr"/>
+            <a:r>
+              <a:rPr kumimoji="1" lang="ja-JP" altLang="en-US">
+                <a:solidFill>
+                  <a:schemeClr val="tx1"/>
+                </a:solidFill>
+              </a:rPr>
+              <a:t>カメラによる撮影を承諾する</a:t>
+            </a:r>
+            <a:endParaRPr kumimoji="1" lang="en-US" altLang="ja-JP" dirty="0">
+              <a:solidFill>
+                <a:schemeClr val="tx1"/>
+              </a:solidFill>
+            </a:endParaRPr>
+          </a:p>
+        </p:txBody>
+      </p:sp>
+      <p:cxnSp>
+        <p:nvCxnSpPr>
+          <p:cNvPr id="20" name="直線コネクタ 19">
+            <a:extLst>
+              <a:ext uri="{FF2B5EF4-FFF2-40B4-BE49-F238E27FC236}">
+                <a16:creationId xmlns:a16="http://schemas.microsoft.com/office/drawing/2014/main" id="{4355C701-5664-D946-B5D5-346D4E4697E2}"/>
+              </a:ext>
+            </a:extLst>
+          </p:cNvPr>
+          <p:cNvCxnSpPr>
+            <a:cxnSpLocks/>
+            <a:stCxn id="3" idx="3"/>
+            <a:endCxn id="19" idx="2"/>
+          </p:cNvCxnSpPr>
+          <p:nvPr/>
+        </p:nvCxnSpPr>
+        <p:spPr>
+          <a:xfrm flipV="1">
+            <a:off x="4760233" y="2182510"/>
+            <a:ext cx="1022500" cy="789290"/>
+          </a:xfrm>
+          <a:prstGeom prst="line">
+            <a:avLst/>
+          </a:prstGeom>
+        </p:spPr>
+        <p:style>
+          <a:lnRef idx="1">
+            <a:schemeClr val="accent1"/>
+          </a:lnRef>
+          <a:fillRef idx="0">
+            <a:schemeClr val="accent1"/>
+          </a:fillRef>
+          <a:effectRef idx="0">
+            <a:schemeClr val="accent1"/>
+          </a:effectRef>
+          <a:fontRef idx="minor">
+            <a:schemeClr val="tx1"/>
+          </a:fontRef>
+        </p:style>
+      </p:cxnSp>
+      <p:sp>
+        <p:nvSpPr>
+          <p:cNvPr id="26" name="円/楕円 25">
+            <a:extLst>
+              <a:ext uri="{FF2B5EF4-FFF2-40B4-BE49-F238E27FC236}">
+                <a16:creationId xmlns:a16="http://schemas.microsoft.com/office/drawing/2014/main" id="{29CD3EEA-2F8B-0845-89C5-C462F9DEDFCA}"/>
+              </a:ext>
+            </a:extLst>
+          </p:cNvPr>
+          <p:cNvSpPr/>
+          <p:nvPr/>
+        </p:nvSpPr>
+        <p:spPr>
+          <a:xfrm>
+            <a:off x="5782733" y="3505200"/>
+            <a:ext cx="2692400" cy="592667"/>
+          </a:xfrm>
+          <a:prstGeom prst="ellipse">
+            <a:avLst/>
+          </a:prstGeom>
+          <a:noFill/>
+        </p:spPr>
+        <p:style>
+          <a:lnRef idx="2">
+            <a:schemeClr val="accent1">
+              <a:shade val="50000"/>
+            </a:schemeClr>
+          </a:lnRef>
+          <a:fillRef idx="1">
+            <a:schemeClr val="accent1"/>
+          </a:fillRef>
+          <a:effectRef idx="0">
+            <a:schemeClr val="accent1"/>
+          </a:effectRef>
+          <a:fontRef idx="minor">
+            <a:schemeClr val="lt1"/>
+          </a:fontRef>
+        </p:style>
+        <p:txBody>
+          <a:bodyPr rtlCol="0" anchor="ctr"/>
+          <a:lstStyle/>
+          <a:p>
+            <a:pPr algn="ctr"/>
+            <a:r>
+              <a:rPr kumimoji="1" lang="ja-JP" altLang="en-US">
+                <a:solidFill>
+                  <a:schemeClr val="tx1"/>
+                </a:solidFill>
+              </a:rPr>
+              <a:t>遊びを終了する</a:t>
+            </a:r>
+          </a:p>
+        </p:txBody>
+      </p:sp>
+      <p:cxnSp>
+        <p:nvCxnSpPr>
+          <p:cNvPr id="27" name="直線コネクタ 26">
+            <a:extLst>
+              <a:ext uri="{FF2B5EF4-FFF2-40B4-BE49-F238E27FC236}">
+                <a16:creationId xmlns:a16="http://schemas.microsoft.com/office/drawing/2014/main" id="{DDE17817-0C5E-4E40-B5F7-D179E241E731}"/>
+              </a:ext>
+            </a:extLst>
+          </p:cNvPr>
+          <p:cNvCxnSpPr>
+            <a:cxnSpLocks/>
+            <a:stCxn id="3" idx="3"/>
+            <a:endCxn id="26" idx="2"/>
+          </p:cNvCxnSpPr>
+          <p:nvPr/>
+        </p:nvCxnSpPr>
+        <p:spPr>
+          <a:xfrm>
+            <a:off x="4760233" y="2971800"/>
+            <a:ext cx="1022500" cy="829734"/>
+          </a:xfrm>
+          <a:prstGeom prst="line">
+            <a:avLst/>
+          </a:prstGeom>
+        </p:spPr>
+        <p:style>
+          <a:lnRef idx="1">
+            <a:schemeClr val="accent1"/>
+          </a:lnRef>
+          <a:fillRef idx="0">
+            <a:schemeClr val="accent1"/>
+          </a:fillRef>
+          <a:effectRef idx="0">
+            <a:schemeClr val="accent1"/>
+          </a:effectRef>
+          <a:fontRef idx="minor">
+            <a:schemeClr val="tx1"/>
+          </a:fontRef>
+        </p:style>
+      </p:cxnSp>
     </p:spTree>
     <p:extLst>
       <p:ext uri="{BB962C8B-B14F-4D97-AF65-F5344CB8AC3E}">
         <p14:creationId xmlns:p14="http://schemas.microsoft.com/office/powerpoint/2010/main" val="1656989668"/>
+      </p:ext>
+    </p:extLst>
+  </p:cSld>
+  <p:clrMapOvr>
+    <a:masterClrMapping/>
+  </p:clrMapOvr>
+</p:sld>
+</file>
+
+<file path=ppt/slides/slide3.xml><?xml version="1.0" encoding="utf-8"?>
+<p:sld xmlns:a="http://schemas.openxmlformats.org/drawingml/2006/main" xmlns:r="http://schemas.openxmlformats.org/officeDocument/2006/relationships" xmlns:p="http://schemas.openxmlformats.org/presentationml/2006/main">
+  <p:cSld>
+    <p:spTree>
+      <p:nvGrpSpPr>
+        <p:cNvPr id="1" name=""/>
+        <p:cNvGrpSpPr/>
+        <p:nvPr/>
+      </p:nvGrpSpPr>
+      <p:grpSpPr>
+        <a:xfrm>
+          <a:off x="0" y="0"/>
+          <a:ext cx="0" cy="0"/>
+          <a:chOff x="0" y="0"/>
+          <a:chExt cx="0" cy="0"/>
+        </a:xfrm>
+      </p:grpSpPr>
+      <p:pic>
+        <p:nvPicPr>
+          <p:cNvPr id="72" name="図 71">
+            <a:extLst>
+              <a:ext uri="{FF2B5EF4-FFF2-40B4-BE49-F238E27FC236}">
+                <a16:creationId xmlns:a16="http://schemas.microsoft.com/office/drawing/2014/main" id="{A62F20FA-F966-A048-81C4-AB8EC819155A}"/>
+              </a:ext>
+            </a:extLst>
+          </p:cNvPr>
+          <p:cNvPicPr>
+            <a:picLocks noChangeAspect="1"/>
+          </p:cNvPicPr>
+          <p:nvPr/>
+        </p:nvPicPr>
+        <p:blipFill>
+          <a:blip r:embed="rId2"/>
+          <a:stretch>
+            <a:fillRect/>
+          </a:stretch>
+        </p:blipFill>
+        <p:spPr>
+          <a:xfrm>
+            <a:off x="7953093" y="3763050"/>
+            <a:ext cx="2229786" cy="2965385"/>
+          </a:xfrm>
+          <a:prstGeom prst="rect">
+            <a:avLst/>
+          </a:prstGeom>
+        </p:spPr>
+      </p:pic>
+      <p:sp>
+        <p:nvSpPr>
+          <p:cNvPr id="2" name="テキスト ボックス 1">
+            <a:extLst>
+              <a:ext uri="{FF2B5EF4-FFF2-40B4-BE49-F238E27FC236}">
+                <a16:creationId xmlns:a16="http://schemas.microsoft.com/office/drawing/2014/main" id="{A19286C9-7B93-0B4D-9389-6A24FCCA3C85}"/>
+              </a:ext>
+            </a:extLst>
+          </p:cNvPr>
+          <p:cNvSpPr txBox="1"/>
+          <p:nvPr/>
+        </p:nvSpPr>
+        <p:spPr>
+          <a:xfrm>
+            <a:off x="262760" y="283779"/>
+            <a:ext cx="1800493" cy="369332"/>
+          </a:xfrm>
+          <a:prstGeom prst="rect">
+            <a:avLst/>
+          </a:prstGeom>
+          <a:noFill/>
+        </p:spPr>
+        <p:txBody>
+          <a:bodyPr wrap="none" rtlCol="0">
+            <a:spAutoFit/>
+          </a:bodyPr>
+          <a:lstStyle/>
+          <a:p>
+            <a:r>
+              <a:rPr kumimoji="1" lang="ja-JP" altLang="en-US"/>
+              <a:t>■画面遷移の案</a:t>
+            </a:r>
+            <a:endParaRPr kumimoji="1" lang="en-US" altLang="ja-JP" dirty="0"/>
+          </a:p>
+        </p:txBody>
+      </p:sp>
+      <p:sp>
+        <p:nvSpPr>
+          <p:cNvPr id="3" name="正方形/長方形 2">
+            <a:extLst>
+              <a:ext uri="{FF2B5EF4-FFF2-40B4-BE49-F238E27FC236}">
+                <a16:creationId xmlns:a16="http://schemas.microsoft.com/office/drawing/2014/main" id="{636AD009-2F03-AE42-89E6-E79706737DE6}"/>
+              </a:ext>
+            </a:extLst>
+          </p:cNvPr>
+          <p:cNvSpPr/>
+          <p:nvPr/>
+        </p:nvSpPr>
+        <p:spPr>
+          <a:xfrm>
+            <a:off x="6095999" y="283779"/>
+            <a:ext cx="5587997" cy="3132080"/>
+          </a:xfrm>
+          <a:prstGeom prst="rect">
+            <a:avLst/>
+          </a:prstGeom>
+          <a:noFill/>
+        </p:spPr>
+        <p:style>
+          <a:lnRef idx="2">
+            <a:schemeClr val="accent1">
+              <a:shade val="50000"/>
+            </a:schemeClr>
+          </a:lnRef>
+          <a:fillRef idx="1">
+            <a:schemeClr val="accent1"/>
+          </a:fillRef>
+          <a:effectRef idx="0">
+            <a:schemeClr val="accent1"/>
+          </a:effectRef>
+          <a:fontRef idx="minor">
+            <a:schemeClr val="lt1"/>
+          </a:fontRef>
+        </p:style>
+        <p:txBody>
+          <a:bodyPr rtlCol="0" anchor="ctr"/>
+          <a:lstStyle/>
+          <a:p>
+            <a:pPr algn="ctr"/>
+            <a:endParaRPr kumimoji="1" lang="ja-JP" altLang="en-US"/>
+          </a:p>
+        </p:txBody>
+      </p:sp>
+      <p:sp>
+        <p:nvSpPr>
+          <p:cNvPr id="5" name="角丸四角形 4">
+            <a:extLst>
+              <a:ext uri="{FF2B5EF4-FFF2-40B4-BE49-F238E27FC236}">
+                <a16:creationId xmlns:a16="http://schemas.microsoft.com/office/drawing/2014/main" id="{2BB7E06C-B8B8-D64D-9B43-30DD7CD6EDB0}"/>
+              </a:ext>
+            </a:extLst>
+          </p:cNvPr>
+          <p:cNvSpPr/>
+          <p:nvPr/>
+        </p:nvSpPr>
+        <p:spPr>
+          <a:xfrm>
+            <a:off x="2121305" y="862900"/>
+            <a:ext cx="1117600" cy="406400"/>
+          </a:xfrm>
+          <a:prstGeom prst="roundRect">
+            <a:avLst/>
+          </a:prstGeom>
+        </p:spPr>
+        <p:style>
+          <a:lnRef idx="2">
+            <a:schemeClr val="accent1">
+              <a:shade val="50000"/>
+            </a:schemeClr>
+          </a:lnRef>
+          <a:fillRef idx="1">
+            <a:schemeClr val="accent1"/>
+          </a:fillRef>
+          <a:effectRef idx="0">
+            <a:schemeClr val="accent1"/>
+          </a:effectRef>
+          <a:fontRef idx="minor">
+            <a:schemeClr val="lt1"/>
+          </a:fontRef>
+        </p:style>
+        <p:txBody>
+          <a:bodyPr rtlCol="0" anchor="ctr"/>
+          <a:lstStyle/>
+          <a:p>
+            <a:pPr algn="ctr"/>
+            <a:r>
+              <a:rPr kumimoji="1" lang="ja-JP" altLang="en-US"/>
+              <a:t>開始</a:t>
+            </a:r>
+          </a:p>
+        </p:txBody>
+      </p:sp>
+      <p:sp>
+        <p:nvSpPr>
+          <p:cNvPr id="6" name="角丸四角形 5">
+            <a:extLst>
+              <a:ext uri="{FF2B5EF4-FFF2-40B4-BE49-F238E27FC236}">
+                <a16:creationId xmlns:a16="http://schemas.microsoft.com/office/drawing/2014/main" id="{6463E43E-A9AF-B349-B977-C4D8269629CF}"/>
+              </a:ext>
+            </a:extLst>
+          </p:cNvPr>
+          <p:cNvSpPr/>
+          <p:nvPr/>
+        </p:nvSpPr>
+        <p:spPr>
+          <a:xfrm>
+            <a:off x="2114954" y="5962413"/>
+            <a:ext cx="1117600" cy="406400"/>
+          </a:xfrm>
+          <a:prstGeom prst="roundRect">
+            <a:avLst/>
+          </a:prstGeom>
+        </p:spPr>
+        <p:style>
+          <a:lnRef idx="2">
+            <a:schemeClr val="accent1">
+              <a:shade val="50000"/>
+            </a:schemeClr>
+          </a:lnRef>
+          <a:fillRef idx="1">
+            <a:schemeClr val="accent1"/>
+          </a:fillRef>
+          <a:effectRef idx="0">
+            <a:schemeClr val="accent1"/>
+          </a:effectRef>
+          <a:fontRef idx="minor">
+            <a:schemeClr val="lt1"/>
+          </a:fontRef>
+        </p:style>
+        <p:txBody>
+          <a:bodyPr rtlCol="0" anchor="ctr"/>
+          <a:lstStyle/>
+          <a:p>
+            <a:pPr algn="ctr"/>
+            <a:r>
+              <a:rPr lang="ja-JP" altLang="en-US"/>
+              <a:t>終了</a:t>
+            </a:r>
+            <a:endParaRPr kumimoji="1" lang="ja-JP" altLang="en-US"/>
+          </a:p>
+        </p:txBody>
+      </p:sp>
+      <p:sp>
+        <p:nvSpPr>
+          <p:cNvPr id="7" name="正方形/長方形 6">
+            <a:extLst>
+              <a:ext uri="{FF2B5EF4-FFF2-40B4-BE49-F238E27FC236}">
+                <a16:creationId xmlns:a16="http://schemas.microsoft.com/office/drawing/2014/main" id="{764C3643-5BDF-7345-86FE-779FBFC262BB}"/>
+              </a:ext>
+            </a:extLst>
+          </p:cNvPr>
+          <p:cNvSpPr/>
+          <p:nvPr/>
+        </p:nvSpPr>
+        <p:spPr>
+          <a:xfrm>
+            <a:off x="2015472" y="1585622"/>
+            <a:ext cx="1329266" cy="414866"/>
+          </a:xfrm>
+          <a:prstGeom prst="rect">
+            <a:avLst/>
+          </a:prstGeom>
+        </p:spPr>
+        <p:style>
+          <a:lnRef idx="2">
+            <a:schemeClr val="accent1">
+              <a:shade val="50000"/>
+            </a:schemeClr>
+          </a:lnRef>
+          <a:fillRef idx="1">
+            <a:schemeClr val="accent1"/>
+          </a:fillRef>
+          <a:effectRef idx="0">
+            <a:schemeClr val="accent1"/>
+          </a:effectRef>
+          <a:fontRef idx="minor">
+            <a:schemeClr val="lt1"/>
+          </a:fontRef>
+        </p:style>
+        <p:txBody>
+          <a:bodyPr rtlCol="0" anchor="ctr"/>
+          <a:lstStyle/>
+          <a:p>
+            <a:pPr algn="ctr"/>
+            <a:r>
+              <a:rPr kumimoji="1" lang="ja-JP" altLang="en-US" sz="1100"/>
+              <a:t>撮影を承諾する</a:t>
+            </a:r>
+          </a:p>
+        </p:txBody>
+      </p:sp>
+      <p:sp>
+        <p:nvSpPr>
+          <p:cNvPr id="8" name="正方形/長方形 7">
+            <a:extLst>
+              <a:ext uri="{FF2B5EF4-FFF2-40B4-BE49-F238E27FC236}">
+                <a16:creationId xmlns:a16="http://schemas.microsoft.com/office/drawing/2014/main" id="{88A6AA7D-296D-7042-ABB8-5FC228F3A589}"/>
+              </a:ext>
+            </a:extLst>
+          </p:cNvPr>
+          <p:cNvSpPr/>
+          <p:nvPr/>
+        </p:nvSpPr>
+        <p:spPr>
+          <a:xfrm>
+            <a:off x="2009121" y="2956396"/>
+            <a:ext cx="1329266" cy="414866"/>
+          </a:xfrm>
+          <a:prstGeom prst="rect">
+            <a:avLst/>
+          </a:prstGeom>
+        </p:spPr>
+        <p:style>
+          <a:lnRef idx="2">
+            <a:schemeClr val="accent1">
+              <a:shade val="50000"/>
+            </a:schemeClr>
+          </a:lnRef>
+          <a:fillRef idx="1">
+            <a:schemeClr val="accent1"/>
+          </a:fillRef>
+          <a:effectRef idx="0">
+            <a:schemeClr val="accent1"/>
+          </a:effectRef>
+          <a:fontRef idx="minor">
+            <a:schemeClr val="lt1"/>
+          </a:fontRef>
+        </p:style>
+        <p:txBody>
+          <a:bodyPr rtlCol="0" anchor="ctr"/>
+          <a:lstStyle/>
+          <a:p>
+            <a:pPr algn="ctr"/>
+            <a:r>
+              <a:rPr lang="ja-JP" altLang="en-US" sz="1100"/>
+              <a:t>カウントダウンが始まる</a:t>
+            </a:r>
+            <a:endParaRPr kumimoji="1" lang="ja-JP" altLang="en-US" sz="1100"/>
+          </a:p>
+        </p:txBody>
+      </p:sp>
+      <p:sp>
+        <p:nvSpPr>
+          <p:cNvPr id="9" name="正方形/長方形 8">
+            <a:extLst>
+              <a:ext uri="{FF2B5EF4-FFF2-40B4-BE49-F238E27FC236}">
+                <a16:creationId xmlns:a16="http://schemas.microsoft.com/office/drawing/2014/main" id="{4C62DFDA-7ECA-6B46-A358-0C45E989AE8E}"/>
+              </a:ext>
+            </a:extLst>
+          </p:cNvPr>
+          <p:cNvSpPr/>
+          <p:nvPr/>
+        </p:nvSpPr>
+        <p:spPr>
+          <a:xfrm>
+            <a:off x="2009121" y="3679118"/>
+            <a:ext cx="1329266" cy="414866"/>
+          </a:xfrm>
+          <a:prstGeom prst="rect">
+            <a:avLst/>
+          </a:prstGeom>
+        </p:spPr>
+        <p:style>
+          <a:lnRef idx="2">
+            <a:schemeClr val="accent1">
+              <a:shade val="50000"/>
+            </a:schemeClr>
+          </a:lnRef>
+          <a:fillRef idx="1">
+            <a:schemeClr val="accent1"/>
+          </a:fillRef>
+          <a:effectRef idx="0">
+            <a:schemeClr val="accent1"/>
+          </a:effectRef>
+          <a:fontRef idx="minor">
+            <a:schemeClr val="lt1"/>
+          </a:fontRef>
+        </p:style>
+        <p:txBody>
+          <a:bodyPr rtlCol="0" anchor="ctr"/>
+          <a:lstStyle/>
+          <a:p>
+            <a:pPr algn="ctr"/>
+            <a:r>
+              <a:rPr kumimoji="1" lang="ja-JP" altLang="en-US" sz="1100"/>
+              <a:t>顔の写真を</a:t>
+            </a:r>
+            <a:endParaRPr kumimoji="1" lang="en-US" altLang="ja-JP" sz="1100" dirty="0"/>
+          </a:p>
+          <a:p>
+            <a:pPr algn="ctr"/>
+            <a:r>
+              <a:rPr kumimoji="1" lang="ja-JP" altLang="en-US" sz="1100"/>
+              <a:t>撮られる</a:t>
+            </a:r>
+          </a:p>
+        </p:txBody>
+      </p:sp>
+      <p:sp>
+        <p:nvSpPr>
+          <p:cNvPr id="10" name="正方形/長方形 9">
+            <a:extLst>
+              <a:ext uri="{FF2B5EF4-FFF2-40B4-BE49-F238E27FC236}">
+                <a16:creationId xmlns:a16="http://schemas.microsoft.com/office/drawing/2014/main" id="{2207D736-B7A6-524E-8AD1-C690DA84A775}"/>
+              </a:ext>
+            </a:extLst>
+          </p:cNvPr>
+          <p:cNvSpPr/>
+          <p:nvPr/>
+        </p:nvSpPr>
+        <p:spPr>
+          <a:xfrm>
+            <a:off x="2009121" y="4393614"/>
+            <a:ext cx="1329266" cy="414866"/>
+          </a:xfrm>
+          <a:prstGeom prst="rect">
+            <a:avLst/>
+          </a:prstGeom>
+        </p:spPr>
+        <p:style>
+          <a:lnRef idx="2">
+            <a:schemeClr val="accent1">
+              <a:shade val="50000"/>
+            </a:schemeClr>
+          </a:lnRef>
+          <a:fillRef idx="1">
+            <a:schemeClr val="accent1"/>
+          </a:fillRef>
+          <a:effectRef idx="0">
+            <a:schemeClr val="accent1"/>
+          </a:effectRef>
+          <a:fontRef idx="minor">
+            <a:schemeClr val="lt1"/>
+          </a:fontRef>
+        </p:style>
+        <p:txBody>
+          <a:bodyPr rtlCol="0" anchor="ctr"/>
+          <a:lstStyle/>
+          <a:p>
+            <a:pPr algn="ctr"/>
+            <a:r>
+              <a:rPr kumimoji="1" lang="ja-JP" altLang="en-US" sz="1100"/>
+              <a:t>あだ名を生成し、音声出力する</a:t>
+            </a:r>
+          </a:p>
+        </p:txBody>
+      </p:sp>
+      <p:sp>
+        <p:nvSpPr>
+          <p:cNvPr id="11" name="フローチャート: 判断 10">
+            <a:extLst>
+              <a:ext uri="{FF2B5EF4-FFF2-40B4-BE49-F238E27FC236}">
+                <a16:creationId xmlns:a16="http://schemas.microsoft.com/office/drawing/2014/main" id="{5FABC425-6EC0-2043-AEBA-6866B2937552}"/>
+              </a:ext>
+            </a:extLst>
+          </p:cNvPr>
+          <p:cNvSpPr/>
+          <p:nvPr/>
+        </p:nvSpPr>
+        <p:spPr>
+          <a:xfrm>
+            <a:off x="2009121" y="5137797"/>
+            <a:ext cx="1329266" cy="355600"/>
+          </a:xfrm>
+          <a:prstGeom prst="flowChartDecision">
+            <a:avLst/>
+          </a:prstGeom>
+        </p:spPr>
+        <p:style>
+          <a:lnRef idx="2">
+            <a:schemeClr val="accent1">
+              <a:shade val="50000"/>
+            </a:schemeClr>
+          </a:lnRef>
+          <a:fillRef idx="1">
+            <a:schemeClr val="accent1"/>
+          </a:fillRef>
+          <a:effectRef idx="0">
+            <a:schemeClr val="accent1"/>
+          </a:effectRef>
+          <a:fontRef idx="minor">
+            <a:schemeClr val="lt1"/>
+          </a:fontRef>
+        </p:style>
+        <p:txBody>
+          <a:bodyPr rtlCol="0" anchor="ctr"/>
+          <a:lstStyle/>
+          <a:p>
+            <a:pPr algn="ctr"/>
+            <a:r>
+              <a:rPr kumimoji="1" lang="ja-JP" altLang="en-US" sz="1000"/>
+              <a:t>遊び</a:t>
+            </a:r>
+            <a:endParaRPr kumimoji="1" lang="en-US" altLang="ja-JP" sz="1000" dirty="0"/>
+          </a:p>
+          <a:p>
+            <a:pPr algn="ctr"/>
+            <a:r>
+              <a:rPr kumimoji="1" lang="ja-JP" altLang="en-US" sz="1000"/>
+              <a:t>継続？</a:t>
+            </a:r>
+          </a:p>
+        </p:txBody>
+      </p:sp>
+      <p:cxnSp>
+        <p:nvCxnSpPr>
+          <p:cNvPr id="13" name="直線矢印コネクタ 12">
+            <a:extLst>
+              <a:ext uri="{FF2B5EF4-FFF2-40B4-BE49-F238E27FC236}">
+                <a16:creationId xmlns:a16="http://schemas.microsoft.com/office/drawing/2014/main" id="{EA1F468A-7A99-8047-A446-33158C744409}"/>
+              </a:ext>
+            </a:extLst>
+          </p:cNvPr>
+          <p:cNvCxnSpPr>
+            <a:cxnSpLocks/>
+            <a:stCxn id="5" idx="2"/>
+            <a:endCxn id="7" idx="0"/>
+          </p:cNvCxnSpPr>
+          <p:nvPr/>
+        </p:nvCxnSpPr>
+        <p:spPr>
+          <a:xfrm>
+            <a:off x="2680105" y="1269300"/>
+            <a:ext cx="0" cy="316322"/>
+          </a:xfrm>
+          <a:prstGeom prst="straightConnector1">
+            <a:avLst/>
+          </a:prstGeom>
+          <a:ln>
+            <a:tailEnd type="triangle"/>
+          </a:ln>
+        </p:spPr>
+        <p:style>
+          <a:lnRef idx="1">
+            <a:schemeClr val="accent1"/>
+          </a:lnRef>
+          <a:fillRef idx="0">
+            <a:schemeClr val="accent1"/>
+          </a:fillRef>
+          <a:effectRef idx="0">
+            <a:schemeClr val="accent1"/>
+          </a:effectRef>
+          <a:fontRef idx="minor">
+            <a:schemeClr val="tx1"/>
+          </a:fontRef>
+        </p:style>
+      </p:cxnSp>
+      <p:cxnSp>
+        <p:nvCxnSpPr>
+          <p:cNvPr id="14" name="直線矢印コネクタ 13">
+            <a:extLst>
+              <a:ext uri="{FF2B5EF4-FFF2-40B4-BE49-F238E27FC236}">
+                <a16:creationId xmlns:a16="http://schemas.microsoft.com/office/drawing/2014/main" id="{5F017EEF-C951-1644-BB79-CD7C8768075E}"/>
+              </a:ext>
+            </a:extLst>
+          </p:cNvPr>
+          <p:cNvCxnSpPr>
+            <a:cxnSpLocks/>
+            <a:endCxn id="8" idx="0"/>
+          </p:cNvCxnSpPr>
+          <p:nvPr/>
+        </p:nvCxnSpPr>
+        <p:spPr>
+          <a:xfrm>
+            <a:off x="2673754" y="2685875"/>
+            <a:ext cx="0" cy="270521"/>
+          </a:xfrm>
+          <a:prstGeom prst="straightConnector1">
+            <a:avLst/>
+          </a:prstGeom>
+          <a:ln>
+            <a:tailEnd type="triangle"/>
+          </a:ln>
+        </p:spPr>
+        <p:style>
+          <a:lnRef idx="1">
+            <a:schemeClr val="accent1"/>
+          </a:lnRef>
+          <a:fillRef idx="0">
+            <a:schemeClr val="accent1"/>
+          </a:fillRef>
+          <a:effectRef idx="0">
+            <a:schemeClr val="accent1"/>
+          </a:effectRef>
+          <a:fontRef idx="minor">
+            <a:schemeClr val="tx1"/>
+          </a:fontRef>
+        </p:style>
+      </p:cxnSp>
+      <p:cxnSp>
+        <p:nvCxnSpPr>
+          <p:cNvPr id="15" name="直線矢印コネクタ 14">
+            <a:extLst>
+              <a:ext uri="{FF2B5EF4-FFF2-40B4-BE49-F238E27FC236}">
+                <a16:creationId xmlns:a16="http://schemas.microsoft.com/office/drawing/2014/main" id="{D13BF907-8AEB-AC4B-ACE6-603F4F1CBE3A}"/>
+              </a:ext>
+            </a:extLst>
+          </p:cNvPr>
+          <p:cNvCxnSpPr>
+            <a:cxnSpLocks/>
+            <a:stCxn id="9" idx="2"/>
+            <a:endCxn id="10" idx="0"/>
+          </p:cNvCxnSpPr>
+          <p:nvPr/>
+        </p:nvCxnSpPr>
+        <p:spPr>
+          <a:xfrm>
+            <a:off x="2673754" y="4093984"/>
+            <a:ext cx="0" cy="299630"/>
+          </a:xfrm>
+          <a:prstGeom prst="straightConnector1">
+            <a:avLst/>
+          </a:prstGeom>
+          <a:ln>
+            <a:tailEnd type="triangle"/>
+          </a:ln>
+        </p:spPr>
+        <p:style>
+          <a:lnRef idx="1">
+            <a:schemeClr val="accent1"/>
+          </a:lnRef>
+          <a:fillRef idx="0">
+            <a:schemeClr val="accent1"/>
+          </a:fillRef>
+          <a:effectRef idx="0">
+            <a:schemeClr val="accent1"/>
+          </a:effectRef>
+          <a:fontRef idx="minor">
+            <a:schemeClr val="tx1"/>
+          </a:fontRef>
+        </p:style>
+      </p:cxnSp>
+      <p:cxnSp>
+        <p:nvCxnSpPr>
+          <p:cNvPr id="16" name="直線矢印コネクタ 15">
+            <a:extLst>
+              <a:ext uri="{FF2B5EF4-FFF2-40B4-BE49-F238E27FC236}">
+                <a16:creationId xmlns:a16="http://schemas.microsoft.com/office/drawing/2014/main" id="{E52053F6-5ACF-9D4D-A6FC-67321E292C4C}"/>
+              </a:ext>
+            </a:extLst>
+          </p:cNvPr>
+          <p:cNvCxnSpPr>
+            <a:cxnSpLocks/>
+            <a:stCxn id="10" idx="2"/>
+            <a:endCxn id="11" idx="0"/>
+          </p:cNvCxnSpPr>
+          <p:nvPr/>
+        </p:nvCxnSpPr>
+        <p:spPr>
+          <a:xfrm>
+            <a:off x="2673754" y="4808480"/>
+            <a:ext cx="0" cy="329317"/>
+          </a:xfrm>
+          <a:prstGeom prst="straightConnector1">
+            <a:avLst/>
+          </a:prstGeom>
+          <a:ln>
+            <a:tailEnd type="triangle"/>
+          </a:ln>
+        </p:spPr>
+        <p:style>
+          <a:lnRef idx="1">
+            <a:schemeClr val="accent1"/>
+          </a:lnRef>
+          <a:fillRef idx="0">
+            <a:schemeClr val="accent1"/>
+          </a:fillRef>
+          <a:effectRef idx="0">
+            <a:schemeClr val="accent1"/>
+          </a:effectRef>
+          <a:fontRef idx="minor">
+            <a:schemeClr val="tx1"/>
+          </a:fontRef>
+        </p:style>
+      </p:cxnSp>
+      <p:cxnSp>
+        <p:nvCxnSpPr>
+          <p:cNvPr id="24" name="直線矢印コネクタ 23">
+            <a:extLst>
+              <a:ext uri="{FF2B5EF4-FFF2-40B4-BE49-F238E27FC236}">
+                <a16:creationId xmlns:a16="http://schemas.microsoft.com/office/drawing/2014/main" id="{6C809200-5DE4-EB44-A5DB-D42FD4348C97}"/>
+              </a:ext>
+            </a:extLst>
+          </p:cNvPr>
+          <p:cNvCxnSpPr>
+            <a:cxnSpLocks/>
+            <a:stCxn id="8" idx="2"/>
+            <a:endCxn id="9" idx="0"/>
+          </p:cNvCxnSpPr>
+          <p:nvPr/>
+        </p:nvCxnSpPr>
+        <p:spPr>
+          <a:xfrm>
+            <a:off x="2673754" y="3371262"/>
+            <a:ext cx="0" cy="307856"/>
+          </a:xfrm>
+          <a:prstGeom prst="straightConnector1">
+            <a:avLst/>
+          </a:prstGeom>
+          <a:ln>
+            <a:tailEnd type="triangle"/>
+          </a:ln>
+        </p:spPr>
+        <p:style>
+          <a:lnRef idx="1">
+            <a:schemeClr val="accent1"/>
+          </a:lnRef>
+          <a:fillRef idx="0">
+            <a:schemeClr val="accent1"/>
+          </a:fillRef>
+          <a:effectRef idx="0">
+            <a:schemeClr val="accent1"/>
+          </a:effectRef>
+          <a:fontRef idx="minor">
+            <a:schemeClr val="tx1"/>
+          </a:fontRef>
+        </p:style>
+      </p:cxnSp>
+      <p:cxnSp>
+        <p:nvCxnSpPr>
+          <p:cNvPr id="34" name="直線矢印コネクタ 33">
+            <a:extLst>
+              <a:ext uri="{FF2B5EF4-FFF2-40B4-BE49-F238E27FC236}">
+                <a16:creationId xmlns:a16="http://schemas.microsoft.com/office/drawing/2014/main" id="{046F28D4-5DA0-7549-8F8D-22B7F03C7B97}"/>
+              </a:ext>
+            </a:extLst>
+          </p:cNvPr>
+          <p:cNvCxnSpPr>
+            <a:cxnSpLocks/>
+            <a:stCxn id="11" idx="2"/>
+            <a:endCxn id="6" idx="0"/>
+          </p:cNvCxnSpPr>
+          <p:nvPr/>
+        </p:nvCxnSpPr>
+        <p:spPr>
+          <a:xfrm>
+            <a:off x="2673754" y="5493397"/>
+            <a:ext cx="0" cy="469016"/>
+          </a:xfrm>
+          <a:prstGeom prst="straightConnector1">
+            <a:avLst/>
+          </a:prstGeom>
+          <a:ln>
+            <a:tailEnd type="triangle"/>
+          </a:ln>
+        </p:spPr>
+        <p:style>
+          <a:lnRef idx="1">
+            <a:schemeClr val="accent1"/>
+          </a:lnRef>
+          <a:fillRef idx="0">
+            <a:schemeClr val="accent1"/>
+          </a:fillRef>
+          <a:effectRef idx="0">
+            <a:schemeClr val="accent1"/>
+          </a:effectRef>
+          <a:fontRef idx="minor">
+            <a:schemeClr val="tx1"/>
+          </a:fontRef>
+        </p:style>
+      </p:cxnSp>
+      <p:cxnSp>
+        <p:nvCxnSpPr>
+          <p:cNvPr id="39" name="カギ線コネクタ 38">
+            <a:extLst>
+              <a:ext uri="{FF2B5EF4-FFF2-40B4-BE49-F238E27FC236}">
+                <a16:creationId xmlns:a16="http://schemas.microsoft.com/office/drawing/2014/main" id="{C64DD11C-DF81-CF4D-BAA2-D2FFA7B7E6DE}"/>
+              </a:ext>
+            </a:extLst>
+          </p:cNvPr>
+          <p:cNvCxnSpPr>
+            <a:cxnSpLocks/>
+          </p:cNvCxnSpPr>
+          <p:nvPr/>
+        </p:nvCxnSpPr>
+        <p:spPr>
+          <a:xfrm rot="5400000" flipH="1" flipV="1">
+            <a:off x="1920867" y="3898079"/>
+            <a:ext cx="2835041" cy="12701"/>
+          </a:xfrm>
+          <a:prstGeom prst="bentConnector4">
+            <a:avLst>
+              <a:gd name="adj1" fmla="val 351"/>
+              <a:gd name="adj2" fmla="val 1899858"/>
+            </a:avLst>
+          </a:prstGeom>
+          <a:ln>
+            <a:tailEnd type="triangle"/>
+          </a:ln>
+        </p:spPr>
+        <p:style>
+          <a:lnRef idx="1">
+            <a:schemeClr val="accent1"/>
+          </a:lnRef>
+          <a:fillRef idx="0">
+            <a:schemeClr val="accent1"/>
+          </a:fillRef>
+          <a:effectRef idx="0">
+            <a:schemeClr val="accent1"/>
+          </a:effectRef>
+          <a:fontRef idx="minor">
+            <a:schemeClr val="tx1"/>
+          </a:fontRef>
+        </p:style>
+      </p:cxnSp>
+      <p:sp>
+        <p:nvSpPr>
+          <p:cNvPr id="46" name="テキスト ボックス 45">
+            <a:extLst>
+              <a:ext uri="{FF2B5EF4-FFF2-40B4-BE49-F238E27FC236}">
+                <a16:creationId xmlns:a16="http://schemas.microsoft.com/office/drawing/2014/main" id="{CE9E6071-21BF-AE4F-9408-4B3624162AFC}"/>
+              </a:ext>
+            </a:extLst>
+          </p:cNvPr>
+          <p:cNvSpPr txBox="1"/>
+          <p:nvPr/>
+        </p:nvSpPr>
+        <p:spPr>
+          <a:xfrm>
+            <a:off x="2998911" y="4909297"/>
+            <a:ext cx="691653" cy="369332"/>
+          </a:xfrm>
+          <a:prstGeom prst="rect">
+            <a:avLst/>
+          </a:prstGeom>
+          <a:noFill/>
+        </p:spPr>
+        <p:txBody>
+          <a:bodyPr wrap="square" rtlCol="0">
+            <a:spAutoFit/>
+          </a:bodyPr>
+          <a:lstStyle/>
+          <a:p>
+            <a:r>
+              <a:rPr kumimoji="1" lang="en-US" altLang="ja-JP" dirty="0"/>
+              <a:t>yes</a:t>
+            </a:r>
+            <a:endParaRPr kumimoji="1" lang="ja-JP" altLang="en-US"/>
+          </a:p>
+        </p:txBody>
+      </p:sp>
+      <p:sp>
+        <p:nvSpPr>
+          <p:cNvPr id="47" name="テキスト ボックス 46">
+            <a:extLst>
+              <a:ext uri="{FF2B5EF4-FFF2-40B4-BE49-F238E27FC236}">
+                <a16:creationId xmlns:a16="http://schemas.microsoft.com/office/drawing/2014/main" id="{5D1063E1-D2F9-8F41-A490-54DC2F5FA53A}"/>
+              </a:ext>
+            </a:extLst>
+          </p:cNvPr>
+          <p:cNvSpPr txBox="1"/>
+          <p:nvPr/>
+        </p:nvSpPr>
+        <p:spPr>
+          <a:xfrm>
+            <a:off x="2744911" y="5371789"/>
+            <a:ext cx="691653" cy="369332"/>
+          </a:xfrm>
+          <a:prstGeom prst="rect">
+            <a:avLst/>
+          </a:prstGeom>
+          <a:noFill/>
+        </p:spPr>
+        <p:txBody>
+          <a:bodyPr wrap="square" rtlCol="0">
+            <a:spAutoFit/>
+          </a:bodyPr>
+          <a:lstStyle/>
+          <a:p>
+            <a:r>
+              <a:rPr kumimoji="1" lang="en-US" altLang="ja-JP" dirty="0"/>
+              <a:t>no</a:t>
+            </a:r>
+            <a:endParaRPr kumimoji="1" lang="ja-JP" altLang="en-US"/>
+          </a:p>
+        </p:txBody>
+      </p:sp>
+      <p:sp>
+        <p:nvSpPr>
+          <p:cNvPr id="48" name="正方形/長方形 47">
+            <a:extLst>
+              <a:ext uri="{FF2B5EF4-FFF2-40B4-BE49-F238E27FC236}">
+                <a16:creationId xmlns:a16="http://schemas.microsoft.com/office/drawing/2014/main" id="{37C615AE-F949-024C-9AE4-B95B3FFB7D1D}"/>
+              </a:ext>
+            </a:extLst>
+          </p:cNvPr>
+          <p:cNvSpPr/>
+          <p:nvPr/>
+        </p:nvSpPr>
+        <p:spPr>
+          <a:xfrm>
+            <a:off x="6095999" y="3679703"/>
+            <a:ext cx="5587997" cy="3132080"/>
+          </a:xfrm>
+          <a:prstGeom prst="rect">
+            <a:avLst/>
+          </a:prstGeom>
+          <a:noFill/>
+        </p:spPr>
+        <p:style>
+          <a:lnRef idx="2">
+            <a:schemeClr val="accent1">
+              <a:shade val="50000"/>
+            </a:schemeClr>
+          </a:lnRef>
+          <a:fillRef idx="1">
+            <a:schemeClr val="accent1"/>
+          </a:fillRef>
+          <a:effectRef idx="0">
+            <a:schemeClr val="accent1"/>
+          </a:effectRef>
+          <a:fontRef idx="minor">
+            <a:schemeClr val="lt1"/>
+          </a:fontRef>
+        </p:style>
+        <p:txBody>
+          <a:bodyPr rtlCol="0" anchor="ctr"/>
+          <a:lstStyle/>
+          <a:p>
+            <a:pPr algn="ctr"/>
+            <a:endParaRPr kumimoji="1" lang="ja-JP" altLang="en-US"/>
+          </a:p>
+        </p:txBody>
+      </p:sp>
+      <p:sp>
+        <p:nvSpPr>
+          <p:cNvPr id="49" name="テキスト ボックス 48">
+            <a:extLst>
+              <a:ext uri="{FF2B5EF4-FFF2-40B4-BE49-F238E27FC236}">
+                <a16:creationId xmlns:a16="http://schemas.microsoft.com/office/drawing/2014/main" id="{A753B3B4-8698-3249-A95A-4F306C597447}"/>
+              </a:ext>
+            </a:extLst>
+          </p:cNvPr>
+          <p:cNvSpPr txBox="1"/>
+          <p:nvPr/>
+        </p:nvSpPr>
+        <p:spPr>
+          <a:xfrm>
+            <a:off x="5744136" y="46217"/>
+            <a:ext cx="2108269" cy="246221"/>
+          </a:xfrm>
+          <a:prstGeom prst="rect">
+            <a:avLst/>
+          </a:prstGeom>
+          <a:noFill/>
+        </p:spPr>
+        <p:txBody>
+          <a:bodyPr wrap="none" rtlCol="0">
+            <a:spAutoFit/>
+          </a:bodyPr>
+          <a:lstStyle/>
+          <a:p>
+            <a:r>
+              <a:rPr kumimoji="1" lang="ja-JP" altLang="en-US" sz="1000"/>
+              <a:t>■遊びモードでない時（画面①）</a:t>
+            </a:r>
+            <a:endParaRPr kumimoji="1" lang="en-US" altLang="ja-JP" sz="1000" dirty="0"/>
+          </a:p>
+        </p:txBody>
+      </p:sp>
+      <p:sp>
+        <p:nvSpPr>
+          <p:cNvPr id="51" name="テキスト ボックス 50">
+            <a:extLst>
+              <a:ext uri="{FF2B5EF4-FFF2-40B4-BE49-F238E27FC236}">
+                <a16:creationId xmlns:a16="http://schemas.microsoft.com/office/drawing/2014/main" id="{D50EFBF0-0A62-C342-9687-B23C0E024A0C}"/>
+              </a:ext>
+            </a:extLst>
+          </p:cNvPr>
+          <p:cNvSpPr txBox="1"/>
+          <p:nvPr/>
+        </p:nvSpPr>
+        <p:spPr>
+          <a:xfrm>
+            <a:off x="5744136" y="3470127"/>
+            <a:ext cx="1723549" cy="246221"/>
+          </a:xfrm>
+          <a:prstGeom prst="rect">
+            <a:avLst/>
+          </a:prstGeom>
+          <a:noFill/>
+        </p:spPr>
+        <p:txBody>
+          <a:bodyPr wrap="none" rtlCol="0">
+            <a:spAutoFit/>
+          </a:bodyPr>
+          <a:lstStyle/>
+          <a:p>
+            <a:r>
+              <a:rPr kumimoji="1" lang="ja-JP" altLang="en-US" sz="1000"/>
+              <a:t>■遊びモード時（画面②）</a:t>
+            </a:r>
+            <a:endParaRPr kumimoji="1" lang="en-US" altLang="ja-JP" sz="1000" dirty="0"/>
+          </a:p>
+        </p:txBody>
+      </p:sp>
+      <p:cxnSp>
+        <p:nvCxnSpPr>
+          <p:cNvPr id="55" name="直線矢印コネクタ 54">
+            <a:extLst>
+              <a:ext uri="{FF2B5EF4-FFF2-40B4-BE49-F238E27FC236}">
+                <a16:creationId xmlns:a16="http://schemas.microsoft.com/office/drawing/2014/main" id="{1CB475E5-8362-334B-B199-8F222D4EAA39}"/>
+              </a:ext>
+            </a:extLst>
+          </p:cNvPr>
+          <p:cNvCxnSpPr>
+            <a:cxnSpLocks/>
+            <a:stCxn id="7" idx="2"/>
+          </p:cNvCxnSpPr>
+          <p:nvPr/>
+        </p:nvCxnSpPr>
+        <p:spPr>
+          <a:xfrm>
+            <a:off x="2680105" y="2000488"/>
+            <a:ext cx="0" cy="278987"/>
+          </a:xfrm>
+          <a:prstGeom prst="straightConnector1">
+            <a:avLst/>
+          </a:prstGeom>
+          <a:ln>
+            <a:tailEnd type="triangle"/>
+          </a:ln>
+        </p:spPr>
+        <p:style>
+          <a:lnRef idx="1">
+            <a:schemeClr val="accent1"/>
+          </a:lnRef>
+          <a:fillRef idx="0">
+            <a:schemeClr val="accent1"/>
+          </a:fillRef>
+          <a:effectRef idx="0">
+            <a:schemeClr val="accent1"/>
+          </a:effectRef>
+          <a:fontRef idx="minor">
+            <a:schemeClr val="tx1"/>
+          </a:fontRef>
+        </p:style>
+      </p:cxnSp>
+      <p:sp>
+        <p:nvSpPr>
+          <p:cNvPr id="59" name="テキスト ボックス 58">
+            <a:extLst>
+              <a:ext uri="{FF2B5EF4-FFF2-40B4-BE49-F238E27FC236}">
+                <a16:creationId xmlns:a16="http://schemas.microsoft.com/office/drawing/2014/main" id="{897A7985-D581-D849-9A68-164526F78739}"/>
+              </a:ext>
+            </a:extLst>
+          </p:cNvPr>
+          <p:cNvSpPr txBox="1"/>
+          <p:nvPr/>
+        </p:nvSpPr>
+        <p:spPr>
+          <a:xfrm>
+            <a:off x="3581182" y="2080931"/>
+            <a:ext cx="1338828" cy="246221"/>
+          </a:xfrm>
+          <a:prstGeom prst="rect">
+            <a:avLst/>
+          </a:prstGeom>
+          <a:noFill/>
+        </p:spPr>
+        <p:txBody>
+          <a:bodyPr wrap="none" rtlCol="0">
+            <a:spAutoFit/>
+          </a:bodyPr>
+          <a:lstStyle/>
+          <a:p>
+            <a:r>
+              <a:rPr lang="ja-JP" altLang="en-US" sz="1000"/>
+              <a:t>➡︎画面</a:t>
+            </a:r>
+            <a:r>
+              <a:rPr lang="en-US" altLang="ja-JP" sz="1000" dirty="0"/>
+              <a:t>①</a:t>
+            </a:r>
+            <a:r>
+              <a:rPr lang="ja-JP" altLang="en-US" sz="1000"/>
+              <a:t>→②に遷移</a:t>
+            </a:r>
+            <a:endParaRPr kumimoji="1" lang="en-US" altLang="ja-JP" sz="1000" dirty="0"/>
+          </a:p>
+        </p:txBody>
+      </p:sp>
+      <p:sp>
+        <p:nvSpPr>
+          <p:cNvPr id="60" name="テキスト ボックス 59">
+            <a:extLst>
+              <a:ext uri="{FF2B5EF4-FFF2-40B4-BE49-F238E27FC236}">
+                <a16:creationId xmlns:a16="http://schemas.microsoft.com/office/drawing/2014/main" id="{4B08419E-191D-724C-B84A-1ACC018A11E3}"/>
+              </a:ext>
+            </a:extLst>
+          </p:cNvPr>
+          <p:cNvSpPr txBox="1"/>
+          <p:nvPr/>
+        </p:nvSpPr>
+        <p:spPr>
+          <a:xfrm>
+            <a:off x="3594503" y="5604794"/>
+            <a:ext cx="1338828" cy="246221"/>
+          </a:xfrm>
+          <a:prstGeom prst="rect">
+            <a:avLst/>
+          </a:prstGeom>
+          <a:noFill/>
+        </p:spPr>
+        <p:txBody>
+          <a:bodyPr wrap="none" rtlCol="0">
+            <a:spAutoFit/>
+          </a:bodyPr>
+          <a:lstStyle/>
+          <a:p>
+            <a:r>
+              <a:rPr lang="ja-JP" altLang="en-US" sz="1000"/>
+              <a:t>➡︎画面②→</a:t>
+            </a:r>
+            <a:r>
+              <a:rPr lang="en-US" altLang="ja-JP" sz="1000" dirty="0"/>
+              <a:t>①</a:t>
+            </a:r>
+            <a:r>
+              <a:rPr lang="ja-JP" altLang="en-US" sz="1000"/>
+              <a:t>に遷移</a:t>
+            </a:r>
+            <a:endParaRPr kumimoji="1" lang="en-US" altLang="ja-JP" sz="1000" dirty="0"/>
+          </a:p>
+        </p:txBody>
+      </p:sp>
+      <p:pic>
+        <p:nvPicPr>
+          <p:cNvPr id="63" name="図 62">
+            <a:extLst>
+              <a:ext uri="{FF2B5EF4-FFF2-40B4-BE49-F238E27FC236}">
+                <a16:creationId xmlns:a16="http://schemas.microsoft.com/office/drawing/2014/main" id="{230A6F68-F37E-A24A-B84F-23C8609124B1}"/>
+              </a:ext>
+            </a:extLst>
+          </p:cNvPr>
+          <p:cNvPicPr>
+            <a:picLocks noChangeAspect="1"/>
+          </p:cNvPicPr>
+          <p:nvPr/>
+        </p:nvPicPr>
+        <p:blipFill>
+          <a:blip r:embed="rId2"/>
+          <a:stretch>
+            <a:fillRect/>
+          </a:stretch>
+        </p:blipFill>
+        <p:spPr>
+          <a:xfrm>
+            <a:off x="7840909" y="371456"/>
+            <a:ext cx="2229786" cy="2965385"/>
+          </a:xfrm>
+          <a:prstGeom prst="rect">
+            <a:avLst/>
+          </a:prstGeom>
+        </p:spPr>
+      </p:pic>
+      <p:sp>
+        <p:nvSpPr>
+          <p:cNvPr id="64" name="テキスト ボックス 63">
+            <a:extLst>
+              <a:ext uri="{FF2B5EF4-FFF2-40B4-BE49-F238E27FC236}">
+                <a16:creationId xmlns:a16="http://schemas.microsoft.com/office/drawing/2014/main" id="{BDD555B1-DD86-E148-8260-CD7D6404EB55}"/>
+              </a:ext>
+            </a:extLst>
+          </p:cNvPr>
+          <p:cNvSpPr txBox="1"/>
+          <p:nvPr/>
+        </p:nvSpPr>
+        <p:spPr>
+          <a:xfrm>
+            <a:off x="8427451" y="1339401"/>
+            <a:ext cx="1056700" cy="246221"/>
+          </a:xfrm>
+          <a:prstGeom prst="rect">
+            <a:avLst/>
+          </a:prstGeom>
+          <a:noFill/>
+        </p:spPr>
+        <p:txBody>
+          <a:bodyPr wrap="none" rtlCol="0">
+            <a:spAutoFit/>
+          </a:bodyPr>
+          <a:lstStyle/>
+          <a:p>
+            <a:r>
+              <a:rPr kumimoji="1" lang="en-US" altLang="ja-JP" sz="1000" b="1" dirty="0"/>
+              <a:t>{</a:t>
+            </a:r>
+            <a:r>
+              <a:rPr kumimoji="1" lang="ja-JP" altLang="en-US" sz="1000" b="1"/>
+              <a:t>プロダクト名</a:t>
+            </a:r>
+            <a:r>
+              <a:rPr kumimoji="1" lang="en-US" altLang="ja-JP" sz="1000" b="1" dirty="0"/>
+              <a:t>}</a:t>
+            </a:r>
+          </a:p>
+        </p:txBody>
+      </p:sp>
+      <p:sp>
+        <p:nvSpPr>
+          <p:cNvPr id="65" name="角丸四角形 64">
+            <a:extLst>
+              <a:ext uri="{FF2B5EF4-FFF2-40B4-BE49-F238E27FC236}">
+                <a16:creationId xmlns:a16="http://schemas.microsoft.com/office/drawing/2014/main" id="{477E5BD3-E2B8-0646-8A35-DF193AFC2EDA}"/>
+              </a:ext>
+            </a:extLst>
+          </p:cNvPr>
+          <p:cNvSpPr/>
+          <p:nvPr/>
+        </p:nvSpPr>
+        <p:spPr>
+          <a:xfrm>
+            <a:off x="8232543" y="2565085"/>
+            <a:ext cx="1467068" cy="512099"/>
+          </a:xfrm>
+          <a:prstGeom prst="roundRect">
+            <a:avLst/>
+          </a:prstGeom>
+        </p:spPr>
+        <p:style>
+          <a:lnRef idx="2">
+            <a:schemeClr val="accent4">
+              <a:shade val="50000"/>
+            </a:schemeClr>
+          </a:lnRef>
+          <a:fillRef idx="1">
+            <a:schemeClr val="accent4"/>
+          </a:fillRef>
+          <a:effectRef idx="0">
+            <a:schemeClr val="accent4"/>
+          </a:effectRef>
+          <a:fontRef idx="minor">
+            <a:schemeClr val="lt1"/>
+          </a:fontRef>
+        </p:style>
+        <p:txBody>
+          <a:bodyPr rtlCol="0" anchor="ctr"/>
+          <a:lstStyle/>
+          <a:p>
+            <a:pPr algn="ctr"/>
+            <a:r>
+              <a:rPr kumimoji="1" lang="en-US" altLang="ja-JP" sz="1200" dirty="0"/>
+              <a:t>[</a:t>
+            </a:r>
+            <a:r>
+              <a:rPr kumimoji="1" lang="ja-JP" altLang="en-US" sz="1200"/>
+              <a:t>ボタン</a:t>
+            </a:r>
+            <a:r>
+              <a:rPr kumimoji="1" lang="en-US" altLang="ja-JP" sz="1200" dirty="0"/>
+              <a:t>]</a:t>
+            </a:r>
+          </a:p>
+          <a:p>
+            <a:pPr algn="ctr"/>
+            <a:r>
+              <a:rPr kumimoji="1" lang="ja-JP" altLang="en-US" sz="1200"/>
+              <a:t>カメラを起動して</a:t>
+            </a:r>
+            <a:endParaRPr kumimoji="1" lang="en-US" altLang="ja-JP" sz="1200" dirty="0"/>
+          </a:p>
+          <a:p>
+            <a:pPr algn="ctr"/>
+            <a:r>
+              <a:rPr kumimoji="1" lang="ja-JP" altLang="en-US" sz="1200"/>
+              <a:t>変顔を撮影する</a:t>
+            </a:r>
+          </a:p>
+        </p:txBody>
+      </p:sp>
+      <p:sp>
+        <p:nvSpPr>
+          <p:cNvPr id="67" name="テキスト ボックス 66">
+            <a:extLst>
+              <a:ext uri="{FF2B5EF4-FFF2-40B4-BE49-F238E27FC236}">
+                <a16:creationId xmlns:a16="http://schemas.microsoft.com/office/drawing/2014/main" id="{3DF174F2-CB82-3A4E-966C-58702BFF805F}"/>
+              </a:ext>
+            </a:extLst>
+          </p:cNvPr>
+          <p:cNvSpPr txBox="1"/>
+          <p:nvPr/>
+        </p:nvSpPr>
+        <p:spPr>
+          <a:xfrm>
+            <a:off x="3594503" y="1295821"/>
+            <a:ext cx="2427268" cy="553998"/>
+          </a:xfrm>
+          <a:prstGeom prst="rect">
+            <a:avLst/>
+          </a:prstGeom>
+          <a:noFill/>
+        </p:spPr>
+        <p:txBody>
+          <a:bodyPr wrap="none" rtlCol="0">
+            <a:spAutoFit/>
+          </a:bodyPr>
+          <a:lstStyle/>
+          <a:p>
+            <a:r>
+              <a:rPr lang="ja-JP" altLang="en-US" sz="1000"/>
+              <a:t>➡︎画面</a:t>
+            </a:r>
+            <a:r>
+              <a:rPr lang="en-US" altLang="ja-JP" sz="1000" dirty="0"/>
+              <a:t>①</a:t>
+            </a:r>
+            <a:r>
+              <a:rPr lang="ja-JP" altLang="en-US" sz="1000"/>
+              <a:t>を表示</a:t>
+            </a:r>
+            <a:endParaRPr lang="en-US" altLang="ja-JP" sz="1000" dirty="0"/>
+          </a:p>
+          <a:p>
+            <a:r>
+              <a:rPr lang="ja-JP" altLang="en-US" sz="1000"/>
+              <a:t>ユースケースを説明し、カメラを</a:t>
+            </a:r>
+            <a:r>
+              <a:rPr lang="en-US" altLang="ja-JP" sz="1000" dirty="0"/>
+              <a:t>ON</a:t>
+            </a:r>
+            <a:r>
+              <a:rPr lang="ja-JP" altLang="en-US" sz="1000"/>
+              <a:t>に</a:t>
+            </a:r>
+            <a:endParaRPr lang="en-US" altLang="ja-JP" sz="1000" dirty="0"/>
+          </a:p>
+          <a:p>
+            <a:r>
+              <a:rPr lang="ja-JP" altLang="en-US" sz="1000"/>
+              <a:t>することを承諾してもらう。</a:t>
+            </a:r>
+            <a:endParaRPr lang="en-US" altLang="ja-JP" sz="1000" dirty="0"/>
+          </a:p>
+        </p:txBody>
+      </p:sp>
+      <p:sp>
+        <p:nvSpPr>
+          <p:cNvPr id="69" name="テキスト ボックス 68">
+            <a:extLst>
+              <a:ext uri="{FF2B5EF4-FFF2-40B4-BE49-F238E27FC236}">
+                <a16:creationId xmlns:a16="http://schemas.microsoft.com/office/drawing/2014/main" id="{52CD2930-675C-2F4E-90D4-5D5889BE00F7}"/>
+              </a:ext>
+            </a:extLst>
+          </p:cNvPr>
+          <p:cNvSpPr txBox="1"/>
+          <p:nvPr/>
+        </p:nvSpPr>
+        <p:spPr>
+          <a:xfrm>
+            <a:off x="8232543" y="1691305"/>
+            <a:ext cx="1467068" cy="400110"/>
+          </a:xfrm>
+          <a:prstGeom prst="rect">
+            <a:avLst/>
+          </a:prstGeom>
+          <a:noFill/>
+        </p:spPr>
+        <p:txBody>
+          <a:bodyPr wrap="none" rtlCol="0">
+            <a:spAutoFit/>
+          </a:bodyPr>
+          <a:lstStyle/>
+          <a:p>
+            <a:pPr algn="ctr"/>
+            <a:r>
+              <a:rPr kumimoji="1" lang="ja-JP" altLang="en-US" sz="1000" b="1"/>
+              <a:t>変顔ををせよ。</a:t>
+            </a:r>
+            <a:endParaRPr kumimoji="1" lang="en-US" altLang="ja-JP" sz="1000" b="1" dirty="0"/>
+          </a:p>
+          <a:p>
+            <a:pPr algn="ctr"/>
+            <a:r>
+              <a:rPr lang="ja-JP" altLang="en-US" sz="1000" b="1"/>
+              <a:t>さすれば名与えられん</a:t>
+            </a:r>
+            <a:endParaRPr kumimoji="1" lang="en-US" altLang="ja-JP" sz="1000" b="1" dirty="0"/>
+          </a:p>
+        </p:txBody>
+      </p:sp>
+      <p:sp>
+        <p:nvSpPr>
+          <p:cNvPr id="70" name="円/楕円 69">
+            <a:extLst>
+              <a:ext uri="{FF2B5EF4-FFF2-40B4-BE49-F238E27FC236}">
+                <a16:creationId xmlns:a16="http://schemas.microsoft.com/office/drawing/2014/main" id="{D22A0DCA-8B94-6045-9588-A1A3008F7BBC}"/>
+              </a:ext>
+            </a:extLst>
+          </p:cNvPr>
+          <p:cNvSpPr/>
+          <p:nvPr/>
+        </p:nvSpPr>
+        <p:spPr>
+          <a:xfrm>
+            <a:off x="9884429" y="472431"/>
+            <a:ext cx="326372" cy="289570"/>
+          </a:xfrm>
+          <a:prstGeom prst="ellipse">
+            <a:avLst/>
+          </a:prstGeom>
+        </p:spPr>
+        <p:style>
+          <a:lnRef idx="2">
+            <a:schemeClr val="accent1">
+              <a:shade val="50000"/>
+            </a:schemeClr>
+          </a:lnRef>
+          <a:fillRef idx="1">
+            <a:schemeClr val="accent1"/>
+          </a:fillRef>
+          <a:effectRef idx="0">
+            <a:schemeClr val="accent1"/>
+          </a:effectRef>
+          <a:fontRef idx="minor">
+            <a:schemeClr val="lt1"/>
+          </a:fontRef>
+        </p:style>
+        <p:txBody>
+          <a:bodyPr rtlCol="0" anchor="ctr"/>
+          <a:lstStyle/>
+          <a:p>
+            <a:pPr algn="ctr"/>
+            <a:r>
+              <a:rPr kumimoji="1" lang="en-US" altLang="ja-JP" dirty="0" err="1"/>
+              <a:t>i</a:t>
+            </a:r>
+            <a:endParaRPr kumimoji="1" lang="ja-JP" altLang="en-US"/>
+          </a:p>
+        </p:txBody>
+      </p:sp>
+      <p:sp>
+        <p:nvSpPr>
+          <p:cNvPr id="71" name="テキスト ボックス 70">
+            <a:extLst>
+              <a:ext uri="{FF2B5EF4-FFF2-40B4-BE49-F238E27FC236}">
+                <a16:creationId xmlns:a16="http://schemas.microsoft.com/office/drawing/2014/main" id="{87C1DBDF-AEDC-E940-800A-8312A7F22DF1}"/>
+              </a:ext>
+            </a:extLst>
+          </p:cNvPr>
+          <p:cNvSpPr txBox="1"/>
+          <p:nvPr/>
+        </p:nvSpPr>
+        <p:spPr>
+          <a:xfrm>
+            <a:off x="8232543" y="3200292"/>
+            <a:ext cx="1507144" cy="215444"/>
+          </a:xfrm>
+          <a:prstGeom prst="rect">
+            <a:avLst/>
+          </a:prstGeom>
+          <a:noFill/>
+        </p:spPr>
+        <p:txBody>
+          <a:bodyPr wrap="none" rtlCol="0">
+            <a:spAutoFit/>
+          </a:bodyPr>
+          <a:lstStyle/>
+          <a:p>
+            <a:r>
+              <a:rPr lang="en-US" altLang="ja-JP" sz="800" b="1" dirty="0"/>
+              <a:t>Copyright ~~~~~~~~~~~</a:t>
+            </a:r>
+          </a:p>
+        </p:txBody>
+      </p:sp>
+      <p:pic>
+        <p:nvPicPr>
+          <p:cNvPr id="73" name="図 72">
+            <a:extLst>
+              <a:ext uri="{FF2B5EF4-FFF2-40B4-BE49-F238E27FC236}">
+                <a16:creationId xmlns:a16="http://schemas.microsoft.com/office/drawing/2014/main" id="{924FD5EE-BBCC-C54E-87D3-1845833E5FB8}"/>
+              </a:ext>
+            </a:extLst>
+          </p:cNvPr>
+          <p:cNvPicPr>
+            <a:picLocks noChangeAspect="1"/>
+          </p:cNvPicPr>
+          <p:nvPr/>
+        </p:nvPicPr>
+        <p:blipFill>
+          <a:blip r:embed="rId3"/>
+          <a:stretch>
+            <a:fillRect/>
+          </a:stretch>
+        </p:blipFill>
+        <p:spPr>
+          <a:xfrm>
+            <a:off x="8613883" y="4716883"/>
+            <a:ext cx="908205" cy="1011021"/>
+          </a:xfrm>
+          <a:prstGeom prst="rect">
+            <a:avLst/>
+          </a:prstGeom>
+        </p:spPr>
+      </p:pic>
+      <p:sp>
+        <p:nvSpPr>
+          <p:cNvPr id="74" name="テキスト ボックス 73">
+            <a:extLst>
+              <a:ext uri="{FF2B5EF4-FFF2-40B4-BE49-F238E27FC236}">
+                <a16:creationId xmlns:a16="http://schemas.microsoft.com/office/drawing/2014/main" id="{2DCDFFDB-D8D8-E040-9A43-4B6C46248401}"/>
+              </a:ext>
+            </a:extLst>
+          </p:cNvPr>
+          <p:cNvSpPr txBox="1"/>
+          <p:nvPr/>
+        </p:nvSpPr>
+        <p:spPr>
+          <a:xfrm>
+            <a:off x="6263234" y="3861740"/>
+            <a:ext cx="595035" cy="338554"/>
+          </a:xfrm>
+          <a:prstGeom prst="rect">
+            <a:avLst/>
+          </a:prstGeom>
+          <a:noFill/>
+        </p:spPr>
+        <p:txBody>
+          <a:bodyPr wrap="none" rtlCol="0">
+            <a:spAutoFit/>
+          </a:bodyPr>
+          <a:lstStyle/>
+          <a:p>
+            <a:r>
+              <a:rPr lang="ja-JP" altLang="en-US" sz="800" b="1"/>
+              <a:t>鏡の中に</a:t>
+            </a:r>
+            <a:endParaRPr lang="en-US" altLang="ja-JP" sz="800" b="1" dirty="0"/>
+          </a:p>
+          <a:p>
+            <a:r>
+              <a:rPr lang="ja-JP" altLang="en-US" sz="800" b="1"/>
+              <a:t>顔が映る</a:t>
+            </a:r>
+            <a:endParaRPr lang="en-US" altLang="ja-JP" sz="800" b="1" dirty="0"/>
+          </a:p>
+        </p:txBody>
+      </p:sp>
+      <p:cxnSp>
+        <p:nvCxnSpPr>
+          <p:cNvPr id="75" name="直線矢印コネクタ 74">
+            <a:extLst>
+              <a:ext uri="{FF2B5EF4-FFF2-40B4-BE49-F238E27FC236}">
+                <a16:creationId xmlns:a16="http://schemas.microsoft.com/office/drawing/2014/main" id="{B93BB443-3373-7541-970E-9C26139A4298}"/>
+              </a:ext>
+            </a:extLst>
+          </p:cNvPr>
+          <p:cNvCxnSpPr>
+            <a:cxnSpLocks/>
+            <a:stCxn id="74" idx="3"/>
+          </p:cNvCxnSpPr>
+          <p:nvPr/>
+        </p:nvCxnSpPr>
+        <p:spPr>
+          <a:xfrm>
+            <a:off x="6858269" y="4031017"/>
+            <a:ext cx="1975765" cy="842786"/>
+          </a:xfrm>
+          <a:prstGeom prst="straightConnector1">
+            <a:avLst/>
+          </a:prstGeom>
+          <a:ln>
+            <a:tailEnd type="triangle"/>
+          </a:ln>
+        </p:spPr>
+        <p:style>
+          <a:lnRef idx="1">
+            <a:schemeClr val="accent1"/>
+          </a:lnRef>
+          <a:fillRef idx="0">
+            <a:schemeClr val="accent1"/>
+          </a:fillRef>
+          <a:effectRef idx="0">
+            <a:schemeClr val="accent1"/>
+          </a:effectRef>
+          <a:fontRef idx="minor">
+            <a:schemeClr val="tx1"/>
+          </a:fontRef>
+        </p:style>
+      </p:cxnSp>
+      <p:sp>
+        <p:nvSpPr>
+          <p:cNvPr id="78" name="テキスト ボックス 77">
+            <a:extLst>
+              <a:ext uri="{FF2B5EF4-FFF2-40B4-BE49-F238E27FC236}">
+                <a16:creationId xmlns:a16="http://schemas.microsoft.com/office/drawing/2014/main" id="{5D5BD01D-1047-2E43-A302-8AAF069B3CCE}"/>
+              </a:ext>
+            </a:extLst>
+          </p:cNvPr>
+          <p:cNvSpPr txBox="1"/>
+          <p:nvPr/>
+        </p:nvSpPr>
+        <p:spPr>
+          <a:xfrm>
+            <a:off x="6679459" y="5137770"/>
+            <a:ext cx="1005403" cy="338554"/>
+          </a:xfrm>
+          <a:prstGeom prst="rect">
+            <a:avLst/>
+          </a:prstGeom>
+          <a:noFill/>
+        </p:spPr>
+        <p:txBody>
+          <a:bodyPr wrap="none" rtlCol="0">
+            <a:spAutoFit/>
+          </a:bodyPr>
+          <a:lstStyle/>
+          <a:p>
+            <a:r>
+              <a:rPr lang="ja-JP" altLang="en-US" sz="800" b="1"/>
+              <a:t>鏡の外は</a:t>
+            </a:r>
+            <a:endParaRPr lang="en-US" altLang="ja-JP" sz="800" b="1" dirty="0"/>
+          </a:p>
+          <a:p>
+            <a:r>
+              <a:rPr lang="ja-JP" altLang="en-US" sz="800" b="1"/>
+              <a:t>ビデオが映らない</a:t>
+            </a:r>
+            <a:endParaRPr lang="en-US" altLang="ja-JP" sz="800" b="1" dirty="0"/>
+          </a:p>
+        </p:txBody>
+      </p:sp>
+      <p:sp>
+        <p:nvSpPr>
+          <p:cNvPr id="79" name="テキスト ボックス 78">
+            <a:extLst>
+              <a:ext uri="{FF2B5EF4-FFF2-40B4-BE49-F238E27FC236}">
+                <a16:creationId xmlns:a16="http://schemas.microsoft.com/office/drawing/2014/main" id="{FFA02FB3-0AE2-6D49-A432-DCC2DA06609F}"/>
+              </a:ext>
+            </a:extLst>
+          </p:cNvPr>
+          <p:cNvSpPr txBox="1"/>
+          <p:nvPr/>
+        </p:nvSpPr>
+        <p:spPr>
+          <a:xfrm>
+            <a:off x="3746903" y="5757194"/>
+            <a:ext cx="1338828" cy="246221"/>
+          </a:xfrm>
+          <a:prstGeom prst="rect">
+            <a:avLst/>
+          </a:prstGeom>
+          <a:noFill/>
+        </p:spPr>
+        <p:txBody>
+          <a:bodyPr wrap="none" rtlCol="0">
+            <a:spAutoFit/>
+          </a:bodyPr>
+          <a:lstStyle/>
+          <a:p>
+            <a:r>
+              <a:rPr lang="ja-JP" altLang="en-US" sz="1000"/>
+              <a:t>➡︎画面②→</a:t>
+            </a:r>
+            <a:r>
+              <a:rPr lang="en-US" altLang="ja-JP" sz="1000" dirty="0"/>
+              <a:t>①</a:t>
+            </a:r>
+            <a:r>
+              <a:rPr lang="ja-JP" altLang="en-US" sz="1000"/>
+              <a:t>に遷移</a:t>
+            </a:r>
+            <a:endParaRPr kumimoji="1" lang="en-US" altLang="ja-JP" sz="1000" dirty="0"/>
+          </a:p>
+        </p:txBody>
+      </p:sp>
+      <p:sp>
+        <p:nvSpPr>
+          <p:cNvPr id="80" name="テキスト ボックス 79">
+            <a:extLst>
+              <a:ext uri="{FF2B5EF4-FFF2-40B4-BE49-F238E27FC236}">
+                <a16:creationId xmlns:a16="http://schemas.microsoft.com/office/drawing/2014/main" id="{CF56F9CC-0ED0-7C45-88E5-0F566D2DC9D7}"/>
+              </a:ext>
+            </a:extLst>
+          </p:cNvPr>
+          <p:cNvSpPr txBox="1"/>
+          <p:nvPr/>
+        </p:nvSpPr>
+        <p:spPr>
+          <a:xfrm>
+            <a:off x="3924836" y="4093984"/>
+            <a:ext cx="2045753" cy="400110"/>
+          </a:xfrm>
+          <a:prstGeom prst="rect">
+            <a:avLst/>
+          </a:prstGeom>
+          <a:noFill/>
+        </p:spPr>
+        <p:txBody>
+          <a:bodyPr wrap="none" rtlCol="0">
+            <a:spAutoFit/>
+          </a:bodyPr>
+          <a:lstStyle/>
+          <a:p>
+            <a:r>
+              <a:rPr lang="en-US" altLang="ja-JP" sz="1000" b="1" dirty="0">
+                <a:solidFill>
+                  <a:srgbClr val="FF0000"/>
+                </a:solidFill>
+              </a:rPr>
+              <a:t>[</a:t>
+            </a:r>
+            <a:r>
+              <a:rPr lang="ja-JP" altLang="en-US" sz="1000" b="1">
+                <a:solidFill>
+                  <a:srgbClr val="FF0000"/>
+                </a:solidFill>
+              </a:rPr>
+              <a:t>要相談</a:t>
+            </a:r>
+            <a:r>
+              <a:rPr lang="en-US" altLang="ja-JP" sz="1000" b="1" dirty="0">
+                <a:solidFill>
+                  <a:srgbClr val="FF0000"/>
+                </a:solidFill>
+              </a:rPr>
+              <a:t>]</a:t>
+            </a:r>
+            <a:r>
+              <a:rPr lang="ja-JP" altLang="en-US" sz="1000" b="1"/>
+              <a:t>撮影</a:t>
+            </a:r>
+            <a:r>
+              <a:rPr lang="en-US" altLang="ja-JP" sz="1000" b="1" dirty="0"/>
+              <a:t>~</a:t>
+            </a:r>
+            <a:r>
+              <a:rPr lang="ja-JP" altLang="en-US" sz="1000" b="1"/>
+              <a:t>あだ名出力までの</a:t>
+            </a:r>
+            <a:endParaRPr lang="en-US" altLang="ja-JP" sz="1000" b="1" dirty="0"/>
+          </a:p>
+          <a:p>
+            <a:r>
+              <a:rPr kumimoji="1" lang="ja-JP" altLang="en-US" sz="1000" b="1"/>
+              <a:t>待ち時間をどう対応するか</a:t>
+            </a:r>
+            <a:endParaRPr kumimoji="1" lang="en-US" altLang="ja-JP" sz="1000" b="1" dirty="0"/>
+          </a:p>
+        </p:txBody>
+      </p:sp>
+      <p:sp>
+        <p:nvSpPr>
+          <p:cNvPr id="81" name="右中かっこ 80">
+            <a:extLst>
+              <a:ext uri="{FF2B5EF4-FFF2-40B4-BE49-F238E27FC236}">
+                <a16:creationId xmlns:a16="http://schemas.microsoft.com/office/drawing/2014/main" id="{C95E3A6B-7BB8-9646-8E5A-4A7B09BCE78F}"/>
+              </a:ext>
+            </a:extLst>
+          </p:cNvPr>
+          <p:cNvSpPr/>
+          <p:nvPr/>
+        </p:nvSpPr>
+        <p:spPr>
+          <a:xfrm>
+            <a:off x="3743405" y="3625435"/>
+            <a:ext cx="160133" cy="1283862"/>
+          </a:xfrm>
+          <a:prstGeom prst="rightBrace">
+            <a:avLst/>
+          </a:prstGeom>
+        </p:spPr>
+        <p:style>
+          <a:lnRef idx="1">
+            <a:schemeClr val="accent1"/>
+          </a:lnRef>
+          <a:fillRef idx="0">
+            <a:schemeClr val="accent1"/>
+          </a:fillRef>
+          <a:effectRef idx="0">
+            <a:schemeClr val="accent1"/>
+          </a:effectRef>
+          <a:fontRef idx="minor">
+            <a:schemeClr val="tx1"/>
+          </a:fontRef>
+        </p:style>
+        <p:txBody>
+          <a:bodyPr rtlCol="0" anchor="ctr"/>
+          <a:lstStyle/>
+          <a:p>
+            <a:pPr algn="ctr"/>
+            <a:endParaRPr kumimoji="1" lang="ja-JP" altLang="en-US"/>
+          </a:p>
+        </p:txBody>
+      </p:sp>
+      <p:sp>
+        <p:nvSpPr>
+          <p:cNvPr id="83" name="フローチャート: 判断 82">
+            <a:extLst>
+              <a:ext uri="{FF2B5EF4-FFF2-40B4-BE49-F238E27FC236}">
+                <a16:creationId xmlns:a16="http://schemas.microsoft.com/office/drawing/2014/main" id="{9BF00EFE-A8B5-034C-B17E-FC58E1DC3608}"/>
+              </a:ext>
+            </a:extLst>
+          </p:cNvPr>
+          <p:cNvSpPr/>
+          <p:nvPr/>
+        </p:nvSpPr>
+        <p:spPr>
+          <a:xfrm>
+            <a:off x="1957985" y="2272541"/>
+            <a:ext cx="1444240" cy="394223"/>
+          </a:xfrm>
+          <a:prstGeom prst="flowChartDecision">
+            <a:avLst/>
+          </a:prstGeom>
+        </p:spPr>
+        <p:style>
+          <a:lnRef idx="2">
+            <a:schemeClr val="accent1">
+              <a:shade val="50000"/>
+            </a:schemeClr>
+          </a:lnRef>
+          <a:fillRef idx="1">
+            <a:schemeClr val="accent1"/>
+          </a:fillRef>
+          <a:effectRef idx="0">
+            <a:schemeClr val="accent1"/>
+          </a:effectRef>
+          <a:fontRef idx="minor">
+            <a:schemeClr val="lt1"/>
+          </a:fontRef>
+        </p:style>
+        <p:txBody>
+          <a:bodyPr rtlCol="0" anchor="ctr"/>
+          <a:lstStyle/>
+          <a:p>
+            <a:pPr algn="ctr"/>
+            <a:r>
+              <a:rPr kumimoji="1" lang="ja-JP" altLang="en-US" sz="1000"/>
+              <a:t>撮影を開始する</a:t>
+            </a:r>
+          </a:p>
+        </p:txBody>
+      </p:sp>
+      <p:cxnSp>
+        <p:nvCxnSpPr>
+          <p:cNvPr id="84" name="カギ線コネクタ 83">
+            <a:extLst>
+              <a:ext uri="{FF2B5EF4-FFF2-40B4-BE49-F238E27FC236}">
+                <a16:creationId xmlns:a16="http://schemas.microsoft.com/office/drawing/2014/main" id="{3603ECE9-F78E-CC43-AE70-B13ED74675F2}"/>
+              </a:ext>
+            </a:extLst>
+          </p:cNvPr>
+          <p:cNvCxnSpPr>
+            <a:cxnSpLocks/>
+          </p:cNvCxnSpPr>
+          <p:nvPr/>
+        </p:nvCxnSpPr>
+        <p:spPr>
+          <a:xfrm rot="16200000" flipH="1">
+            <a:off x="659567" y="3736655"/>
+            <a:ext cx="3287543" cy="753534"/>
+          </a:xfrm>
+          <a:prstGeom prst="bentConnector3">
+            <a:avLst>
+              <a:gd name="adj1" fmla="val 99647"/>
+            </a:avLst>
+          </a:prstGeom>
+          <a:ln>
+            <a:tailEnd type="triangle"/>
+          </a:ln>
+        </p:spPr>
+        <p:style>
+          <a:lnRef idx="1">
+            <a:schemeClr val="accent1"/>
+          </a:lnRef>
+          <a:fillRef idx="0">
+            <a:schemeClr val="accent1"/>
+          </a:fillRef>
+          <a:effectRef idx="0">
+            <a:schemeClr val="accent1"/>
+          </a:effectRef>
+          <a:fontRef idx="minor">
+            <a:schemeClr val="tx1"/>
+          </a:fontRef>
+        </p:style>
+      </p:cxnSp>
+      <p:sp>
+        <p:nvSpPr>
+          <p:cNvPr id="88" name="テキスト ボックス 87">
+            <a:extLst>
+              <a:ext uri="{FF2B5EF4-FFF2-40B4-BE49-F238E27FC236}">
+                <a16:creationId xmlns:a16="http://schemas.microsoft.com/office/drawing/2014/main" id="{B2FEE2E9-5DFD-5E44-A10A-F053A8093AFA}"/>
+              </a:ext>
+            </a:extLst>
+          </p:cNvPr>
+          <p:cNvSpPr txBox="1"/>
+          <p:nvPr/>
+        </p:nvSpPr>
+        <p:spPr>
+          <a:xfrm>
+            <a:off x="1515939" y="2451804"/>
+            <a:ext cx="691653" cy="369332"/>
+          </a:xfrm>
+          <a:prstGeom prst="rect">
+            <a:avLst/>
+          </a:prstGeom>
+          <a:noFill/>
+        </p:spPr>
+        <p:txBody>
+          <a:bodyPr wrap="square" rtlCol="0">
+            <a:spAutoFit/>
+          </a:bodyPr>
+          <a:lstStyle/>
+          <a:p>
+            <a:r>
+              <a:rPr kumimoji="1" lang="en-US" altLang="ja-JP" dirty="0"/>
+              <a:t>no</a:t>
+            </a:r>
+            <a:endParaRPr kumimoji="1" lang="ja-JP" altLang="en-US"/>
+          </a:p>
+        </p:txBody>
+      </p:sp>
+      <p:sp>
+        <p:nvSpPr>
+          <p:cNvPr id="89" name="テキスト ボックス 88">
+            <a:extLst>
+              <a:ext uri="{FF2B5EF4-FFF2-40B4-BE49-F238E27FC236}">
+                <a16:creationId xmlns:a16="http://schemas.microsoft.com/office/drawing/2014/main" id="{951D1D2D-89AE-B442-AD56-AE9775B87618}"/>
+              </a:ext>
+            </a:extLst>
+          </p:cNvPr>
+          <p:cNvSpPr txBox="1"/>
+          <p:nvPr/>
+        </p:nvSpPr>
+        <p:spPr>
+          <a:xfrm>
+            <a:off x="2795103" y="2525932"/>
+            <a:ext cx="691653" cy="369332"/>
+          </a:xfrm>
+          <a:prstGeom prst="rect">
+            <a:avLst/>
+          </a:prstGeom>
+          <a:noFill/>
+        </p:spPr>
+        <p:txBody>
+          <a:bodyPr wrap="square" rtlCol="0">
+            <a:spAutoFit/>
+          </a:bodyPr>
+          <a:lstStyle/>
+          <a:p>
+            <a:r>
+              <a:rPr kumimoji="1" lang="en-US" altLang="ja-JP" dirty="0"/>
+              <a:t>yes</a:t>
+            </a:r>
+            <a:endParaRPr kumimoji="1" lang="ja-JP" altLang="en-US"/>
+          </a:p>
+        </p:txBody>
+      </p:sp>
+    </p:spTree>
+    <p:extLst>
+      <p:ext uri="{BB962C8B-B14F-4D97-AF65-F5344CB8AC3E}">
+        <p14:creationId xmlns:p14="http://schemas.microsoft.com/office/powerpoint/2010/main" val="3754324853"/>
+      </p:ext>
+    </p:extLst>
+  </p:cSld>
+  <p:clrMapOvr>
+    <a:masterClrMapping/>
+  </p:clrMapOvr>
+</p:sld>
+</file>
+
+<file path=ppt/slides/slide4.xml><?xml version="1.0" encoding="utf-8"?>
+<p:sld xmlns:a="http://schemas.openxmlformats.org/drawingml/2006/main" xmlns:r="http://schemas.openxmlformats.org/officeDocument/2006/relationships" xmlns:p="http://schemas.openxmlformats.org/presentationml/2006/main">
+  <p:cSld>
+    <p:spTree>
+      <p:nvGrpSpPr>
+        <p:cNvPr id="1" name=""/>
+        <p:cNvGrpSpPr/>
+        <p:nvPr/>
+      </p:nvGrpSpPr>
+      <p:grpSpPr>
+        <a:xfrm>
+          <a:off x="0" y="0"/>
+          <a:ext cx="0" cy="0"/>
+          <a:chOff x="0" y="0"/>
+          <a:chExt cx="0" cy="0"/>
+        </a:xfrm>
+      </p:grpSpPr>
+      <p:sp>
+        <p:nvSpPr>
+          <p:cNvPr id="2" name="正方形/長方形 1">
+            <a:extLst>
+              <a:ext uri="{FF2B5EF4-FFF2-40B4-BE49-F238E27FC236}">
+                <a16:creationId xmlns:a16="http://schemas.microsoft.com/office/drawing/2014/main" id="{F1E8A5E5-9118-6F46-A8EB-6C3F6E188784}"/>
+              </a:ext>
+            </a:extLst>
+          </p:cNvPr>
+          <p:cNvSpPr/>
+          <p:nvPr/>
+        </p:nvSpPr>
+        <p:spPr>
+          <a:xfrm>
+            <a:off x="71469" y="263841"/>
+            <a:ext cx="5587997" cy="3132080"/>
+          </a:xfrm>
+          <a:prstGeom prst="rect">
+            <a:avLst/>
+          </a:prstGeom>
+          <a:noFill/>
+        </p:spPr>
+        <p:style>
+          <a:lnRef idx="2">
+            <a:schemeClr val="accent1">
+              <a:shade val="50000"/>
+            </a:schemeClr>
+          </a:lnRef>
+          <a:fillRef idx="1">
+            <a:schemeClr val="accent1"/>
+          </a:fillRef>
+          <a:effectRef idx="0">
+            <a:schemeClr val="accent1"/>
+          </a:effectRef>
+          <a:fontRef idx="minor">
+            <a:schemeClr val="lt1"/>
+          </a:fontRef>
+        </p:style>
+        <p:txBody>
+          <a:bodyPr rtlCol="0" anchor="ctr"/>
+          <a:lstStyle/>
+          <a:p>
+            <a:pPr algn="ctr"/>
+            <a:endParaRPr kumimoji="1" lang="ja-JP" altLang="en-US"/>
+          </a:p>
+        </p:txBody>
+      </p:sp>
+      <p:sp>
+        <p:nvSpPr>
+          <p:cNvPr id="3" name="テキスト ボックス 2">
+            <a:extLst>
+              <a:ext uri="{FF2B5EF4-FFF2-40B4-BE49-F238E27FC236}">
+                <a16:creationId xmlns:a16="http://schemas.microsoft.com/office/drawing/2014/main" id="{4D6374B1-074D-A543-9EF9-3D6BE9099608}"/>
+              </a:ext>
+            </a:extLst>
+          </p:cNvPr>
+          <p:cNvSpPr txBox="1"/>
+          <p:nvPr/>
+        </p:nvSpPr>
+        <p:spPr>
+          <a:xfrm>
+            <a:off x="71469" y="16933"/>
+            <a:ext cx="710451" cy="246221"/>
+          </a:xfrm>
+          <a:prstGeom prst="rect">
+            <a:avLst/>
+          </a:prstGeom>
+          <a:noFill/>
+        </p:spPr>
+        <p:txBody>
+          <a:bodyPr wrap="none" rtlCol="0">
+            <a:spAutoFit/>
+          </a:bodyPr>
+          <a:lstStyle/>
+          <a:p>
+            <a:r>
+              <a:rPr kumimoji="1" lang="en-US" altLang="ja-JP" sz="1000" dirty="0"/>
+              <a:t>1. </a:t>
+            </a:r>
+            <a:r>
+              <a:rPr kumimoji="1" lang="ja-JP" altLang="en-US" sz="1000"/>
+              <a:t>開始時</a:t>
+            </a:r>
+            <a:endParaRPr kumimoji="1" lang="en-US" altLang="ja-JP" sz="1000" dirty="0"/>
+          </a:p>
+        </p:txBody>
+      </p:sp>
+      <p:pic>
+        <p:nvPicPr>
+          <p:cNvPr id="4" name="図 3">
+            <a:extLst>
+              <a:ext uri="{FF2B5EF4-FFF2-40B4-BE49-F238E27FC236}">
+                <a16:creationId xmlns:a16="http://schemas.microsoft.com/office/drawing/2014/main" id="{324B44F8-E84C-344A-B719-DE218E8CCC37}"/>
+              </a:ext>
+            </a:extLst>
+          </p:cNvPr>
+          <p:cNvPicPr>
+            <a:picLocks noChangeAspect="1"/>
+          </p:cNvPicPr>
+          <p:nvPr/>
+        </p:nvPicPr>
+        <p:blipFill>
+          <a:blip r:embed="rId2"/>
+          <a:stretch>
+            <a:fillRect/>
+          </a:stretch>
+        </p:blipFill>
+        <p:spPr>
+          <a:xfrm>
+            <a:off x="1816379" y="351518"/>
+            <a:ext cx="2229786" cy="2965385"/>
+          </a:xfrm>
+          <a:prstGeom prst="rect">
+            <a:avLst/>
+          </a:prstGeom>
+        </p:spPr>
+      </p:pic>
+      <p:sp>
+        <p:nvSpPr>
+          <p:cNvPr id="5" name="テキスト ボックス 4">
+            <a:extLst>
+              <a:ext uri="{FF2B5EF4-FFF2-40B4-BE49-F238E27FC236}">
+                <a16:creationId xmlns:a16="http://schemas.microsoft.com/office/drawing/2014/main" id="{1E0BC9D6-EC95-814C-943D-A84496CA8936}"/>
+              </a:ext>
+            </a:extLst>
+          </p:cNvPr>
+          <p:cNvSpPr txBox="1"/>
+          <p:nvPr/>
+        </p:nvSpPr>
+        <p:spPr>
+          <a:xfrm>
+            <a:off x="2402921" y="1319463"/>
+            <a:ext cx="1056700" cy="246221"/>
+          </a:xfrm>
+          <a:prstGeom prst="rect">
+            <a:avLst/>
+          </a:prstGeom>
+          <a:noFill/>
+        </p:spPr>
+        <p:txBody>
+          <a:bodyPr wrap="none" rtlCol="0">
+            <a:spAutoFit/>
+          </a:bodyPr>
+          <a:lstStyle/>
+          <a:p>
+            <a:r>
+              <a:rPr kumimoji="1" lang="en-US" altLang="ja-JP" sz="1000" b="1" dirty="0"/>
+              <a:t>{</a:t>
+            </a:r>
+            <a:r>
+              <a:rPr kumimoji="1" lang="ja-JP" altLang="en-US" sz="1000" b="1"/>
+              <a:t>プロダクト名</a:t>
+            </a:r>
+            <a:r>
+              <a:rPr kumimoji="1" lang="en-US" altLang="ja-JP" sz="1000" b="1" dirty="0"/>
+              <a:t>}</a:t>
+            </a:r>
+          </a:p>
+        </p:txBody>
+      </p:sp>
+      <p:sp>
+        <p:nvSpPr>
+          <p:cNvPr id="6" name="角丸四角形 5">
+            <a:extLst>
+              <a:ext uri="{FF2B5EF4-FFF2-40B4-BE49-F238E27FC236}">
+                <a16:creationId xmlns:a16="http://schemas.microsoft.com/office/drawing/2014/main" id="{DD70DB3F-CDB3-8748-8E3E-052996912933}"/>
+              </a:ext>
+            </a:extLst>
+          </p:cNvPr>
+          <p:cNvSpPr/>
+          <p:nvPr/>
+        </p:nvSpPr>
+        <p:spPr>
+          <a:xfrm>
+            <a:off x="2131933" y="2393740"/>
+            <a:ext cx="1467068" cy="512099"/>
+          </a:xfrm>
+          <a:prstGeom prst="roundRect">
+            <a:avLst/>
+          </a:prstGeom>
+        </p:spPr>
+        <p:style>
+          <a:lnRef idx="2">
+            <a:schemeClr val="accent4">
+              <a:shade val="50000"/>
+            </a:schemeClr>
+          </a:lnRef>
+          <a:fillRef idx="1">
+            <a:schemeClr val="accent4"/>
+          </a:fillRef>
+          <a:effectRef idx="0">
+            <a:schemeClr val="accent4"/>
+          </a:effectRef>
+          <a:fontRef idx="minor">
+            <a:schemeClr val="lt1"/>
+          </a:fontRef>
+        </p:style>
+        <p:txBody>
+          <a:bodyPr rtlCol="0" anchor="ctr"/>
+          <a:lstStyle/>
+          <a:p>
+            <a:pPr algn="ctr"/>
+            <a:r>
+              <a:rPr kumimoji="1" lang="en-US" altLang="ja-JP" sz="1200" dirty="0"/>
+              <a:t>[</a:t>
+            </a:r>
+            <a:r>
+              <a:rPr kumimoji="1" lang="ja-JP" altLang="en-US" sz="1200"/>
+              <a:t>ボタン</a:t>
+            </a:r>
+            <a:r>
+              <a:rPr kumimoji="1" lang="en-US" altLang="ja-JP" sz="1200" dirty="0"/>
+              <a:t>]</a:t>
+            </a:r>
+          </a:p>
+          <a:p>
+            <a:pPr algn="ctr"/>
+            <a:r>
+              <a:rPr kumimoji="1" lang="ja-JP" altLang="en-US" sz="1200"/>
+              <a:t>カメラを起動して</a:t>
+            </a:r>
+            <a:endParaRPr kumimoji="1" lang="en-US" altLang="ja-JP" sz="1200" dirty="0"/>
+          </a:p>
+          <a:p>
+            <a:pPr algn="ctr"/>
+            <a:r>
+              <a:rPr kumimoji="1" lang="ja-JP" altLang="en-US" sz="1200"/>
+              <a:t>変顔を撮影する</a:t>
+            </a:r>
+          </a:p>
+        </p:txBody>
+      </p:sp>
+      <p:sp>
+        <p:nvSpPr>
+          <p:cNvPr id="7" name="テキスト ボックス 6">
+            <a:extLst>
+              <a:ext uri="{FF2B5EF4-FFF2-40B4-BE49-F238E27FC236}">
+                <a16:creationId xmlns:a16="http://schemas.microsoft.com/office/drawing/2014/main" id="{B2F39F3A-7078-BB45-95CF-6FFFD1E4E14F}"/>
+              </a:ext>
+            </a:extLst>
+          </p:cNvPr>
+          <p:cNvSpPr txBox="1"/>
+          <p:nvPr/>
+        </p:nvSpPr>
+        <p:spPr>
+          <a:xfrm>
+            <a:off x="2208013" y="1671367"/>
+            <a:ext cx="1467068" cy="400110"/>
+          </a:xfrm>
+          <a:prstGeom prst="rect">
+            <a:avLst/>
+          </a:prstGeom>
+          <a:noFill/>
+        </p:spPr>
+        <p:txBody>
+          <a:bodyPr wrap="none" rtlCol="0">
+            <a:spAutoFit/>
+          </a:bodyPr>
+          <a:lstStyle/>
+          <a:p>
+            <a:pPr algn="ctr"/>
+            <a:r>
+              <a:rPr kumimoji="1" lang="ja-JP" altLang="en-US" sz="1000" b="1"/>
+              <a:t>変顔ををせよ。</a:t>
+            </a:r>
+            <a:endParaRPr kumimoji="1" lang="en-US" altLang="ja-JP" sz="1000" b="1" dirty="0"/>
+          </a:p>
+          <a:p>
+            <a:pPr algn="ctr"/>
+            <a:r>
+              <a:rPr lang="ja-JP" altLang="en-US" sz="1000" b="1"/>
+              <a:t>さすれば名与えられん</a:t>
+            </a:r>
+            <a:endParaRPr kumimoji="1" lang="en-US" altLang="ja-JP" sz="1000" b="1" dirty="0"/>
+          </a:p>
+        </p:txBody>
+      </p:sp>
+      <p:sp>
+        <p:nvSpPr>
+          <p:cNvPr id="8" name="円/楕円 7">
+            <a:extLst>
+              <a:ext uri="{FF2B5EF4-FFF2-40B4-BE49-F238E27FC236}">
+                <a16:creationId xmlns:a16="http://schemas.microsoft.com/office/drawing/2014/main" id="{5DB840A0-F5B4-AD49-99D7-3AC886D677C5}"/>
+              </a:ext>
+            </a:extLst>
+          </p:cNvPr>
+          <p:cNvSpPr/>
+          <p:nvPr/>
+        </p:nvSpPr>
+        <p:spPr>
+          <a:xfrm>
+            <a:off x="3859899" y="452493"/>
+            <a:ext cx="326372" cy="289570"/>
+          </a:xfrm>
+          <a:prstGeom prst="ellipse">
+            <a:avLst/>
+          </a:prstGeom>
+        </p:spPr>
+        <p:style>
+          <a:lnRef idx="2">
+            <a:schemeClr val="accent1">
+              <a:shade val="50000"/>
+            </a:schemeClr>
+          </a:lnRef>
+          <a:fillRef idx="1">
+            <a:schemeClr val="accent1"/>
+          </a:fillRef>
+          <a:effectRef idx="0">
+            <a:schemeClr val="accent1"/>
+          </a:effectRef>
+          <a:fontRef idx="minor">
+            <a:schemeClr val="lt1"/>
+          </a:fontRef>
+        </p:style>
+        <p:txBody>
+          <a:bodyPr rtlCol="0" anchor="ctr"/>
+          <a:lstStyle/>
+          <a:p>
+            <a:pPr algn="ctr"/>
+            <a:r>
+              <a:rPr kumimoji="1" lang="en-US" altLang="ja-JP" dirty="0" err="1"/>
+              <a:t>i</a:t>
+            </a:r>
+            <a:endParaRPr kumimoji="1" lang="ja-JP" altLang="en-US"/>
+          </a:p>
+        </p:txBody>
+      </p:sp>
+      <p:sp>
+        <p:nvSpPr>
+          <p:cNvPr id="9" name="テキスト ボックス 8">
+            <a:extLst>
+              <a:ext uri="{FF2B5EF4-FFF2-40B4-BE49-F238E27FC236}">
+                <a16:creationId xmlns:a16="http://schemas.microsoft.com/office/drawing/2014/main" id="{D5F38711-8F63-474B-AA12-3D16AB86C5E7}"/>
+              </a:ext>
+            </a:extLst>
+          </p:cNvPr>
+          <p:cNvSpPr txBox="1"/>
+          <p:nvPr/>
+        </p:nvSpPr>
+        <p:spPr>
+          <a:xfrm>
+            <a:off x="2013280" y="4064207"/>
+            <a:ext cx="1507144" cy="215444"/>
+          </a:xfrm>
+          <a:prstGeom prst="rect">
+            <a:avLst/>
+          </a:prstGeom>
+          <a:noFill/>
+        </p:spPr>
+        <p:txBody>
+          <a:bodyPr wrap="none" rtlCol="0">
+            <a:spAutoFit/>
+          </a:bodyPr>
+          <a:lstStyle/>
+          <a:p>
+            <a:r>
+              <a:rPr lang="en-US" altLang="ja-JP" sz="800" b="1" dirty="0"/>
+              <a:t>Copyright ~~~~~~~~~~~</a:t>
+            </a:r>
+          </a:p>
+        </p:txBody>
+      </p:sp>
+      <p:sp>
+        <p:nvSpPr>
+          <p:cNvPr id="10" name="テキスト ボックス 9">
+            <a:extLst>
+              <a:ext uri="{FF2B5EF4-FFF2-40B4-BE49-F238E27FC236}">
+                <a16:creationId xmlns:a16="http://schemas.microsoft.com/office/drawing/2014/main" id="{7C9C516C-01B5-104B-A922-8ADF0689423A}"/>
+              </a:ext>
+            </a:extLst>
+          </p:cNvPr>
+          <p:cNvSpPr txBox="1"/>
+          <p:nvPr/>
+        </p:nvSpPr>
+        <p:spPr>
+          <a:xfrm>
+            <a:off x="5415" y="3415689"/>
+            <a:ext cx="966931" cy="246221"/>
+          </a:xfrm>
+          <a:prstGeom prst="rect">
+            <a:avLst/>
+          </a:prstGeom>
+          <a:noFill/>
+        </p:spPr>
+        <p:txBody>
+          <a:bodyPr wrap="none" rtlCol="0">
+            <a:spAutoFit/>
+          </a:bodyPr>
+          <a:lstStyle/>
+          <a:p>
+            <a:r>
+              <a:rPr lang="en-US" altLang="ja-JP" sz="1000" dirty="0"/>
+              <a:t>2. </a:t>
+            </a:r>
+            <a:r>
+              <a:rPr kumimoji="1" lang="ja-JP" altLang="en-US" sz="1000"/>
+              <a:t>変顔撮影前</a:t>
+            </a:r>
+            <a:endParaRPr kumimoji="1" lang="en-US" altLang="ja-JP" sz="1000" dirty="0"/>
+          </a:p>
+        </p:txBody>
+      </p:sp>
+      <p:sp>
+        <p:nvSpPr>
+          <p:cNvPr id="11" name="正方形/長方形 10">
+            <a:extLst>
+              <a:ext uri="{FF2B5EF4-FFF2-40B4-BE49-F238E27FC236}">
+                <a16:creationId xmlns:a16="http://schemas.microsoft.com/office/drawing/2014/main" id="{9B953918-9915-5A4A-B7DE-C28D65F6D4C5}"/>
+              </a:ext>
+            </a:extLst>
+          </p:cNvPr>
+          <p:cNvSpPr/>
+          <p:nvPr/>
+        </p:nvSpPr>
+        <p:spPr>
+          <a:xfrm>
+            <a:off x="71469" y="3681679"/>
+            <a:ext cx="5587997" cy="3132080"/>
+          </a:xfrm>
+          <a:prstGeom prst="rect">
+            <a:avLst/>
+          </a:prstGeom>
+          <a:noFill/>
+        </p:spPr>
+        <p:style>
+          <a:lnRef idx="2">
+            <a:schemeClr val="accent1">
+              <a:shade val="50000"/>
+            </a:schemeClr>
+          </a:lnRef>
+          <a:fillRef idx="1">
+            <a:schemeClr val="accent1"/>
+          </a:fillRef>
+          <a:effectRef idx="0">
+            <a:schemeClr val="accent1"/>
+          </a:effectRef>
+          <a:fontRef idx="minor">
+            <a:schemeClr val="lt1"/>
+          </a:fontRef>
+        </p:style>
+        <p:txBody>
+          <a:bodyPr rtlCol="0" anchor="ctr"/>
+          <a:lstStyle/>
+          <a:p>
+            <a:pPr algn="ctr"/>
+            <a:endParaRPr kumimoji="1" lang="ja-JP" altLang="en-US"/>
+          </a:p>
+        </p:txBody>
+      </p:sp>
+      <p:pic>
+        <p:nvPicPr>
+          <p:cNvPr id="12" name="図 11">
+            <a:extLst>
+              <a:ext uri="{FF2B5EF4-FFF2-40B4-BE49-F238E27FC236}">
+                <a16:creationId xmlns:a16="http://schemas.microsoft.com/office/drawing/2014/main" id="{566CD81E-9866-DC41-A694-58F399A873BD}"/>
+              </a:ext>
+            </a:extLst>
+          </p:cNvPr>
+          <p:cNvPicPr>
+            <a:picLocks noChangeAspect="1"/>
+          </p:cNvPicPr>
+          <p:nvPr/>
+        </p:nvPicPr>
+        <p:blipFill>
+          <a:blip r:embed="rId2"/>
+          <a:stretch>
+            <a:fillRect/>
+          </a:stretch>
+        </p:blipFill>
+        <p:spPr>
+          <a:xfrm>
+            <a:off x="1761151" y="3765026"/>
+            <a:ext cx="2229786" cy="2965385"/>
+          </a:xfrm>
+          <a:prstGeom prst="rect">
+            <a:avLst/>
+          </a:prstGeom>
+        </p:spPr>
+      </p:pic>
+      <p:sp>
+        <p:nvSpPr>
+          <p:cNvPr id="16" name="円/楕円 15">
+            <a:extLst>
+              <a:ext uri="{FF2B5EF4-FFF2-40B4-BE49-F238E27FC236}">
+                <a16:creationId xmlns:a16="http://schemas.microsoft.com/office/drawing/2014/main" id="{6B60B91F-56A7-054B-A742-45F4CF3CBAAF}"/>
+              </a:ext>
+            </a:extLst>
+          </p:cNvPr>
+          <p:cNvSpPr/>
+          <p:nvPr/>
+        </p:nvSpPr>
+        <p:spPr>
+          <a:xfrm>
+            <a:off x="3859899" y="3870331"/>
+            <a:ext cx="326372" cy="289570"/>
+          </a:xfrm>
+          <a:prstGeom prst="ellipse">
+            <a:avLst/>
+          </a:prstGeom>
+        </p:spPr>
+        <p:style>
+          <a:lnRef idx="2">
+            <a:schemeClr val="accent1">
+              <a:shade val="50000"/>
+            </a:schemeClr>
+          </a:lnRef>
+          <a:fillRef idx="1">
+            <a:schemeClr val="accent1"/>
+          </a:fillRef>
+          <a:effectRef idx="0">
+            <a:schemeClr val="accent1"/>
+          </a:effectRef>
+          <a:fontRef idx="minor">
+            <a:schemeClr val="lt1"/>
+          </a:fontRef>
+        </p:style>
+        <p:txBody>
+          <a:bodyPr rtlCol="0" anchor="ctr"/>
+          <a:lstStyle/>
+          <a:p>
+            <a:pPr algn="ctr"/>
+            <a:r>
+              <a:rPr kumimoji="1" lang="en-US" altLang="ja-JP" dirty="0" err="1"/>
+              <a:t>i</a:t>
+            </a:r>
+            <a:endParaRPr kumimoji="1" lang="ja-JP" altLang="en-US"/>
+          </a:p>
+        </p:txBody>
+      </p:sp>
+      <p:sp>
+        <p:nvSpPr>
+          <p:cNvPr id="17" name="テキスト ボックス 16">
+            <a:extLst>
+              <a:ext uri="{FF2B5EF4-FFF2-40B4-BE49-F238E27FC236}">
+                <a16:creationId xmlns:a16="http://schemas.microsoft.com/office/drawing/2014/main" id="{C847CC4F-79AF-F441-BBB0-041A931B4B66}"/>
+              </a:ext>
+            </a:extLst>
+          </p:cNvPr>
+          <p:cNvSpPr txBox="1"/>
+          <p:nvPr/>
+        </p:nvSpPr>
+        <p:spPr>
+          <a:xfrm>
+            <a:off x="2206155" y="6626328"/>
+            <a:ext cx="1507144" cy="215444"/>
+          </a:xfrm>
+          <a:prstGeom prst="rect">
+            <a:avLst/>
+          </a:prstGeom>
+          <a:noFill/>
+        </p:spPr>
+        <p:txBody>
+          <a:bodyPr wrap="none" rtlCol="0">
+            <a:spAutoFit/>
+          </a:bodyPr>
+          <a:lstStyle/>
+          <a:p>
+            <a:r>
+              <a:rPr lang="en-US" altLang="ja-JP" sz="800" b="1" dirty="0"/>
+              <a:t>Copyright ~~~~~~~~~~~</a:t>
+            </a:r>
+          </a:p>
+        </p:txBody>
+      </p:sp>
+      <p:pic>
+        <p:nvPicPr>
+          <p:cNvPr id="19" name="図 18">
+            <a:extLst>
+              <a:ext uri="{FF2B5EF4-FFF2-40B4-BE49-F238E27FC236}">
+                <a16:creationId xmlns:a16="http://schemas.microsoft.com/office/drawing/2014/main" id="{9FC46201-0ED8-734E-8DFD-BDF42BBF5507}"/>
+              </a:ext>
+            </a:extLst>
+          </p:cNvPr>
+          <p:cNvPicPr>
+            <a:picLocks noChangeAspect="1"/>
+          </p:cNvPicPr>
+          <p:nvPr/>
+        </p:nvPicPr>
+        <p:blipFill>
+          <a:blip r:embed="rId3"/>
+          <a:stretch>
+            <a:fillRect/>
+          </a:stretch>
+        </p:blipFill>
+        <p:spPr>
+          <a:xfrm>
+            <a:off x="2338742" y="4578832"/>
+            <a:ext cx="1074603" cy="1239927"/>
+          </a:xfrm>
+          <a:prstGeom prst="rect">
+            <a:avLst/>
+          </a:prstGeom>
+        </p:spPr>
+      </p:pic>
+      <p:sp>
+        <p:nvSpPr>
+          <p:cNvPr id="22" name="下矢印 21">
+            <a:extLst>
+              <a:ext uri="{FF2B5EF4-FFF2-40B4-BE49-F238E27FC236}">
+                <a16:creationId xmlns:a16="http://schemas.microsoft.com/office/drawing/2014/main" id="{465A1BF9-6B99-B047-BEA1-C4C01D3C34FE}"/>
+              </a:ext>
+            </a:extLst>
+          </p:cNvPr>
+          <p:cNvSpPr/>
+          <p:nvPr/>
+        </p:nvSpPr>
+        <p:spPr>
+          <a:xfrm>
+            <a:off x="2790503" y="2935093"/>
+            <a:ext cx="171082" cy="1236836"/>
+          </a:xfrm>
+          <a:prstGeom prst="downArrow">
+            <a:avLst/>
+          </a:prstGeom>
+          <a:solidFill>
+            <a:srgbClr val="FF0000"/>
+          </a:solidFill>
+          <a:ln>
+            <a:solidFill>
+              <a:schemeClr val="tx1"/>
+            </a:solidFill>
+          </a:ln>
+        </p:spPr>
+        <p:style>
+          <a:lnRef idx="2">
+            <a:schemeClr val="accent1">
+              <a:shade val="50000"/>
+            </a:schemeClr>
+          </a:lnRef>
+          <a:fillRef idx="1">
+            <a:schemeClr val="accent1"/>
+          </a:fillRef>
+          <a:effectRef idx="0">
+            <a:schemeClr val="accent1"/>
+          </a:effectRef>
+          <a:fontRef idx="minor">
+            <a:schemeClr val="lt1"/>
+          </a:fontRef>
+        </p:style>
+        <p:txBody>
+          <a:bodyPr rtlCol="0" anchor="ctr"/>
+          <a:lstStyle/>
+          <a:p>
+            <a:pPr algn="ctr"/>
+            <a:endParaRPr kumimoji="1" lang="ja-JP" altLang="en-US"/>
+          </a:p>
+        </p:txBody>
+      </p:sp>
+      <p:sp>
+        <p:nvSpPr>
+          <p:cNvPr id="23" name="テキスト ボックス 22">
+            <a:extLst>
+              <a:ext uri="{FF2B5EF4-FFF2-40B4-BE49-F238E27FC236}">
+                <a16:creationId xmlns:a16="http://schemas.microsoft.com/office/drawing/2014/main" id="{420424F4-5840-1B42-BDA2-72C9C3FB6D05}"/>
+              </a:ext>
+            </a:extLst>
+          </p:cNvPr>
+          <p:cNvSpPr txBox="1"/>
+          <p:nvPr/>
+        </p:nvSpPr>
+        <p:spPr>
+          <a:xfrm>
+            <a:off x="2892500" y="3435335"/>
+            <a:ext cx="1338828" cy="246221"/>
+          </a:xfrm>
+          <a:prstGeom prst="rect">
+            <a:avLst/>
+          </a:prstGeom>
+          <a:noFill/>
+        </p:spPr>
+        <p:txBody>
+          <a:bodyPr wrap="none" rtlCol="0">
+            <a:spAutoFit/>
+          </a:bodyPr>
+          <a:lstStyle/>
+          <a:p>
+            <a:r>
+              <a:rPr lang="en-US" altLang="ja-JP" sz="1000" dirty="0"/>
+              <a:t>①</a:t>
+            </a:r>
+            <a:r>
+              <a:rPr lang="ja-JP" altLang="en-US" sz="1000"/>
+              <a:t>撮影ボタンを押す</a:t>
+            </a:r>
+            <a:endParaRPr kumimoji="1" lang="en-US" altLang="ja-JP" sz="1000" dirty="0"/>
+          </a:p>
+        </p:txBody>
+      </p:sp>
+      <p:sp>
+        <p:nvSpPr>
+          <p:cNvPr id="25" name="正方形/長方形 24">
+            <a:extLst>
+              <a:ext uri="{FF2B5EF4-FFF2-40B4-BE49-F238E27FC236}">
+                <a16:creationId xmlns:a16="http://schemas.microsoft.com/office/drawing/2014/main" id="{53913390-7386-074E-B9E9-61053A551BAC}"/>
+              </a:ext>
+            </a:extLst>
+          </p:cNvPr>
+          <p:cNvSpPr/>
+          <p:nvPr/>
+        </p:nvSpPr>
+        <p:spPr>
+          <a:xfrm>
+            <a:off x="293796" y="4333371"/>
+            <a:ext cx="1331452" cy="779404"/>
+          </a:xfrm>
+          <a:prstGeom prst="rect">
+            <a:avLst/>
+          </a:prstGeom>
+          <a:solidFill>
+            <a:schemeClr val="accent2">
+              <a:alpha val="49734"/>
+            </a:schemeClr>
+          </a:solidFill>
+        </p:spPr>
+        <p:style>
+          <a:lnRef idx="2">
+            <a:schemeClr val="accent2">
+              <a:shade val="50000"/>
+            </a:schemeClr>
+          </a:lnRef>
+          <a:fillRef idx="1">
+            <a:schemeClr val="accent2"/>
+          </a:fillRef>
+          <a:effectRef idx="0">
+            <a:schemeClr val="accent2"/>
+          </a:effectRef>
+          <a:fontRef idx="minor">
+            <a:schemeClr val="lt1"/>
+          </a:fontRef>
+        </p:style>
+        <p:txBody>
+          <a:bodyPr rtlCol="0" anchor="ctr"/>
+          <a:lstStyle/>
+          <a:p>
+            <a:r>
+              <a:rPr kumimoji="1" lang="en-US" altLang="ja-JP" sz="1200" dirty="0"/>
+              <a:t>[</a:t>
+            </a:r>
+            <a:r>
+              <a:rPr kumimoji="1" lang="ja-JP" altLang="en-US" sz="1200"/>
+              <a:t>メモ</a:t>
+            </a:r>
+            <a:r>
+              <a:rPr kumimoji="1" lang="en-US" altLang="ja-JP" sz="1200" dirty="0"/>
+              <a:t>]</a:t>
+            </a:r>
+          </a:p>
+          <a:p>
+            <a:r>
+              <a:rPr kumimoji="1" lang="ja-JP" altLang="en-US" sz="1200"/>
+              <a:t>カメラが起動し、鏡の中に顔が映る。</a:t>
+            </a:r>
+            <a:endParaRPr kumimoji="1" lang="en-US" altLang="ja-JP" sz="1200" dirty="0"/>
+          </a:p>
+        </p:txBody>
+      </p:sp>
+      <p:sp>
+        <p:nvSpPr>
+          <p:cNvPr id="26" name="正方形/長方形 25">
+            <a:extLst>
+              <a:ext uri="{FF2B5EF4-FFF2-40B4-BE49-F238E27FC236}">
+                <a16:creationId xmlns:a16="http://schemas.microsoft.com/office/drawing/2014/main" id="{0FE3CD79-1A86-B54B-A95E-D7BBEC9FF06E}"/>
+              </a:ext>
+            </a:extLst>
+          </p:cNvPr>
+          <p:cNvSpPr/>
+          <p:nvPr/>
+        </p:nvSpPr>
+        <p:spPr>
+          <a:xfrm>
+            <a:off x="293796" y="5262467"/>
+            <a:ext cx="1331452" cy="779404"/>
+          </a:xfrm>
+          <a:prstGeom prst="rect">
+            <a:avLst/>
+          </a:prstGeom>
+          <a:solidFill>
+            <a:schemeClr val="accent2">
+              <a:alpha val="49734"/>
+            </a:schemeClr>
+          </a:solidFill>
+        </p:spPr>
+        <p:style>
+          <a:lnRef idx="2">
+            <a:schemeClr val="accent2">
+              <a:shade val="50000"/>
+            </a:schemeClr>
+          </a:lnRef>
+          <a:fillRef idx="1">
+            <a:schemeClr val="accent2"/>
+          </a:fillRef>
+          <a:effectRef idx="0">
+            <a:schemeClr val="accent2"/>
+          </a:effectRef>
+          <a:fontRef idx="minor">
+            <a:schemeClr val="lt1"/>
+          </a:fontRef>
+        </p:style>
+        <p:txBody>
+          <a:bodyPr rtlCol="0" anchor="ctr"/>
+          <a:lstStyle/>
+          <a:p>
+            <a:r>
+              <a:rPr kumimoji="1" lang="en-US" altLang="ja-JP" sz="1200" dirty="0"/>
+              <a:t>[</a:t>
+            </a:r>
+            <a:r>
+              <a:rPr kumimoji="1" lang="ja-JP" altLang="en-US" sz="1200"/>
+              <a:t>メモ</a:t>
+            </a:r>
+            <a:r>
+              <a:rPr kumimoji="1" lang="en-US" altLang="ja-JP" sz="1200" dirty="0"/>
+              <a:t>]</a:t>
+            </a:r>
+          </a:p>
+          <a:p>
+            <a:r>
+              <a:rPr kumimoji="1" lang="ja-JP" altLang="en-US" sz="1200"/>
+              <a:t>カウントダウン</a:t>
+            </a:r>
+            <a:endParaRPr kumimoji="1" lang="en-US" altLang="ja-JP" sz="1200" dirty="0"/>
+          </a:p>
+          <a:p>
+            <a:r>
+              <a:rPr lang="ja-JP" altLang="en-US" sz="1200"/>
+              <a:t>開始ボタン</a:t>
+            </a:r>
+            <a:endParaRPr kumimoji="1" lang="en-US" altLang="ja-JP" sz="1200" dirty="0"/>
+          </a:p>
+        </p:txBody>
+      </p:sp>
+      <p:cxnSp>
+        <p:nvCxnSpPr>
+          <p:cNvPr id="28" name="直線矢印コネクタ 27">
+            <a:extLst>
+              <a:ext uri="{FF2B5EF4-FFF2-40B4-BE49-F238E27FC236}">
+                <a16:creationId xmlns:a16="http://schemas.microsoft.com/office/drawing/2014/main" id="{8FC2BBB1-D34F-0C4D-85D3-5F3304E79FE4}"/>
+              </a:ext>
+            </a:extLst>
+          </p:cNvPr>
+          <p:cNvCxnSpPr>
+            <a:stCxn id="26" idx="3"/>
+          </p:cNvCxnSpPr>
+          <p:nvPr/>
+        </p:nvCxnSpPr>
+        <p:spPr>
+          <a:xfrm>
+            <a:off x="1625248" y="5652169"/>
+            <a:ext cx="975152" cy="618880"/>
+          </a:xfrm>
+          <a:prstGeom prst="straightConnector1">
+            <a:avLst/>
+          </a:prstGeom>
+          <a:ln>
+            <a:tailEnd type="triangle"/>
+          </a:ln>
+        </p:spPr>
+        <p:style>
+          <a:lnRef idx="1">
+            <a:schemeClr val="accent1"/>
+          </a:lnRef>
+          <a:fillRef idx="0">
+            <a:schemeClr val="accent1"/>
+          </a:fillRef>
+          <a:effectRef idx="0">
+            <a:schemeClr val="accent1"/>
+          </a:effectRef>
+          <a:fontRef idx="minor">
+            <a:schemeClr val="tx1"/>
+          </a:fontRef>
+        </p:style>
+      </p:cxnSp>
+      <p:pic>
+        <p:nvPicPr>
+          <p:cNvPr id="29" name="図 28">
+            <a:extLst>
+              <a:ext uri="{FF2B5EF4-FFF2-40B4-BE49-F238E27FC236}">
+                <a16:creationId xmlns:a16="http://schemas.microsoft.com/office/drawing/2014/main" id="{B9163393-3689-4941-B491-4E0554C12892}"/>
+              </a:ext>
+            </a:extLst>
+          </p:cNvPr>
+          <p:cNvPicPr>
+            <a:picLocks noChangeAspect="1"/>
+          </p:cNvPicPr>
+          <p:nvPr/>
+        </p:nvPicPr>
+        <p:blipFill>
+          <a:blip r:embed="rId4"/>
+          <a:stretch>
+            <a:fillRect/>
+          </a:stretch>
+        </p:blipFill>
+        <p:spPr>
+          <a:xfrm>
+            <a:off x="7038280" y="4019910"/>
+            <a:ext cx="820758" cy="820758"/>
+          </a:xfrm>
+          <a:prstGeom prst="rect">
+            <a:avLst/>
+          </a:prstGeom>
+        </p:spPr>
+      </p:pic>
+      <p:pic>
+        <p:nvPicPr>
+          <p:cNvPr id="30" name="図 29">
+            <a:extLst>
+              <a:ext uri="{FF2B5EF4-FFF2-40B4-BE49-F238E27FC236}">
+                <a16:creationId xmlns:a16="http://schemas.microsoft.com/office/drawing/2014/main" id="{BBE0B930-4058-5B44-BA99-79DA5426EA08}"/>
+              </a:ext>
+            </a:extLst>
+          </p:cNvPr>
+          <p:cNvPicPr>
+            <a:picLocks noChangeAspect="1"/>
+          </p:cNvPicPr>
+          <p:nvPr/>
+        </p:nvPicPr>
+        <p:blipFill>
+          <a:blip r:embed="rId5"/>
+          <a:stretch>
+            <a:fillRect/>
+          </a:stretch>
+        </p:blipFill>
+        <p:spPr>
+          <a:xfrm>
+            <a:off x="6257804" y="4068163"/>
+            <a:ext cx="717770" cy="717770"/>
+          </a:xfrm>
+          <a:prstGeom prst="rect">
+            <a:avLst/>
+          </a:prstGeom>
+        </p:spPr>
+      </p:pic>
+      <p:pic>
+        <p:nvPicPr>
+          <p:cNvPr id="31" name="図 30">
+            <a:extLst>
+              <a:ext uri="{FF2B5EF4-FFF2-40B4-BE49-F238E27FC236}">
+                <a16:creationId xmlns:a16="http://schemas.microsoft.com/office/drawing/2014/main" id="{2E48B46D-ED9B-2B4E-BA38-142466426026}"/>
+              </a:ext>
+            </a:extLst>
+          </p:cNvPr>
+          <p:cNvPicPr>
+            <a:picLocks noChangeAspect="1"/>
+          </p:cNvPicPr>
+          <p:nvPr/>
+        </p:nvPicPr>
+        <p:blipFill>
+          <a:blip r:embed="rId6"/>
+          <a:stretch>
+            <a:fillRect/>
+          </a:stretch>
+        </p:blipFill>
+        <p:spPr>
+          <a:xfrm>
+            <a:off x="7910860" y="4134948"/>
+            <a:ext cx="584200" cy="584200"/>
+          </a:xfrm>
+          <a:prstGeom prst="rect">
+            <a:avLst/>
+          </a:prstGeom>
+        </p:spPr>
+      </p:pic>
+      <p:sp>
+        <p:nvSpPr>
+          <p:cNvPr id="32" name="テキスト ボックス 31">
+            <a:extLst>
+              <a:ext uri="{FF2B5EF4-FFF2-40B4-BE49-F238E27FC236}">
+                <a16:creationId xmlns:a16="http://schemas.microsoft.com/office/drawing/2014/main" id="{37BB03D1-2BA8-F14B-B26F-CCF3B1FB763A}"/>
+              </a:ext>
+            </a:extLst>
+          </p:cNvPr>
+          <p:cNvSpPr txBox="1"/>
+          <p:nvPr/>
+        </p:nvSpPr>
+        <p:spPr>
+          <a:xfrm>
+            <a:off x="5851906" y="3787567"/>
+            <a:ext cx="2592376" cy="246221"/>
+          </a:xfrm>
+          <a:prstGeom prst="rect">
+            <a:avLst/>
+          </a:prstGeom>
+          <a:noFill/>
+        </p:spPr>
+        <p:txBody>
+          <a:bodyPr wrap="none" rtlCol="0">
+            <a:spAutoFit/>
+          </a:bodyPr>
+          <a:lstStyle/>
+          <a:p>
+            <a:r>
+              <a:rPr lang="en-US" altLang="ja-JP" sz="1000" b="1" dirty="0">
+                <a:solidFill>
+                  <a:srgbClr val="FF0000"/>
+                </a:solidFill>
+              </a:rPr>
+              <a:t>[</a:t>
+            </a:r>
+            <a:r>
+              <a:rPr lang="ja-JP" altLang="en-US" sz="1000" b="1">
+                <a:solidFill>
+                  <a:srgbClr val="FF0000"/>
+                </a:solidFill>
+              </a:rPr>
+              <a:t>要相談</a:t>
+            </a:r>
+            <a:r>
+              <a:rPr lang="en-US" altLang="ja-JP" sz="1000" b="1" dirty="0">
+                <a:solidFill>
+                  <a:srgbClr val="FF0000"/>
+                </a:solidFill>
+              </a:rPr>
+              <a:t>]</a:t>
+            </a:r>
+            <a:r>
+              <a:rPr kumimoji="1" lang="ja-JP" altLang="en-US" sz="1000" b="1"/>
+              <a:t>カウントダウンカメラアイコン案</a:t>
+            </a:r>
+            <a:endParaRPr kumimoji="1" lang="en-US" altLang="ja-JP" sz="1000" b="1" dirty="0"/>
+          </a:p>
+        </p:txBody>
+      </p:sp>
+      <p:sp>
+        <p:nvSpPr>
+          <p:cNvPr id="33" name="テキスト ボックス 32">
+            <a:extLst>
+              <a:ext uri="{FF2B5EF4-FFF2-40B4-BE49-F238E27FC236}">
+                <a16:creationId xmlns:a16="http://schemas.microsoft.com/office/drawing/2014/main" id="{6415BBD2-4921-A34C-AECC-AFACC435E32F}"/>
+              </a:ext>
+            </a:extLst>
+          </p:cNvPr>
+          <p:cNvSpPr txBox="1"/>
+          <p:nvPr/>
+        </p:nvSpPr>
+        <p:spPr>
+          <a:xfrm>
+            <a:off x="2226509" y="5783352"/>
+            <a:ext cx="1372492" cy="215444"/>
+          </a:xfrm>
+          <a:prstGeom prst="rect">
+            <a:avLst/>
+          </a:prstGeom>
+          <a:noFill/>
+        </p:spPr>
+        <p:txBody>
+          <a:bodyPr wrap="none" rtlCol="0">
+            <a:spAutoFit/>
+          </a:bodyPr>
+          <a:lstStyle/>
+          <a:p>
+            <a:r>
+              <a:rPr lang="en-US" altLang="ja-JP" sz="800" b="1" dirty="0"/>
+              <a:t>3</a:t>
+            </a:r>
+            <a:r>
+              <a:rPr lang="ja-JP" altLang="en-US" sz="800" b="1"/>
+              <a:t>秒後に貴殿の顔を占おう</a:t>
+            </a:r>
+            <a:endParaRPr lang="en-US" altLang="ja-JP" sz="800" b="1" dirty="0"/>
+          </a:p>
+        </p:txBody>
+      </p:sp>
+      <p:sp>
+        <p:nvSpPr>
+          <p:cNvPr id="34" name="テキスト ボックス 33">
+            <a:extLst>
+              <a:ext uri="{FF2B5EF4-FFF2-40B4-BE49-F238E27FC236}">
+                <a16:creationId xmlns:a16="http://schemas.microsoft.com/office/drawing/2014/main" id="{7819D867-71D8-C247-9E9B-6DA9FAE98A57}"/>
+              </a:ext>
+            </a:extLst>
+          </p:cNvPr>
+          <p:cNvSpPr txBox="1"/>
+          <p:nvPr/>
+        </p:nvSpPr>
+        <p:spPr>
+          <a:xfrm>
+            <a:off x="8592059" y="4088494"/>
+            <a:ext cx="2452916" cy="553998"/>
+          </a:xfrm>
+          <a:prstGeom prst="rect">
+            <a:avLst/>
+          </a:prstGeom>
+          <a:noFill/>
+        </p:spPr>
+        <p:txBody>
+          <a:bodyPr wrap="none" rtlCol="0">
+            <a:spAutoFit/>
+          </a:bodyPr>
+          <a:lstStyle/>
+          <a:p>
+            <a:r>
+              <a:rPr lang="ja-JP" altLang="en-US" sz="1000" b="1"/>
+              <a:t>どれにする？？</a:t>
+            </a:r>
+            <a:endParaRPr lang="en-US" altLang="ja-JP" sz="1000" b="1" dirty="0"/>
+          </a:p>
+          <a:p>
+            <a:r>
+              <a:rPr kumimoji="1" lang="ja-JP" altLang="en-US" sz="1000" b="1"/>
+              <a:t>「</a:t>
+            </a:r>
+            <a:r>
+              <a:rPr kumimoji="1" lang="en-US" altLang="ja-JP" sz="1000" b="1" dirty="0"/>
+              <a:t>X</a:t>
+            </a:r>
+            <a:r>
+              <a:rPr lang="ja-JP" altLang="en-US" sz="1000" b="1"/>
+              <a:t>秒後に」「顔を撮影される」ことを</a:t>
+            </a:r>
+            <a:endParaRPr lang="en-US" altLang="ja-JP" sz="1000" b="1" dirty="0"/>
+          </a:p>
+          <a:p>
+            <a:r>
+              <a:rPr kumimoji="1" lang="ja-JP" altLang="en-US" sz="1000" b="1"/>
+              <a:t>感覚的に示したい。</a:t>
+            </a:r>
+            <a:endParaRPr kumimoji="1" lang="en-US" altLang="ja-JP" sz="1000" b="1" dirty="0"/>
+          </a:p>
+        </p:txBody>
+      </p:sp>
+      <p:sp>
+        <p:nvSpPr>
+          <p:cNvPr id="35" name="正方形/長方形 34">
+            <a:extLst>
+              <a:ext uri="{FF2B5EF4-FFF2-40B4-BE49-F238E27FC236}">
+                <a16:creationId xmlns:a16="http://schemas.microsoft.com/office/drawing/2014/main" id="{FCCB521A-56A5-BD48-95A5-60F00D913B5D}"/>
+              </a:ext>
+            </a:extLst>
+          </p:cNvPr>
+          <p:cNvSpPr/>
+          <p:nvPr/>
+        </p:nvSpPr>
+        <p:spPr>
+          <a:xfrm>
+            <a:off x="5835628" y="263154"/>
+            <a:ext cx="5587997" cy="3132080"/>
+          </a:xfrm>
+          <a:prstGeom prst="rect">
+            <a:avLst/>
+          </a:prstGeom>
+          <a:noFill/>
+        </p:spPr>
+        <p:style>
+          <a:lnRef idx="2">
+            <a:schemeClr val="accent1">
+              <a:shade val="50000"/>
+            </a:schemeClr>
+          </a:lnRef>
+          <a:fillRef idx="1">
+            <a:schemeClr val="accent1"/>
+          </a:fillRef>
+          <a:effectRef idx="0">
+            <a:schemeClr val="accent1"/>
+          </a:effectRef>
+          <a:fontRef idx="minor">
+            <a:schemeClr val="lt1"/>
+          </a:fontRef>
+        </p:style>
+        <p:txBody>
+          <a:bodyPr rtlCol="0" anchor="ctr"/>
+          <a:lstStyle/>
+          <a:p>
+            <a:pPr algn="ctr"/>
+            <a:endParaRPr kumimoji="1" lang="ja-JP" altLang="en-US"/>
+          </a:p>
+        </p:txBody>
+      </p:sp>
+      <p:sp>
+        <p:nvSpPr>
+          <p:cNvPr id="36" name="テキスト ボックス 35">
+            <a:extLst>
+              <a:ext uri="{FF2B5EF4-FFF2-40B4-BE49-F238E27FC236}">
+                <a16:creationId xmlns:a16="http://schemas.microsoft.com/office/drawing/2014/main" id="{206FE7F4-AF33-0E42-8DAA-F98370826F72}"/>
+              </a:ext>
+            </a:extLst>
+          </p:cNvPr>
+          <p:cNvSpPr txBox="1"/>
+          <p:nvPr/>
+        </p:nvSpPr>
+        <p:spPr>
+          <a:xfrm>
+            <a:off x="5835628" y="16933"/>
+            <a:ext cx="1351652" cy="246221"/>
+          </a:xfrm>
+          <a:prstGeom prst="rect">
+            <a:avLst/>
+          </a:prstGeom>
+          <a:noFill/>
+        </p:spPr>
+        <p:txBody>
+          <a:bodyPr wrap="none" rtlCol="0">
+            <a:spAutoFit/>
+          </a:bodyPr>
+          <a:lstStyle/>
+          <a:p>
+            <a:r>
+              <a:rPr lang="en-US" altLang="ja-JP" sz="1000" dirty="0"/>
+              <a:t>3. </a:t>
+            </a:r>
+            <a:r>
+              <a:rPr lang="ja-JP" altLang="en-US" sz="1000"/>
+              <a:t>カウントダウン中</a:t>
+            </a:r>
+            <a:endParaRPr kumimoji="1" lang="en-US" altLang="ja-JP" sz="1000" dirty="0"/>
+          </a:p>
+        </p:txBody>
+      </p:sp>
+      <p:pic>
+        <p:nvPicPr>
+          <p:cNvPr id="37" name="図 36">
+            <a:extLst>
+              <a:ext uri="{FF2B5EF4-FFF2-40B4-BE49-F238E27FC236}">
+                <a16:creationId xmlns:a16="http://schemas.microsoft.com/office/drawing/2014/main" id="{FE768F35-83E3-FA47-8EEF-17E721F538E4}"/>
+              </a:ext>
+            </a:extLst>
+          </p:cNvPr>
+          <p:cNvPicPr>
+            <a:picLocks noChangeAspect="1"/>
+          </p:cNvPicPr>
+          <p:nvPr/>
+        </p:nvPicPr>
+        <p:blipFill>
+          <a:blip r:embed="rId2"/>
+          <a:stretch>
+            <a:fillRect/>
+          </a:stretch>
+        </p:blipFill>
+        <p:spPr>
+          <a:xfrm>
+            <a:off x="7812235" y="351518"/>
+            <a:ext cx="2229786" cy="2965385"/>
+          </a:xfrm>
+          <a:prstGeom prst="rect">
+            <a:avLst/>
+          </a:prstGeom>
+        </p:spPr>
+      </p:pic>
+      <p:pic>
+        <p:nvPicPr>
+          <p:cNvPr id="38" name="図 37">
+            <a:extLst>
+              <a:ext uri="{FF2B5EF4-FFF2-40B4-BE49-F238E27FC236}">
+                <a16:creationId xmlns:a16="http://schemas.microsoft.com/office/drawing/2014/main" id="{92441394-ECE0-F148-BD1C-4320992F4512}"/>
+              </a:ext>
+            </a:extLst>
+          </p:cNvPr>
+          <p:cNvPicPr>
+            <a:picLocks noChangeAspect="1"/>
+          </p:cNvPicPr>
+          <p:nvPr/>
+        </p:nvPicPr>
+        <p:blipFill>
+          <a:blip r:embed="rId7"/>
+          <a:stretch>
+            <a:fillRect/>
+          </a:stretch>
+        </p:blipFill>
+        <p:spPr>
+          <a:xfrm>
+            <a:off x="8334023" y="1169779"/>
+            <a:ext cx="1186209" cy="1318829"/>
+          </a:xfrm>
+          <a:prstGeom prst="rect">
+            <a:avLst/>
+          </a:prstGeom>
+        </p:spPr>
+      </p:pic>
+      <p:sp>
+        <p:nvSpPr>
+          <p:cNvPr id="39" name="テキスト ボックス 38">
+            <a:extLst>
+              <a:ext uri="{FF2B5EF4-FFF2-40B4-BE49-F238E27FC236}">
+                <a16:creationId xmlns:a16="http://schemas.microsoft.com/office/drawing/2014/main" id="{DED63576-3F82-AD41-86B0-FEE14077EB0E}"/>
+              </a:ext>
+            </a:extLst>
+          </p:cNvPr>
+          <p:cNvSpPr txBox="1"/>
+          <p:nvPr/>
+        </p:nvSpPr>
+        <p:spPr>
+          <a:xfrm>
+            <a:off x="8202960" y="3179790"/>
+            <a:ext cx="1507144" cy="215444"/>
+          </a:xfrm>
+          <a:prstGeom prst="rect">
+            <a:avLst/>
+          </a:prstGeom>
+          <a:noFill/>
+        </p:spPr>
+        <p:txBody>
+          <a:bodyPr wrap="none" rtlCol="0">
+            <a:spAutoFit/>
+          </a:bodyPr>
+          <a:lstStyle/>
+          <a:p>
+            <a:r>
+              <a:rPr lang="en-US" altLang="ja-JP" sz="800" b="1" dirty="0"/>
+              <a:t>Copyright ~~~~~~~~~~~</a:t>
+            </a:r>
+          </a:p>
+        </p:txBody>
+      </p:sp>
+      <p:sp>
+        <p:nvSpPr>
+          <p:cNvPr id="40" name="円/楕円 39">
+            <a:extLst>
+              <a:ext uri="{FF2B5EF4-FFF2-40B4-BE49-F238E27FC236}">
+                <a16:creationId xmlns:a16="http://schemas.microsoft.com/office/drawing/2014/main" id="{E8746DF0-10D3-0C4C-AC7D-2F518A869710}"/>
+              </a:ext>
+            </a:extLst>
+          </p:cNvPr>
+          <p:cNvSpPr/>
+          <p:nvPr/>
+        </p:nvSpPr>
+        <p:spPr>
+          <a:xfrm>
+            <a:off x="9878835" y="452493"/>
+            <a:ext cx="326372" cy="289570"/>
+          </a:xfrm>
+          <a:prstGeom prst="ellipse">
+            <a:avLst/>
+          </a:prstGeom>
+        </p:spPr>
+        <p:style>
+          <a:lnRef idx="2">
+            <a:schemeClr val="accent1">
+              <a:shade val="50000"/>
+            </a:schemeClr>
+          </a:lnRef>
+          <a:fillRef idx="1">
+            <a:schemeClr val="accent1"/>
+          </a:fillRef>
+          <a:effectRef idx="0">
+            <a:schemeClr val="accent1"/>
+          </a:effectRef>
+          <a:fontRef idx="minor">
+            <a:schemeClr val="lt1"/>
+          </a:fontRef>
+        </p:style>
+        <p:txBody>
+          <a:bodyPr rtlCol="0" anchor="ctr"/>
+          <a:lstStyle/>
+          <a:p>
+            <a:pPr algn="ctr"/>
+            <a:r>
+              <a:rPr kumimoji="1" lang="en-US" altLang="ja-JP" dirty="0" err="1"/>
+              <a:t>i</a:t>
+            </a:r>
+            <a:endParaRPr kumimoji="1" lang="ja-JP" altLang="en-US"/>
+          </a:p>
+        </p:txBody>
+      </p:sp>
+      <p:sp>
+        <p:nvSpPr>
+          <p:cNvPr id="41" name="正方形/長方形 40">
+            <a:extLst>
+              <a:ext uri="{FF2B5EF4-FFF2-40B4-BE49-F238E27FC236}">
+                <a16:creationId xmlns:a16="http://schemas.microsoft.com/office/drawing/2014/main" id="{EE533AB8-B7E3-C142-B7CE-34D216217A85}"/>
+              </a:ext>
+            </a:extLst>
+          </p:cNvPr>
+          <p:cNvSpPr/>
+          <p:nvPr/>
+        </p:nvSpPr>
+        <p:spPr>
+          <a:xfrm>
+            <a:off x="4138116" y="826771"/>
+            <a:ext cx="1331452" cy="779404"/>
+          </a:xfrm>
+          <a:prstGeom prst="rect">
+            <a:avLst/>
+          </a:prstGeom>
+          <a:solidFill>
+            <a:schemeClr val="accent2">
+              <a:alpha val="49734"/>
+            </a:schemeClr>
+          </a:solidFill>
+        </p:spPr>
+        <p:style>
+          <a:lnRef idx="2">
+            <a:schemeClr val="accent2">
+              <a:shade val="50000"/>
+            </a:schemeClr>
+          </a:lnRef>
+          <a:fillRef idx="1">
+            <a:schemeClr val="accent2"/>
+          </a:fillRef>
+          <a:effectRef idx="0">
+            <a:schemeClr val="accent2"/>
+          </a:effectRef>
+          <a:fontRef idx="minor">
+            <a:schemeClr val="lt1"/>
+          </a:fontRef>
+        </p:style>
+        <p:txBody>
+          <a:bodyPr rtlCol="0" anchor="ctr"/>
+          <a:lstStyle/>
+          <a:p>
+            <a:r>
+              <a:rPr kumimoji="1" lang="en-US" altLang="ja-JP" sz="1200" dirty="0"/>
+              <a:t>[</a:t>
+            </a:r>
+            <a:r>
+              <a:rPr kumimoji="1" lang="ja-JP" altLang="en-US" sz="1200"/>
+              <a:t>メモ</a:t>
+            </a:r>
+            <a:r>
+              <a:rPr kumimoji="1" lang="en-US" altLang="ja-JP" sz="1200" dirty="0"/>
+              <a:t>]</a:t>
+            </a:r>
+          </a:p>
+          <a:p>
+            <a:r>
+              <a:rPr kumimoji="1" lang="ja-JP" altLang="en-US" sz="1200"/>
+              <a:t>遊び方を詳細に説明するボタン</a:t>
+            </a:r>
+            <a:endParaRPr kumimoji="1" lang="en-US" altLang="ja-JP" sz="1200" dirty="0"/>
+          </a:p>
+        </p:txBody>
+      </p:sp>
+      <p:cxnSp>
+        <p:nvCxnSpPr>
+          <p:cNvPr id="42" name="直線矢印コネクタ 41">
+            <a:extLst>
+              <a:ext uri="{FF2B5EF4-FFF2-40B4-BE49-F238E27FC236}">
+                <a16:creationId xmlns:a16="http://schemas.microsoft.com/office/drawing/2014/main" id="{7513114B-AA7A-2840-B139-0B13CBE7BB9F}"/>
+              </a:ext>
+            </a:extLst>
+          </p:cNvPr>
+          <p:cNvCxnSpPr>
+            <a:cxnSpLocks/>
+            <a:stCxn id="41" idx="0"/>
+            <a:endCxn id="8" idx="6"/>
+          </p:cNvCxnSpPr>
+          <p:nvPr/>
+        </p:nvCxnSpPr>
+        <p:spPr>
+          <a:xfrm flipH="1" flipV="1">
+            <a:off x="4186271" y="597278"/>
+            <a:ext cx="617571" cy="229493"/>
+          </a:xfrm>
+          <a:prstGeom prst="straightConnector1">
+            <a:avLst/>
+          </a:prstGeom>
+          <a:ln>
+            <a:tailEnd type="triangle"/>
+          </a:ln>
+        </p:spPr>
+        <p:style>
+          <a:lnRef idx="1">
+            <a:schemeClr val="accent1"/>
+          </a:lnRef>
+          <a:fillRef idx="0">
+            <a:schemeClr val="accent1"/>
+          </a:fillRef>
+          <a:effectRef idx="0">
+            <a:schemeClr val="accent1"/>
+          </a:effectRef>
+          <a:fontRef idx="minor">
+            <a:schemeClr val="tx1"/>
+          </a:fontRef>
+        </p:style>
+      </p:cxnSp>
+      <p:sp>
+        <p:nvSpPr>
+          <p:cNvPr id="46" name="テキスト ボックス 45">
+            <a:extLst>
+              <a:ext uri="{FF2B5EF4-FFF2-40B4-BE49-F238E27FC236}">
+                <a16:creationId xmlns:a16="http://schemas.microsoft.com/office/drawing/2014/main" id="{61EF08AC-A39D-8449-B2B0-7D35E05996DD}"/>
+              </a:ext>
+            </a:extLst>
+          </p:cNvPr>
+          <p:cNvSpPr txBox="1"/>
+          <p:nvPr/>
+        </p:nvSpPr>
+        <p:spPr>
+          <a:xfrm>
+            <a:off x="5895914" y="4887093"/>
+            <a:ext cx="3145413" cy="246221"/>
+          </a:xfrm>
+          <a:prstGeom prst="rect">
+            <a:avLst/>
+          </a:prstGeom>
+          <a:noFill/>
+        </p:spPr>
+        <p:txBody>
+          <a:bodyPr wrap="none" rtlCol="0">
+            <a:spAutoFit/>
+          </a:bodyPr>
+          <a:lstStyle/>
+          <a:p>
+            <a:r>
+              <a:rPr lang="en-US" altLang="ja-JP" sz="1000" b="1" dirty="0">
+                <a:solidFill>
+                  <a:srgbClr val="FF0000"/>
+                </a:solidFill>
+              </a:rPr>
+              <a:t>[</a:t>
+            </a:r>
+            <a:r>
+              <a:rPr lang="ja-JP" altLang="en-US" sz="1000" b="1">
+                <a:solidFill>
+                  <a:srgbClr val="FF0000"/>
+                </a:solidFill>
+              </a:rPr>
+              <a:t>要相談</a:t>
+            </a:r>
+            <a:r>
+              <a:rPr lang="en-US" altLang="ja-JP" sz="1000" b="1" dirty="0">
+                <a:solidFill>
+                  <a:srgbClr val="FF0000"/>
+                </a:solidFill>
+              </a:rPr>
+              <a:t>]</a:t>
+            </a:r>
+            <a:r>
+              <a:rPr lang="ja-JP" altLang="en-US" sz="1000" b="1"/>
+              <a:t>カウントダウン中は</a:t>
+            </a:r>
+            <a:r>
+              <a:rPr lang="en-US" altLang="ja-JP" sz="1000" b="1" dirty="0" err="1"/>
+              <a:t>i</a:t>
+            </a:r>
+            <a:r>
+              <a:rPr lang="ja-JP" altLang="en-US" sz="1000" b="1"/>
+              <a:t>ボタンを消すかどうか</a:t>
+            </a:r>
+            <a:endParaRPr kumimoji="1" lang="en-US" altLang="ja-JP" sz="1000" b="1" dirty="0"/>
+          </a:p>
+        </p:txBody>
+      </p:sp>
+      <p:sp>
+        <p:nvSpPr>
+          <p:cNvPr id="47" name="下矢印 46">
+            <a:extLst>
+              <a:ext uri="{FF2B5EF4-FFF2-40B4-BE49-F238E27FC236}">
+                <a16:creationId xmlns:a16="http://schemas.microsoft.com/office/drawing/2014/main" id="{E33A1E0D-08FB-9F46-89B6-9990210B8710}"/>
+              </a:ext>
+            </a:extLst>
+          </p:cNvPr>
+          <p:cNvSpPr/>
+          <p:nvPr/>
+        </p:nvSpPr>
+        <p:spPr>
+          <a:xfrm rot="13467858">
+            <a:off x="4932439" y="1883317"/>
+            <a:ext cx="128511" cy="5068280"/>
+          </a:xfrm>
+          <a:prstGeom prst="downArrow">
+            <a:avLst/>
+          </a:prstGeom>
+          <a:solidFill>
+            <a:srgbClr val="FF0000"/>
+          </a:solidFill>
+          <a:ln>
+            <a:solidFill>
+              <a:schemeClr val="tx1"/>
+            </a:solidFill>
+          </a:ln>
+        </p:spPr>
+        <p:style>
+          <a:lnRef idx="2">
+            <a:schemeClr val="accent1">
+              <a:shade val="50000"/>
+            </a:schemeClr>
+          </a:lnRef>
+          <a:fillRef idx="1">
+            <a:schemeClr val="accent1"/>
+          </a:fillRef>
+          <a:effectRef idx="0">
+            <a:schemeClr val="accent1"/>
+          </a:effectRef>
+          <a:fontRef idx="minor">
+            <a:schemeClr val="lt1"/>
+          </a:fontRef>
+        </p:style>
+        <p:txBody>
+          <a:bodyPr rtlCol="0" anchor="ctr"/>
+          <a:lstStyle/>
+          <a:p>
+            <a:pPr algn="ctr"/>
+            <a:endParaRPr kumimoji="1" lang="ja-JP" altLang="en-US"/>
+          </a:p>
+        </p:txBody>
+      </p:sp>
+      <p:pic>
+        <p:nvPicPr>
+          <p:cNvPr id="48" name="図 47">
+            <a:extLst>
+              <a:ext uri="{FF2B5EF4-FFF2-40B4-BE49-F238E27FC236}">
+                <a16:creationId xmlns:a16="http://schemas.microsoft.com/office/drawing/2014/main" id="{E6FDBE6C-4A98-944C-849D-AABE59A67094}"/>
+              </a:ext>
+            </a:extLst>
+          </p:cNvPr>
+          <p:cNvPicPr>
+            <a:picLocks noChangeAspect="1"/>
+          </p:cNvPicPr>
+          <p:nvPr/>
+        </p:nvPicPr>
+        <p:blipFill>
+          <a:blip r:embed="rId8"/>
+          <a:stretch>
+            <a:fillRect/>
+          </a:stretch>
+        </p:blipFill>
+        <p:spPr>
+          <a:xfrm>
+            <a:off x="8696776" y="651955"/>
+            <a:ext cx="394714" cy="394714"/>
+          </a:xfrm>
+          <a:prstGeom prst="rect">
+            <a:avLst/>
+          </a:prstGeom>
+        </p:spPr>
+      </p:pic>
+      <p:pic>
+        <p:nvPicPr>
+          <p:cNvPr id="49" name="図 48">
+            <a:extLst>
+              <a:ext uri="{FF2B5EF4-FFF2-40B4-BE49-F238E27FC236}">
+                <a16:creationId xmlns:a16="http://schemas.microsoft.com/office/drawing/2014/main" id="{6186F556-CA6C-9942-A56C-52A226D77C66}"/>
+              </a:ext>
+            </a:extLst>
+          </p:cNvPr>
+          <p:cNvPicPr>
+            <a:picLocks noChangeAspect="1"/>
+          </p:cNvPicPr>
+          <p:nvPr/>
+        </p:nvPicPr>
+        <p:blipFill>
+          <a:blip r:embed="rId9"/>
+          <a:stretch>
+            <a:fillRect/>
+          </a:stretch>
+        </p:blipFill>
+        <p:spPr>
+          <a:xfrm>
+            <a:off x="8776382" y="22292"/>
+            <a:ext cx="235502" cy="235502"/>
+          </a:xfrm>
+          <a:prstGeom prst="rect">
+            <a:avLst/>
+          </a:prstGeom>
+        </p:spPr>
+      </p:pic>
+      <p:sp>
+        <p:nvSpPr>
+          <p:cNvPr id="50" name="正方形/長方形 49">
+            <a:extLst>
+              <a:ext uri="{FF2B5EF4-FFF2-40B4-BE49-F238E27FC236}">
+                <a16:creationId xmlns:a16="http://schemas.microsoft.com/office/drawing/2014/main" id="{7EAB4D1D-A106-2741-B4CF-C48033003CC4}"/>
+              </a:ext>
+            </a:extLst>
+          </p:cNvPr>
+          <p:cNvSpPr/>
+          <p:nvPr/>
+        </p:nvSpPr>
+        <p:spPr>
+          <a:xfrm>
+            <a:off x="6082656" y="586951"/>
+            <a:ext cx="1331452" cy="1733462"/>
+          </a:xfrm>
+          <a:prstGeom prst="rect">
+            <a:avLst/>
+          </a:prstGeom>
+          <a:solidFill>
+            <a:schemeClr val="accent2">
+              <a:alpha val="49734"/>
+            </a:schemeClr>
+          </a:solidFill>
+        </p:spPr>
+        <p:style>
+          <a:lnRef idx="2">
+            <a:schemeClr val="accent2">
+              <a:shade val="50000"/>
+            </a:schemeClr>
+          </a:lnRef>
+          <a:fillRef idx="1">
+            <a:schemeClr val="accent2"/>
+          </a:fillRef>
+          <a:effectRef idx="0">
+            <a:schemeClr val="accent2"/>
+          </a:effectRef>
+          <a:fontRef idx="minor">
+            <a:schemeClr val="lt1"/>
+          </a:fontRef>
+        </p:style>
+        <p:txBody>
+          <a:bodyPr rtlCol="0" anchor="ctr"/>
+          <a:lstStyle/>
+          <a:p>
+            <a:r>
+              <a:rPr kumimoji="1" lang="en-US" altLang="ja-JP" sz="1200" dirty="0"/>
+              <a:t>[</a:t>
+            </a:r>
+            <a:r>
+              <a:rPr kumimoji="1" lang="ja-JP" altLang="en-US" sz="1200"/>
+              <a:t>メモ</a:t>
+            </a:r>
+            <a:r>
+              <a:rPr kumimoji="1" lang="en-US" altLang="ja-JP" sz="1200" dirty="0"/>
+              <a:t>]</a:t>
+            </a:r>
+          </a:p>
+          <a:p>
+            <a:r>
+              <a:rPr kumimoji="1" lang="ja-JP" altLang="en-US" sz="1200"/>
+              <a:t>カウントダウン中はカウントダウンの数字を見てしまうことを想定し、</a:t>
+            </a:r>
+            <a:r>
+              <a:rPr kumimoji="1" lang="en-US" altLang="ja-JP" sz="1200" dirty="0"/>
+              <a:t>PC</a:t>
+            </a:r>
+            <a:r>
+              <a:rPr kumimoji="1" lang="ja-JP" altLang="en-US" sz="1200"/>
+              <a:t>のインカメがある上部に数字を表示する。</a:t>
+            </a:r>
+            <a:endParaRPr kumimoji="1" lang="en-US" altLang="ja-JP" sz="1200" dirty="0"/>
+          </a:p>
+        </p:txBody>
+      </p:sp>
+      <p:cxnSp>
+        <p:nvCxnSpPr>
+          <p:cNvPr id="51" name="直線矢印コネクタ 50">
+            <a:extLst>
+              <a:ext uri="{FF2B5EF4-FFF2-40B4-BE49-F238E27FC236}">
+                <a16:creationId xmlns:a16="http://schemas.microsoft.com/office/drawing/2014/main" id="{FC8C9A2A-27DA-CD47-BC24-4DADF2DC5923}"/>
+              </a:ext>
+            </a:extLst>
+          </p:cNvPr>
+          <p:cNvCxnSpPr>
+            <a:cxnSpLocks/>
+            <a:stCxn id="50" idx="3"/>
+          </p:cNvCxnSpPr>
+          <p:nvPr/>
+        </p:nvCxnSpPr>
+        <p:spPr>
+          <a:xfrm flipV="1">
+            <a:off x="7414108" y="826772"/>
+            <a:ext cx="1282668" cy="626910"/>
+          </a:xfrm>
+          <a:prstGeom prst="straightConnector1">
+            <a:avLst/>
+          </a:prstGeom>
+          <a:ln>
+            <a:tailEnd type="triangle"/>
+          </a:ln>
+        </p:spPr>
+        <p:style>
+          <a:lnRef idx="1">
+            <a:schemeClr val="accent1"/>
+          </a:lnRef>
+          <a:fillRef idx="0">
+            <a:schemeClr val="accent1"/>
+          </a:fillRef>
+          <a:effectRef idx="0">
+            <a:schemeClr val="accent1"/>
+          </a:effectRef>
+          <a:fontRef idx="minor">
+            <a:schemeClr val="tx1"/>
+          </a:fontRef>
+        </p:style>
+      </p:cxnSp>
+      <p:pic>
+        <p:nvPicPr>
+          <p:cNvPr id="55" name="図 54">
+            <a:extLst>
+              <a:ext uri="{FF2B5EF4-FFF2-40B4-BE49-F238E27FC236}">
+                <a16:creationId xmlns:a16="http://schemas.microsoft.com/office/drawing/2014/main" id="{51D5C125-C31F-2349-9A13-F6C88273B8C5}"/>
+              </a:ext>
+            </a:extLst>
+          </p:cNvPr>
+          <p:cNvPicPr>
+            <a:picLocks noChangeAspect="1"/>
+          </p:cNvPicPr>
+          <p:nvPr/>
+        </p:nvPicPr>
+        <p:blipFill>
+          <a:blip r:embed="rId10"/>
+          <a:stretch>
+            <a:fillRect/>
+          </a:stretch>
+        </p:blipFill>
+        <p:spPr>
+          <a:xfrm>
+            <a:off x="2827653" y="6252962"/>
+            <a:ext cx="435502" cy="435502"/>
+          </a:xfrm>
+          <a:prstGeom prst="rect">
+            <a:avLst/>
+          </a:prstGeom>
+        </p:spPr>
+      </p:pic>
+      <p:pic>
+        <p:nvPicPr>
+          <p:cNvPr id="24" name="図 23">
+            <a:extLst>
+              <a:ext uri="{FF2B5EF4-FFF2-40B4-BE49-F238E27FC236}">
+                <a16:creationId xmlns:a16="http://schemas.microsoft.com/office/drawing/2014/main" id="{81FF8584-7FC5-3A43-B9B3-643797C814AA}"/>
+              </a:ext>
+            </a:extLst>
+          </p:cNvPr>
+          <p:cNvPicPr>
+            <a:picLocks noChangeAspect="1"/>
+          </p:cNvPicPr>
+          <p:nvPr/>
+        </p:nvPicPr>
+        <p:blipFill>
+          <a:blip r:embed="rId6"/>
+          <a:stretch>
+            <a:fillRect/>
+          </a:stretch>
+        </p:blipFill>
+        <p:spPr>
+          <a:xfrm>
+            <a:off x="2436011" y="6257902"/>
+            <a:ext cx="417415" cy="417415"/>
+          </a:xfrm>
+          <a:prstGeom prst="rect">
+            <a:avLst/>
+          </a:prstGeom>
+        </p:spPr>
+      </p:pic>
+    </p:spTree>
+    <p:extLst>
+      <p:ext uri="{BB962C8B-B14F-4D97-AF65-F5344CB8AC3E}">
+        <p14:creationId xmlns:p14="http://schemas.microsoft.com/office/powerpoint/2010/main" val="2247015023"/>
+      </p:ext>
+    </p:extLst>
+  </p:cSld>
+  <p:clrMapOvr>
+    <a:masterClrMapping/>
+  </p:clrMapOvr>
+</p:sld>
+</file>
+
+<file path=ppt/slides/slide5.xml><?xml version="1.0" encoding="utf-8"?>
+<p:sld xmlns:a="http://schemas.openxmlformats.org/drawingml/2006/main" xmlns:r="http://schemas.openxmlformats.org/officeDocument/2006/relationships" xmlns:p="http://schemas.openxmlformats.org/presentationml/2006/main">
+  <p:cSld>
+    <p:spTree>
+      <p:nvGrpSpPr>
+        <p:cNvPr id="1" name=""/>
+        <p:cNvGrpSpPr/>
+        <p:nvPr/>
+      </p:nvGrpSpPr>
+      <p:grpSpPr>
+        <a:xfrm>
+          <a:off x="0" y="0"/>
+          <a:ext cx="0" cy="0"/>
+          <a:chOff x="0" y="0"/>
+          <a:chExt cx="0" cy="0"/>
+        </a:xfrm>
+      </p:grpSpPr>
+      <p:sp>
+        <p:nvSpPr>
+          <p:cNvPr id="2" name="正方形/長方形 1">
+            <a:extLst>
+              <a:ext uri="{FF2B5EF4-FFF2-40B4-BE49-F238E27FC236}">
+                <a16:creationId xmlns:a16="http://schemas.microsoft.com/office/drawing/2014/main" id="{C4980E19-F5EF-8E41-B018-8B3B6E507295}"/>
+              </a:ext>
+            </a:extLst>
+          </p:cNvPr>
+          <p:cNvSpPr/>
+          <p:nvPr/>
+        </p:nvSpPr>
+        <p:spPr>
+          <a:xfrm>
+            <a:off x="182080" y="296920"/>
+            <a:ext cx="5587997" cy="3132080"/>
+          </a:xfrm>
+          <a:prstGeom prst="rect">
+            <a:avLst/>
+          </a:prstGeom>
+          <a:noFill/>
+        </p:spPr>
+        <p:style>
+          <a:lnRef idx="2">
+            <a:schemeClr val="accent1">
+              <a:shade val="50000"/>
+            </a:schemeClr>
+          </a:lnRef>
+          <a:fillRef idx="1">
+            <a:schemeClr val="accent1"/>
+          </a:fillRef>
+          <a:effectRef idx="0">
+            <a:schemeClr val="accent1"/>
+          </a:effectRef>
+          <a:fontRef idx="minor">
+            <a:schemeClr val="lt1"/>
+          </a:fontRef>
+        </p:style>
+        <p:txBody>
+          <a:bodyPr rtlCol="0" anchor="ctr"/>
+          <a:lstStyle/>
+          <a:p>
+            <a:pPr algn="ctr"/>
+            <a:endParaRPr kumimoji="1" lang="ja-JP" altLang="en-US"/>
+          </a:p>
+        </p:txBody>
+      </p:sp>
+      <p:sp>
+        <p:nvSpPr>
+          <p:cNvPr id="3" name="テキスト ボックス 2">
+            <a:extLst>
+              <a:ext uri="{FF2B5EF4-FFF2-40B4-BE49-F238E27FC236}">
+                <a16:creationId xmlns:a16="http://schemas.microsoft.com/office/drawing/2014/main" id="{74B32DA6-3331-9B42-A7C5-B66F126934E1}"/>
+              </a:ext>
+            </a:extLst>
+          </p:cNvPr>
+          <p:cNvSpPr txBox="1"/>
+          <p:nvPr/>
+        </p:nvSpPr>
+        <p:spPr>
+          <a:xfrm>
+            <a:off x="71469" y="16933"/>
+            <a:ext cx="2231701" cy="246221"/>
+          </a:xfrm>
+          <a:prstGeom prst="rect">
+            <a:avLst/>
+          </a:prstGeom>
+          <a:noFill/>
+        </p:spPr>
+        <p:txBody>
+          <a:bodyPr wrap="none" rtlCol="0">
+            <a:spAutoFit/>
+          </a:bodyPr>
+          <a:lstStyle/>
+          <a:p>
+            <a:r>
+              <a:rPr lang="en-US" altLang="ja-JP" sz="1000" dirty="0"/>
+              <a:t>4. </a:t>
+            </a:r>
+            <a:r>
+              <a:rPr lang="ja-JP" altLang="en-US" sz="1000"/>
+              <a:t>撮影</a:t>
+            </a:r>
+            <a:r>
+              <a:rPr lang="en-US" altLang="ja-JP" sz="1000" dirty="0"/>
+              <a:t> ~ </a:t>
+            </a:r>
+            <a:r>
+              <a:rPr lang="ja-JP" altLang="en-US" sz="1000"/>
+              <a:t>あだ名生成中の待ち時間</a:t>
+            </a:r>
+            <a:endParaRPr kumimoji="1" lang="en-US" altLang="ja-JP" sz="1000" dirty="0"/>
+          </a:p>
+        </p:txBody>
+      </p:sp>
+      <p:pic>
+        <p:nvPicPr>
+          <p:cNvPr id="4" name="図 3">
+            <a:extLst>
+              <a:ext uri="{FF2B5EF4-FFF2-40B4-BE49-F238E27FC236}">
+                <a16:creationId xmlns:a16="http://schemas.microsoft.com/office/drawing/2014/main" id="{C5B0B3BE-765A-584C-B828-8C28EA5E24B0}"/>
+              </a:ext>
+            </a:extLst>
+          </p:cNvPr>
+          <p:cNvPicPr>
+            <a:picLocks noChangeAspect="1"/>
+          </p:cNvPicPr>
+          <p:nvPr/>
+        </p:nvPicPr>
+        <p:blipFill>
+          <a:blip r:embed="rId2"/>
+          <a:stretch>
+            <a:fillRect/>
+          </a:stretch>
+        </p:blipFill>
+        <p:spPr>
+          <a:xfrm>
+            <a:off x="1932545" y="380267"/>
+            <a:ext cx="2229786" cy="2965385"/>
+          </a:xfrm>
+          <a:prstGeom prst="rect">
+            <a:avLst/>
+          </a:prstGeom>
+        </p:spPr>
+      </p:pic>
+      <p:pic>
+        <p:nvPicPr>
+          <p:cNvPr id="5" name="図 4">
+            <a:extLst>
+              <a:ext uri="{FF2B5EF4-FFF2-40B4-BE49-F238E27FC236}">
+                <a16:creationId xmlns:a16="http://schemas.microsoft.com/office/drawing/2014/main" id="{ABF5C566-7B42-2B48-A7A8-A17EF4701991}"/>
+              </a:ext>
+            </a:extLst>
+          </p:cNvPr>
+          <p:cNvPicPr>
+            <a:picLocks noChangeAspect="1"/>
+          </p:cNvPicPr>
+          <p:nvPr/>
+        </p:nvPicPr>
+        <p:blipFill>
+          <a:blip r:embed="rId3"/>
+          <a:stretch>
+            <a:fillRect/>
+          </a:stretch>
+        </p:blipFill>
+        <p:spPr>
+          <a:xfrm>
+            <a:off x="2510136" y="1157206"/>
+            <a:ext cx="1074603" cy="1239927"/>
+          </a:xfrm>
+          <a:prstGeom prst="rect">
+            <a:avLst/>
+          </a:prstGeom>
+        </p:spPr>
+      </p:pic>
+      <p:sp>
+        <p:nvSpPr>
+          <p:cNvPr id="6" name="テキスト ボックス 5">
+            <a:extLst>
+              <a:ext uri="{FF2B5EF4-FFF2-40B4-BE49-F238E27FC236}">
+                <a16:creationId xmlns:a16="http://schemas.microsoft.com/office/drawing/2014/main" id="{A0683238-B4A7-5846-8093-E17BC5A3F3F4}"/>
+              </a:ext>
+            </a:extLst>
+          </p:cNvPr>
+          <p:cNvSpPr txBox="1"/>
+          <p:nvPr/>
+        </p:nvSpPr>
+        <p:spPr>
+          <a:xfrm>
+            <a:off x="2303170" y="3213555"/>
+            <a:ext cx="1507144" cy="215444"/>
+          </a:xfrm>
+          <a:prstGeom prst="rect">
+            <a:avLst/>
+          </a:prstGeom>
+          <a:noFill/>
+        </p:spPr>
+        <p:txBody>
+          <a:bodyPr wrap="none" rtlCol="0">
+            <a:spAutoFit/>
+          </a:bodyPr>
+          <a:lstStyle/>
+          <a:p>
+            <a:r>
+              <a:rPr lang="en-US" altLang="ja-JP" sz="800" b="1" dirty="0"/>
+              <a:t>Copyright ~~~~~~~~~~~</a:t>
+            </a:r>
+          </a:p>
+        </p:txBody>
+      </p:sp>
+      <p:sp>
+        <p:nvSpPr>
+          <p:cNvPr id="7" name="円/楕円 6">
+            <a:extLst>
+              <a:ext uri="{FF2B5EF4-FFF2-40B4-BE49-F238E27FC236}">
+                <a16:creationId xmlns:a16="http://schemas.microsoft.com/office/drawing/2014/main" id="{8FCB900D-D162-FD4B-8760-583B0BF38100}"/>
+              </a:ext>
+            </a:extLst>
+          </p:cNvPr>
+          <p:cNvSpPr/>
+          <p:nvPr/>
+        </p:nvSpPr>
+        <p:spPr>
+          <a:xfrm>
+            <a:off x="3999145" y="609809"/>
+            <a:ext cx="326372" cy="289570"/>
+          </a:xfrm>
+          <a:prstGeom prst="ellipse">
+            <a:avLst/>
+          </a:prstGeom>
+        </p:spPr>
+        <p:style>
+          <a:lnRef idx="2">
+            <a:schemeClr val="accent1">
+              <a:shade val="50000"/>
+            </a:schemeClr>
+          </a:lnRef>
+          <a:fillRef idx="1">
+            <a:schemeClr val="accent1"/>
+          </a:fillRef>
+          <a:effectRef idx="0">
+            <a:schemeClr val="accent1"/>
+          </a:effectRef>
+          <a:fontRef idx="minor">
+            <a:schemeClr val="lt1"/>
+          </a:fontRef>
+        </p:style>
+        <p:txBody>
+          <a:bodyPr rtlCol="0" anchor="ctr"/>
+          <a:lstStyle/>
+          <a:p>
+            <a:pPr algn="ctr"/>
+            <a:r>
+              <a:rPr kumimoji="1" lang="en-US" altLang="ja-JP" dirty="0" err="1"/>
+              <a:t>i</a:t>
+            </a:r>
+            <a:endParaRPr kumimoji="1" lang="ja-JP" altLang="en-US"/>
+          </a:p>
+        </p:txBody>
+      </p:sp>
+      <p:sp>
+        <p:nvSpPr>
+          <p:cNvPr id="9" name="テキスト ボックス 8">
+            <a:extLst>
+              <a:ext uri="{FF2B5EF4-FFF2-40B4-BE49-F238E27FC236}">
+                <a16:creationId xmlns:a16="http://schemas.microsoft.com/office/drawing/2014/main" id="{E25A1B57-F033-244E-B63F-BC1FFCD24932}"/>
+              </a:ext>
+            </a:extLst>
+          </p:cNvPr>
+          <p:cNvSpPr txBox="1"/>
+          <p:nvPr/>
+        </p:nvSpPr>
+        <p:spPr>
+          <a:xfrm>
+            <a:off x="71468" y="3462463"/>
+            <a:ext cx="2377574" cy="246221"/>
+          </a:xfrm>
+          <a:prstGeom prst="rect">
+            <a:avLst/>
+          </a:prstGeom>
+          <a:noFill/>
+        </p:spPr>
+        <p:txBody>
+          <a:bodyPr wrap="none" rtlCol="0">
+            <a:spAutoFit/>
+          </a:bodyPr>
+          <a:lstStyle/>
+          <a:p>
+            <a:r>
+              <a:rPr kumimoji="1" lang="en-US" altLang="ja-JP" sz="1000" dirty="0"/>
+              <a:t>5. </a:t>
+            </a:r>
+            <a:r>
+              <a:rPr lang="ja-JP" altLang="en-US" sz="1000"/>
+              <a:t>生成したあだ名のフィードバック時</a:t>
+            </a:r>
+            <a:endParaRPr kumimoji="1" lang="en-US" altLang="ja-JP" sz="1000" dirty="0"/>
+          </a:p>
+        </p:txBody>
+      </p:sp>
+      <p:sp>
+        <p:nvSpPr>
+          <p:cNvPr id="10" name="正方形/長方形 9">
+            <a:extLst>
+              <a:ext uri="{FF2B5EF4-FFF2-40B4-BE49-F238E27FC236}">
+                <a16:creationId xmlns:a16="http://schemas.microsoft.com/office/drawing/2014/main" id="{12CF6201-9E61-854B-B083-5AA24B093EBE}"/>
+              </a:ext>
+            </a:extLst>
+          </p:cNvPr>
+          <p:cNvSpPr/>
+          <p:nvPr/>
+        </p:nvSpPr>
+        <p:spPr>
+          <a:xfrm>
+            <a:off x="182079" y="3693398"/>
+            <a:ext cx="5587997" cy="3132080"/>
+          </a:xfrm>
+          <a:prstGeom prst="rect">
+            <a:avLst/>
+          </a:prstGeom>
+          <a:noFill/>
+        </p:spPr>
+        <p:style>
+          <a:lnRef idx="2">
+            <a:schemeClr val="accent1">
+              <a:shade val="50000"/>
+            </a:schemeClr>
+          </a:lnRef>
+          <a:fillRef idx="1">
+            <a:schemeClr val="accent1"/>
+          </a:fillRef>
+          <a:effectRef idx="0">
+            <a:schemeClr val="accent1"/>
+          </a:effectRef>
+          <a:fontRef idx="minor">
+            <a:schemeClr val="lt1"/>
+          </a:fontRef>
+        </p:style>
+        <p:txBody>
+          <a:bodyPr rtlCol="0" anchor="ctr"/>
+          <a:lstStyle/>
+          <a:p>
+            <a:pPr algn="ctr"/>
+            <a:endParaRPr kumimoji="1" lang="ja-JP" altLang="en-US"/>
+          </a:p>
+        </p:txBody>
+      </p:sp>
+      <p:pic>
+        <p:nvPicPr>
+          <p:cNvPr id="11" name="図 10">
+            <a:extLst>
+              <a:ext uri="{FF2B5EF4-FFF2-40B4-BE49-F238E27FC236}">
+                <a16:creationId xmlns:a16="http://schemas.microsoft.com/office/drawing/2014/main" id="{E2DA99E9-8E23-BA4A-928F-E0284311988F}"/>
+              </a:ext>
+            </a:extLst>
+          </p:cNvPr>
+          <p:cNvPicPr>
+            <a:picLocks noChangeAspect="1"/>
+          </p:cNvPicPr>
+          <p:nvPr/>
+        </p:nvPicPr>
+        <p:blipFill>
+          <a:blip r:embed="rId2"/>
+          <a:stretch>
+            <a:fillRect/>
+          </a:stretch>
+        </p:blipFill>
+        <p:spPr>
+          <a:xfrm>
+            <a:off x="1932544" y="3784388"/>
+            <a:ext cx="2229786" cy="2965385"/>
+          </a:xfrm>
+          <a:prstGeom prst="rect">
+            <a:avLst/>
+          </a:prstGeom>
+        </p:spPr>
+      </p:pic>
+      <p:sp>
+        <p:nvSpPr>
+          <p:cNvPr id="13" name="テキスト ボックス 12">
+            <a:extLst>
+              <a:ext uri="{FF2B5EF4-FFF2-40B4-BE49-F238E27FC236}">
+                <a16:creationId xmlns:a16="http://schemas.microsoft.com/office/drawing/2014/main" id="{93879C9A-75E5-834D-BCA0-52F5FEB01678}"/>
+              </a:ext>
+            </a:extLst>
+          </p:cNvPr>
+          <p:cNvSpPr txBox="1"/>
+          <p:nvPr/>
+        </p:nvSpPr>
+        <p:spPr>
+          <a:xfrm>
+            <a:off x="2222505" y="6606832"/>
+            <a:ext cx="1507144" cy="215444"/>
+          </a:xfrm>
+          <a:prstGeom prst="rect">
+            <a:avLst/>
+          </a:prstGeom>
+          <a:noFill/>
+        </p:spPr>
+        <p:txBody>
+          <a:bodyPr wrap="none" rtlCol="0">
+            <a:spAutoFit/>
+          </a:bodyPr>
+          <a:lstStyle/>
+          <a:p>
+            <a:r>
+              <a:rPr lang="en-US" altLang="ja-JP" sz="800" b="1" dirty="0"/>
+              <a:t>Copyright ~~~~~~~~~~~</a:t>
+            </a:r>
+          </a:p>
+        </p:txBody>
+      </p:sp>
+      <p:sp>
+        <p:nvSpPr>
+          <p:cNvPr id="14" name="角丸四角形 13">
+            <a:extLst>
+              <a:ext uri="{FF2B5EF4-FFF2-40B4-BE49-F238E27FC236}">
+                <a16:creationId xmlns:a16="http://schemas.microsoft.com/office/drawing/2014/main" id="{6D7C37D9-B737-2F4E-94BA-DEE3F8B40101}"/>
+              </a:ext>
+            </a:extLst>
+          </p:cNvPr>
+          <p:cNvSpPr/>
+          <p:nvPr/>
+        </p:nvSpPr>
+        <p:spPr>
+          <a:xfrm>
+            <a:off x="1964737" y="6010549"/>
+            <a:ext cx="2229786" cy="265471"/>
+          </a:xfrm>
+          <a:prstGeom prst="roundRect">
+            <a:avLst/>
+          </a:prstGeom>
+          <a:solidFill>
+            <a:schemeClr val="accent1">
+              <a:alpha val="50000"/>
+            </a:schemeClr>
+          </a:solidFill>
+        </p:spPr>
+        <p:style>
+          <a:lnRef idx="2">
+            <a:schemeClr val="accent1">
+              <a:shade val="50000"/>
+            </a:schemeClr>
+          </a:lnRef>
+          <a:fillRef idx="1">
+            <a:schemeClr val="accent1"/>
+          </a:fillRef>
+          <a:effectRef idx="0">
+            <a:schemeClr val="accent1"/>
+          </a:effectRef>
+          <a:fontRef idx="minor">
+            <a:schemeClr val="lt1"/>
+          </a:fontRef>
+        </p:style>
+        <p:txBody>
+          <a:bodyPr rtlCol="0" anchor="ctr"/>
+          <a:lstStyle/>
+          <a:p>
+            <a:pPr algn="ctr"/>
+            <a:r>
+              <a:rPr lang="ja-JP" altLang="en-US"/>
+              <a:t>しわくちゃ男</a:t>
+            </a:r>
+            <a:endParaRPr kumimoji="1" lang="ja-JP" altLang="en-US"/>
+          </a:p>
+        </p:txBody>
+      </p:sp>
+      <p:sp>
+        <p:nvSpPr>
+          <p:cNvPr id="15" name="角丸四角形 14">
+            <a:extLst>
+              <a:ext uri="{FF2B5EF4-FFF2-40B4-BE49-F238E27FC236}">
+                <a16:creationId xmlns:a16="http://schemas.microsoft.com/office/drawing/2014/main" id="{69B67F4D-CC7F-FE46-A1D3-91A52B0C5CD2}"/>
+              </a:ext>
+            </a:extLst>
+          </p:cNvPr>
+          <p:cNvSpPr/>
+          <p:nvPr/>
+        </p:nvSpPr>
+        <p:spPr>
+          <a:xfrm>
+            <a:off x="1964737" y="2519815"/>
+            <a:ext cx="2229786" cy="265471"/>
+          </a:xfrm>
+          <a:prstGeom prst="roundRect">
+            <a:avLst/>
+          </a:prstGeom>
+          <a:solidFill>
+            <a:schemeClr val="accent1">
+              <a:alpha val="50000"/>
+            </a:schemeClr>
+          </a:solidFill>
+        </p:spPr>
+        <p:style>
+          <a:lnRef idx="2">
+            <a:schemeClr val="accent1">
+              <a:shade val="50000"/>
+            </a:schemeClr>
+          </a:lnRef>
+          <a:fillRef idx="1">
+            <a:schemeClr val="accent1"/>
+          </a:fillRef>
+          <a:effectRef idx="0">
+            <a:schemeClr val="accent1"/>
+          </a:effectRef>
+          <a:fontRef idx="minor">
+            <a:schemeClr val="lt1"/>
+          </a:fontRef>
+        </p:style>
+        <p:txBody>
+          <a:bodyPr rtlCol="0" anchor="ctr"/>
+          <a:lstStyle/>
+          <a:p>
+            <a:pPr algn="ctr"/>
+            <a:r>
+              <a:rPr lang="ja-JP" altLang="en-US"/>
+              <a:t>しばし待たれよ</a:t>
+            </a:r>
+            <a:endParaRPr kumimoji="1" lang="ja-JP" altLang="en-US"/>
+          </a:p>
+        </p:txBody>
+      </p:sp>
+      <p:pic>
+        <p:nvPicPr>
+          <p:cNvPr id="16" name="図 15">
+            <a:extLst>
+              <a:ext uri="{FF2B5EF4-FFF2-40B4-BE49-F238E27FC236}">
+                <a16:creationId xmlns:a16="http://schemas.microsoft.com/office/drawing/2014/main" id="{3B696E06-45D7-2442-AC4D-C2F23593FB78}"/>
+              </a:ext>
+            </a:extLst>
+          </p:cNvPr>
+          <p:cNvPicPr>
+            <a:picLocks noChangeAspect="1"/>
+          </p:cNvPicPr>
+          <p:nvPr/>
+        </p:nvPicPr>
+        <p:blipFill>
+          <a:blip r:embed="rId4"/>
+          <a:stretch>
+            <a:fillRect/>
+          </a:stretch>
+        </p:blipFill>
+        <p:spPr>
+          <a:xfrm>
+            <a:off x="2449042" y="4607666"/>
+            <a:ext cx="1186209" cy="1318829"/>
+          </a:xfrm>
+          <a:prstGeom prst="rect">
+            <a:avLst/>
+          </a:prstGeom>
+          <a:ln>
+            <a:solidFill>
+              <a:srgbClr val="FF0000"/>
+            </a:solidFill>
+          </a:ln>
+        </p:spPr>
+      </p:pic>
+      <p:sp>
+        <p:nvSpPr>
+          <p:cNvPr id="17" name="正方形/長方形 16">
+            <a:extLst>
+              <a:ext uri="{FF2B5EF4-FFF2-40B4-BE49-F238E27FC236}">
+                <a16:creationId xmlns:a16="http://schemas.microsoft.com/office/drawing/2014/main" id="{BB7ADFD6-9175-4046-8FB0-2B2EB9D1A302}"/>
+              </a:ext>
+            </a:extLst>
+          </p:cNvPr>
+          <p:cNvSpPr/>
+          <p:nvPr/>
+        </p:nvSpPr>
+        <p:spPr>
+          <a:xfrm>
+            <a:off x="324798" y="3939619"/>
+            <a:ext cx="1331452" cy="1172694"/>
+          </a:xfrm>
+          <a:prstGeom prst="rect">
+            <a:avLst/>
+          </a:prstGeom>
+          <a:solidFill>
+            <a:schemeClr val="accent2">
+              <a:alpha val="49734"/>
+            </a:schemeClr>
+          </a:solidFill>
+        </p:spPr>
+        <p:style>
+          <a:lnRef idx="2">
+            <a:schemeClr val="accent2">
+              <a:shade val="50000"/>
+            </a:schemeClr>
+          </a:lnRef>
+          <a:fillRef idx="1">
+            <a:schemeClr val="accent2"/>
+          </a:fillRef>
+          <a:effectRef idx="0">
+            <a:schemeClr val="accent2"/>
+          </a:effectRef>
+          <a:fontRef idx="minor">
+            <a:schemeClr val="lt1"/>
+          </a:fontRef>
+        </p:style>
+        <p:txBody>
+          <a:bodyPr rtlCol="0" anchor="ctr"/>
+          <a:lstStyle/>
+          <a:p>
+            <a:r>
+              <a:rPr kumimoji="1" lang="en-US" altLang="ja-JP" sz="1200" dirty="0"/>
+              <a:t>[</a:t>
+            </a:r>
+            <a:r>
+              <a:rPr kumimoji="1" lang="ja-JP" altLang="en-US" sz="1200"/>
+              <a:t>メモ</a:t>
+            </a:r>
+            <a:r>
+              <a:rPr kumimoji="1" lang="en-US" altLang="ja-JP" sz="1200" dirty="0"/>
+              <a:t>]</a:t>
+            </a:r>
+          </a:p>
+          <a:p>
+            <a:r>
+              <a:rPr lang="ja-JP" altLang="en-US" sz="1200"/>
+              <a:t>取得した変顔を表示する。</a:t>
+            </a:r>
+            <a:endParaRPr lang="en-US" altLang="ja-JP" sz="1200" dirty="0"/>
+          </a:p>
+          <a:p>
+            <a:r>
+              <a:rPr kumimoji="1" lang="ja-JP" altLang="en-US" sz="1200"/>
+              <a:t>この時、カメラによる撮影はしていない。</a:t>
+            </a:r>
+            <a:endParaRPr kumimoji="1" lang="en-US" altLang="ja-JP" sz="1200" dirty="0"/>
+          </a:p>
+        </p:txBody>
+      </p:sp>
+      <p:cxnSp>
+        <p:nvCxnSpPr>
+          <p:cNvPr id="18" name="直線矢印コネクタ 17">
+            <a:extLst>
+              <a:ext uri="{FF2B5EF4-FFF2-40B4-BE49-F238E27FC236}">
+                <a16:creationId xmlns:a16="http://schemas.microsoft.com/office/drawing/2014/main" id="{9F0DB121-70BB-DE49-A4C1-6B1AEC5DA686}"/>
+              </a:ext>
+            </a:extLst>
+          </p:cNvPr>
+          <p:cNvCxnSpPr>
+            <a:cxnSpLocks/>
+            <a:stCxn id="17" idx="3"/>
+            <a:endCxn id="16" idx="1"/>
+          </p:cNvCxnSpPr>
+          <p:nvPr/>
+        </p:nvCxnSpPr>
+        <p:spPr>
+          <a:xfrm>
+            <a:off x="1656250" y="4525966"/>
+            <a:ext cx="792792" cy="741115"/>
+          </a:xfrm>
+          <a:prstGeom prst="straightConnector1">
+            <a:avLst/>
+          </a:prstGeom>
+          <a:ln>
+            <a:tailEnd type="triangle"/>
+          </a:ln>
+        </p:spPr>
+        <p:style>
+          <a:lnRef idx="1">
+            <a:schemeClr val="accent1"/>
+          </a:lnRef>
+          <a:fillRef idx="0">
+            <a:schemeClr val="accent1"/>
+          </a:fillRef>
+          <a:effectRef idx="0">
+            <a:schemeClr val="accent1"/>
+          </a:effectRef>
+          <a:fontRef idx="minor">
+            <a:schemeClr val="tx1"/>
+          </a:fontRef>
+        </p:style>
+      </p:cxnSp>
+      <p:pic>
+        <p:nvPicPr>
+          <p:cNvPr id="21" name="図 20">
+            <a:extLst>
+              <a:ext uri="{FF2B5EF4-FFF2-40B4-BE49-F238E27FC236}">
+                <a16:creationId xmlns:a16="http://schemas.microsoft.com/office/drawing/2014/main" id="{356721F8-01DA-4444-86F9-B15C2991C291}"/>
+              </a:ext>
+            </a:extLst>
+          </p:cNvPr>
+          <p:cNvPicPr>
+            <a:picLocks noChangeAspect="1"/>
+          </p:cNvPicPr>
+          <p:nvPr/>
+        </p:nvPicPr>
+        <p:blipFill>
+          <a:blip r:embed="rId5"/>
+          <a:stretch>
+            <a:fillRect/>
+          </a:stretch>
+        </p:blipFill>
+        <p:spPr>
+          <a:xfrm>
+            <a:off x="2583894" y="6304189"/>
+            <a:ext cx="417415" cy="417415"/>
+          </a:xfrm>
+          <a:prstGeom prst="rect">
+            <a:avLst/>
+          </a:prstGeom>
+        </p:spPr>
+      </p:pic>
+      <p:pic>
+        <p:nvPicPr>
+          <p:cNvPr id="22" name="図 21">
+            <a:extLst>
+              <a:ext uri="{FF2B5EF4-FFF2-40B4-BE49-F238E27FC236}">
+                <a16:creationId xmlns:a16="http://schemas.microsoft.com/office/drawing/2014/main" id="{AB3028B5-048E-874E-9A32-1FF48E15A7ED}"/>
+              </a:ext>
+            </a:extLst>
+          </p:cNvPr>
+          <p:cNvPicPr>
+            <a:picLocks noChangeAspect="1"/>
+          </p:cNvPicPr>
+          <p:nvPr/>
+        </p:nvPicPr>
+        <p:blipFill>
+          <a:blip r:embed="rId6"/>
+          <a:stretch>
+            <a:fillRect/>
+          </a:stretch>
+        </p:blipFill>
+        <p:spPr>
+          <a:xfrm>
+            <a:off x="3016575" y="6281018"/>
+            <a:ext cx="435502" cy="435502"/>
+          </a:xfrm>
+          <a:prstGeom prst="rect">
+            <a:avLst/>
+          </a:prstGeom>
+        </p:spPr>
+      </p:pic>
+      <p:sp>
+        <p:nvSpPr>
+          <p:cNvPr id="24" name="正方形/長方形 23">
+            <a:extLst>
+              <a:ext uri="{FF2B5EF4-FFF2-40B4-BE49-F238E27FC236}">
+                <a16:creationId xmlns:a16="http://schemas.microsoft.com/office/drawing/2014/main" id="{45A657FA-8DAF-B047-A5F7-F85BCD2FCA14}"/>
+              </a:ext>
+            </a:extLst>
+          </p:cNvPr>
+          <p:cNvSpPr/>
+          <p:nvPr/>
+        </p:nvSpPr>
+        <p:spPr>
+          <a:xfrm>
+            <a:off x="339784" y="5493448"/>
+            <a:ext cx="1331452" cy="933966"/>
+          </a:xfrm>
+          <a:prstGeom prst="rect">
+            <a:avLst/>
+          </a:prstGeom>
+          <a:solidFill>
+            <a:schemeClr val="accent2">
+              <a:alpha val="49734"/>
+            </a:schemeClr>
+          </a:solidFill>
+        </p:spPr>
+        <p:style>
+          <a:lnRef idx="2">
+            <a:schemeClr val="accent2">
+              <a:shade val="50000"/>
+            </a:schemeClr>
+          </a:lnRef>
+          <a:fillRef idx="1">
+            <a:schemeClr val="accent2"/>
+          </a:fillRef>
+          <a:effectRef idx="0">
+            <a:schemeClr val="accent2"/>
+          </a:effectRef>
+          <a:fontRef idx="minor">
+            <a:schemeClr val="lt1"/>
+          </a:fontRef>
+        </p:style>
+        <p:txBody>
+          <a:bodyPr rtlCol="0" anchor="ctr"/>
+          <a:lstStyle/>
+          <a:p>
+            <a:r>
+              <a:rPr kumimoji="1" lang="en-US" altLang="ja-JP" sz="1200" dirty="0"/>
+              <a:t>[</a:t>
+            </a:r>
+            <a:r>
+              <a:rPr lang="ja-JP" altLang="en-US" sz="1200"/>
+              <a:t>ボタン</a:t>
+            </a:r>
+            <a:r>
+              <a:rPr kumimoji="1" lang="en-US" altLang="ja-JP" sz="1200" dirty="0"/>
+              <a:t>]</a:t>
+            </a:r>
+          </a:p>
+          <a:p>
+            <a:r>
+              <a:rPr lang="ja-JP" altLang="en-US" sz="1200"/>
+              <a:t>押した場合、</a:t>
+            </a:r>
+            <a:endParaRPr lang="en-US" altLang="ja-JP" sz="1200" dirty="0"/>
+          </a:p>
+          <a:p>
+            <a:r>
+              <a:rPr kumimoji="1" lang="ja-JP" altLang="en-US" sz="1200"/>
+              <a:t>「</a:t>
+            </a:r>
+            <a:r>
+              <a:rPr kumimoji="1" lang="en-US" altLang="ja-JP" sz="1200" dirty="0"/>
+              <a:t>2. </a:t>
+            </a:r>
+            <a:r>
+              <a:rPr kumimoji="1" lang="ja-JP" altLang="en-US" sz="1200"/>
+              <a:t>変顔撮影前」画面に遷移</a:t>
+            </a:r>
+            <a:endParaRPr kumimoji="1" lang="en-US" altLang="ja-JP" sz="1200" dirty="0"/>
+          </a:p>
+        </p:txBody>
+      </p:sp>
+      <p:cxnSp>
+        <p:nvCxnSpPr>
+          <p:cNvPr id="25" name="直線矢印コネクタ 24">
+            <a:extLst>
+              <a:ext uri="{FF2B5EF4-FFF2-40B4-BE49-F238E27FC236}">
+                <a16:creationId xmlns:a16="http://schemas.microsoft.com/office/drawing/2014/main" id="{0706C4B6-8A9A-EC41-AA81-168E3CABB0FB}"/>
+              </a:ext>
+            </a:extLst>
+          </p:cNvPr>
+          <p:cNvCxnSpPr>
+            <a:cxnSpLocks/>
+            <a:stCxn id="24" idx="3"/>
+            <a:endCxn id="21" idx="1"/>
+          </p:cNvCxnSpPr>
+          <p:nvPr/>
+        </p:nvCxnSpPr>
+        <p:spPr>
+          <a:xfrm>
+            <a:off x="1671236" y="5960431"/>
+            <a:ext cx="912658" cy="552466"/>
+          </a:xfrm>
+          <a:prstGeom prst="straightConnector1">
+            <a:avLst/>
+          </a:prstGeom>
+          <a:ln>
+            <a:tailEnd type="triangle"/>
+          </a:ln>
+        </p:spPr>
+        <p:style>
+          <a:lnRef idx="1">
+            <a:schemeClr val="accent1"/>
+          </a:lnRef>
+          <a:fillRef idx="0">
+            <a:schemeClr val="accent1"/>
+          </a:fillRef>
+          <a:effectRef idx="0">
+            <a:schemeClr val="accent1"/>
+          </a:effectRef>
+          <a:fontRef idx="minor">
+            <a:schemeClr val="tx1"/>
+          </a:fontRef>
+        </p:style>
+      </p:cxnSp>
+      <p:sp>
+        <p:nvSpPr>
+          <p:cNvPr id="28" name="爆発 1 27">
+            <a:extLst>
+              <a:ext uri="{FF2B5EF4-FFF2-40B4-BE49-F238E27FC236}">
+                <a16:creationId xmlns:a16="http://schemas.microsoft.com/office/drawing/2014/main" id="{50B9B90C-A626-F840-A068-BA8D9BDA43BD}"/>
+              </a:ext>
+            </a:extLst>
+          </p:cNvPr>
+          <p:cNvSpPr/>
+          <p:nvPr/>
+        </p:nvSpPr>
+        <p:spPr>
+          <a:xfrm>
+            <a:off x="3923213" y="3282774"/>
+            <a:ext cx="3055280" cy="1683314"/>
+          </a:xfrm>
+          <a:prstGeom prst="irregularSeal1">
+            <a:avLst/>
+          </a:prstGeom>
+        </p:spPr>
+        <p:style>
+          <a:lnRef idx="2">
+            <a:schemeClr val="accent1">
+              <a:shade val="50000"/>
+            </a:schemeClr>
+          </a:lnRef>
+          <a:fillRef idx="1">
+            <a:schemeClr val="accent1"/>
+          </a:fillRef>
+          <a:effectRef idx="0">
+            <a:schemeClr val="accent1"/>
+          </a:effectRef>
+          <a:fontRef idx="minor">
+            <a:schemeClr val="lt1"/>
+          </a:fontRef>
+        </p:style>
+        <p:txBody>
+          <a:bodyPr rtlCol="0" anchor="ctr"/>
+          <a:lstStyle/>
+          <a:p>
+            <a:pPr algn="ctr"/>
+            <a:r>
+              <a:rPr kumimoji="1" lang="en-US" altLang="ja-JP" dirty="0"/>
+              <a:t>[</a:t>
+            </a:r>
+            <a:r>
+              <a:rPr kumimoji="1" lang="ja-JP" altLang="en-US"/>
+              <a:t>音声</a:t>
+            </a:r>
+            <a:r>
+              <a:rPr kumimoji="1" lang="en-US" altLang="ja-JP" dirty="0"/>
+              <a:t>]</a:t>
+            </a:r>
+          </a:p>
+          <a:p>
+            <a:pPr algn="ctr"/>
+            <a:r>
+              <a:rPr lang="ja-JP" altLang="en-US" sz="1400"/>
+              <a:t>貴様は</a:t>
+            </a:r>
+            <a:endParaRPr lang="en-US" altLang="ja-JP" sz="1400" dirty="0"/>
+          </a:p>
+          <a:p>
+            <a:pPr algn="ctr"/>
+            <a:r>
+              <a:rPr lang="ja-JP" altLang="en-US" sz="1400"/>
+              <a:t>しわくちゃ男だ</a:t>
+            </a:r>
+            <a:endParaRPr kumimoji="1" lang="ja-JP" altLang="en-US" sz="1400"/>
+          </a:p>
+        </p:txBody>
+      </p:sp>
+      <p:sp>
+        <p:nvSpPr>
+          <p:cNvPr id="30" name="正方形/長方形 29">
+            <a:extLst>
+              <a:ext uri="{FF2B5EF4-FFF2-40B4-BE49-F238E27FC236}">
+                <a16:creationId xmlns:a16="http://schemas.microsoft.com/office/drawing/2014/main" id="{E6A62B4F-46EA-9E45-A119-18CF1BD583FA}"/>
+              </a:ext>
+            </a:extLst>
+          </p:cNvPr>
+          <p:cNvSpPr/>
+          <p:nvPr/>
+        </p:nvSpPr>
+        <p:spPr>
+          <a:xfrm>
+            <a:off x="4941469" y="5347052"/>
+            <a:ext cx="1332977" cy="933966"/>
+          </a:xfrm>
+          <a:prstGeom prst="rect">
+            <a:avLst/>
+          </a:prstGeom>
+          <a:solidFill>
+            <a:schemeClr val="accent2">
+              <a:alpha val="49734"/>
+            </a:schemeClr>
+          </a:solidFill>
+        </p:spPr>
+        <p:style>
+          <a:lnRef idx="2">
+            <a:schemeClr val="accent2">
+              <a:shade val="50000"/>
+            </a:schemeClr>
+          </a:lnRef>
+          <a:fillRef idx="1">
+            <a:schemeClr val="accent2"/>
+          </a:fillRef>
+          <a:effectRef idx="0">
+            <a:schemeClr val="accent2"/>
+          </a:effectRef>
+          <a:fontRef idx="minor">
+            <a:schemeClr val="lt1"/>
+          </a:fontRef>
+        </p:style>
+        <p:txBody>
+          <a:bodyPr rtlCol="0" anchor="ctr"/>
+          <a:lstStyle/>
+          <a:p>
+            <a:r>
+              <a:rPr kumimoji="1" lang="en-US" altLang="ja-JP" sz="1200" dirty="0"/>
+              <a:t>[</a:t>
+            </a:r>
+            <a:r>
+              <a:rPr kumimoji="1" lang="ja-JP" altLang="en-US" sz="1200"/>
+              <a:t>ボタン</a:t>
+            </a:r>
+            <a:r>
+              <a:rPr kumimoji="1" lang="en-US" altLang="ja-JP" sz="1200" dirty="0"/>
+              <a:t>]</a:t>
+            </a:r>
+          </a:p>
+          <a:p>
+            <a:r>
+              <a:rPr lang="ja-JP" altLang="en-US" sz="1200"/>
+              <a:t>押した場合、「</a:t>
+            </a:r>
+            <a:r>
+              <a:rPr lang="en-US" altLang="ja-JP" sz="1200" dirty="0"/>
+              <a:t>1. </a:t>
+            </a:r>
+            <a:r>
+              <a:rPr lang="ja-JP" altLang="en-US" sz="1200"/>
+              <a:t>開始時」画面に遷移する</a:t>
+            </a:r>
+            <a:endParaRPr kumimoji="1" lang="en-US" altLang="ja-JP" sz="1200" dirty="0"/>
+          </a:p>
+        </p:txBody>
+      </p:sp>
+      <p:cxnSp>
+        <p:nvCxnSpPr>
+          <p:cNvPr id="31" name="直線矢印コネクタ 30">
+            <a:extLst>
+              <a:ext uri="{FF2B5EF4-FFF2-40B4-BE49-F238E27FC236}">
+                <a16:creationId xmlns:a16="http://schemas.microsoft.com/office/drawing/2014/main" id="{70A4FF59-BF63-8042-94BB-A25E32FB9557}"/>
+              </a:ext>
+            </a:extLst>
+          </p:cNvPr>
+          <p:cNvCxnSpPr>
+            <a:cxnSpLocks/>
+            <a:stCxn id="30" idx="1"/>
+          </p:cNvCxnSpPr>
+          <p:nvPr/>
+        </p:nvCxnSpPr>
+        <p:spPr>
+          <a:xfrm flipH="1">
+            <a:off x="3524447" y="5814035"/>
+            <a:ext cx="1417022" cy="698861"/>
+          </a:xfrm>
+          <a:prstGeom prst="straightConnector1">
+            <a:avLst/>
+          </a:prstGeom>
+          <a:ln>
+            <a:tailEnd type="triangle"/>
+          </a:ln>
+        </p:spPr>
+        <p:style>
+          <a:lnRef idx="1">
+            <a:schemeClr val="accent1"/>
+          </a:lnRef>
+          <a:fillRef idx="0">
+            <a:schemeClr val="accent1"/>
+          </a:fillRef>
+          <a:effectRef idx="0">
+            <a:schemeClr val="accent1"/>
+          </a:effectRef>
+          <a:fontRef idx="minor">
+            <a:schemeClr val="tx1"/>
+          </a:fontRef>
+        </p:style>
+      </p:cxnSp>
+      <p:sp>
+        <p:nvSpPr>
+          <p:cNvPr id="35" name="テキスト ボックス 34">
+            <a:extLst>
+              <a:ext uri="{FF2B5EF4-FFF2-40B4-BE49-F238E27FC236}">
+                <a16:creationId xmlns:a16="http://schemas.microsoft.com/office/drawing/2014/main" id="{4F895C98-E2DB-494A-951C-545E9FF515D0}"/>
+              </a:ext>
+            </a:extLst>
+          </p:cNvPr>
+          <p:cNvSpPr txBox="1"/>
+          <p:nvPr/>
+        </p:nvSpPr>
+        <p:spPr>
+          <a:xfrm>
+            <a:off x="5912796" y="296920"/>
+            <a:ext cx="3365024" cy="246221"/>
+          </a:xfrm>
+          <a:prstGeom prst="rect">
+            <a:avLst/>
+          </a:prstGeom>
+          <a:noFill/>
+        </p:spPr>
+        <p:txBody>
+          <a:bodyPr wrap="none" rtlCol="0">
+            <a:spAutoFit/>
+          </a:bodyPr>
+          <a:lstStyle/>
+          <a:p>
+            <a:r>
+              <a:rPr lang="en-US" altLang="ja-JP" sz="1000" b="1" dirty="0">
+                <a:solidFill>
+                  <a:srgbClr val="FF0000"/>
+                </a:solidFill>
+              </a:rPr>
+              <a:t>[</a:t>
+            </a:r>
+            <a:r>
+              <a:rPr lang="ja-JP" altLang="en-US" sz="1000" b="1">
+                <a:solidFill>
+                  <a:srgbClr val="FF0000"/>
+                </a:solidFill>
+              </a:rPr>
+              <a:t>要相談</a:t>
+            </a:r>
+            <a:r>
+              <a:rPr lang="en-US" altLang="ja-JP" sz="1000" b="1" dirty="0">
+                <a:solidFill>
+                  <a:srgbClr val="FF0000"/>
+                </a:solidFill>
+              </a:rPr>
+              <a:t>]</a:t>
+            </a:r>
+            <a:r>
+              <a:rPr lang="ja-JP" altLang="en-US" sz="1000" b="1"/>
+              <a:t>音声出力は必要かどうか（いらない説が浮上）</a:t>
+            </a:r>
+            <a:endParaRPr kumimoji="1" lang="en-US" altLang="ja-JP" sz="1000" b="1" dirty="0"/>
+          </a:p>
+        </p:txBody>
+      </p:sp>
+    </p:spTree>
+    <p:extLst>
+      <p:ext uri="{BB962C8B-B14F-4D97-AF65-F5344CB8AC3E}">
+        <p14:creationId xmlns:p14="http://schemas.microsoft.com/office/powerpoint/2010/main" val="4222584074"/>
       </p:ext>
     </p:extLst>
   </p:cSld>

--- a/UI関連/UI_20210904.pptx
+++ b/UI関連/UI_20210904.pptx
@@ -3659,7 +3659,7 @@
         <p:spPr>
           <a:xfrm>
             <a:off x="0" y="0"/>
-            <a:ext cx="9148658" cy="6186309"/>
+            <a:ext cx="9148658" cy="7017306"/>
           </a:xfrm>
           <a:prstGeom prst="rect">
             <a:avLst/>
@@ -3925,6 +3925,25 @@
             <a:endParaRPr lang="en-US" altLang="ja-JP" dirty="0"/>
           </a:p>
           <a:p>
+            <a:pPr marL="742950" lvl="1" indent="-285750">
+              <a:buFont typeface="Arial" panose="020B0604020202020204" pitchFamily="34" charset="0"/>
+              <a:buChar char="•"/>
+            </a:pPr>
+            <a:r>
+              <a:rPr lang="ja-JP" altLang="en-US"/>
+              <a:t>アイコン（カメラボタン、</a:t>
+            </a:r>
+            <a:r>
+              <a:rPr lang="en-US" altLang="ja-JP" dirty="0"/>
+              <a:t>Exit</a:t>
+            </a:r>
+            <a:r>
+              <a:rPr lang="ja-JP" altLang="en-US"/>
+              <a:t>ボタン、鏡の画像）は購入するか</a:t>
+            </a:r>
+            <a:endParaRPr lang="en-US" altLang="ja-JP" dirty="0"/>
+          </a:p>
+          <a:p>
             <a:pPr marL="285750" indent="-285750">
               <a:buFont typeface="Arial" panose="020B0604020202020204" pitchFamily="34" charset="0"/>
               <a:buChar char="•"/>
@@ -3953,7 +3972,33 @@
             </a:pPr>
             <a:r>
               <a:rPr lang="ja-JP" altLang="en-US"/>
-              <a:t>生成したあだ名は音声だけでなく、文字でも出力するのかどうか</a:t>
+              <a:t>音声データによるあだ名の生成は必要か再検討する。</a:t>
+            </a:r>
+            <a:endParaRPr lang="en-US" altLang="ja-JP" dirty="0"/>
+          </a:p>
+          <a:p>
+            <a:pPr marL="285750" indent="-285750">
+              <a:buFont typeface="Arial" panose="020B0604020202020204" pitchFamily="34" charset="0"/>
+              <a:buChar char="•"/>
+            </a:pPr>
+            <a:r>
+              <a:rPr lang="en-US" altLang="ja-JP" dirty="0"/>
+              <a:t>Recognition</a:t>
+            </a:r>
+            <a:r>
+              <a:rPr lang="ja-JP" altLang="en-US"/>
+              <a:t>とあだ名生成アルゴリズムの実行時間の合計を決める</a:t>
+            </a:r>
+            <a:endParaRPr lang="en-US" altLang="ja-JP" dirty="0"/>
+          </a:p>
+          <a:p>
+            <a:pPr marL="285750" indent="-285750">
+              <a:buFont typeface="Arial" panose="020B0604020202020204" pitchFamily="34" charset="0"/>
+              <a:buChar char="•"/>
+            </a:pPr>
+            <a:r>
+              <a:rPr lang="ja-JP" altLang="en-US"/>
+              <a:t>素材の予算</a:t>
             </a:r>
             <a:endParaRPr lang="en-US" altLang="ja-JP" dirty="0"/>
           </a:p>
@@ -5137,18 +5182,19 @@
           </p:cNvPr>
           <p:cNvCxnSpPr>
             <a:cxnSpLocks/>
+            <a:endCxn id="8" idx="3"/>
           </p:cNvCxnSpPr>
           <p:nvPr/>
         </p:nvCxnSpPr>
         <p:spPr>
           <a:xfrm rot="5400000" flipH="1" flipV="1">
-            <a:off x="1920867" y="3898079"/>
-            <a:ext cx="2835041" cy="12701"/>
+            <a:off x="2256151" y="4239715"/>
+            <a:ext cx="2158122" cy="6350"/>
           </a:xfrm>
           <a:prstGeom prst="bentConnector4">
             <a:avLst>
-              <a:gd name="adj1" fmla="val 351"/>
-              <a:gd name="adj2" fmla="val 1899858"/>
+              <a:gd name="adj1" fmla="val 470"/>
+              <a:gd name="adj2" fmla="val 3700000"/>
             </a:avLst>
           </a:prstGeom>
           <a:ln>
@@ -5184,7 +5230,7 @@
         </p:nvSpPr>
         <p:spPr>
           <a:xfrm>
-            <a:off x="2998911" y="4909297"/>
+            <a:off x="3092349" y="4959135"/>
             <a:ext cx="691653" cy="369332"/>
           </a:xfrm>
           <a:prstGeom prst="rect">
@@ -9246,7 +9292,7 @@
         </p:nvSpPr>
         <p:spPr>
           <a:xfrm>
-            <a:off x="5912796" y="296920"/>
+            <a:off x="6274446" y="3380767"/>
             <a:ext cx="3365024" cy="246221"/>
           </a:xfrm>
           <a:prstGeom prst="rect">
@@ -9289,6 +9335,86 @@
               <a:t>音声出力は必要かどうか（いらない説が浮上）</a:t>
             </a:r>
             <a:endParaRPr kumimoji="1" lang="en-US" altLang="ja-JP" sz="1000" b="1" dirty="0"/>
+          </a:p>
+        </p:txBody>
+      </p:sp>
+      <p:sp>
+        <p:nvSpPr>
+          <p:cNvPr id="26" name="正方形/長方形 25">
+            <a:extLst>
+              <a:ext uri="{FF2B5EF4-FFF2-40B4-BE49-F238E27FC236}">
+                <a16:creationId xmlns:a16="http://schemas.microsoft.com/office/drawing/2014/main" id="{23A38ED4-CDC4-4F40-B209-6C311EFC5A52}"/>
+              </a:ext>
+            </a:extLst>
+          </p:cNvPr>
+          <p:cNvSpPr/>
+          <p:nvPr/>
+        </p:nvSpPr>
+        <p:spPr>
+          <a:xfrm>
+            <a:off x="4315811" y="1157206"/>
+            <a:ext cx="1332977" cy="1451301"/>
+          </a:xfrm>
+          <a:prstGeom prst="rect">
+            <a:avLst/>
+          </a:prstGeom>
+          <a:solidFill>
+            <a:schemeClr val="accent2">
+              <a:alpha val="49734"/>
+            </a:schemeClr>
+          </a:solidFill>
+        </p:spPr>
+        <p:style>
+          <a:lnRef idx="2">
+            <a:schemeClr val="accent2">
+              <a:shade val="50000"/>
+            </a:schemeClr>
+          </a:lnRef>
+          <a:fillRef idx="1">
+            <a:schemeClr val="accent2"/>
+          </a:fillRef>
+          <a:effectRef idx="0">
+            <a:schemeClr val="accent2"/>
+          </a:effectRef>
+          <a:fontRef idx="minor">
+            <a:schemeClr val="lt1"/>
+          </a:fontRef>
+        </p:style>
+        <p:txBody>
+          <a:bodyPr rtlCol="0" anchor="ctr"/>
+          <a:lstStyle/>
+          <a:p>
+            <a:r>
+              <a:rPr kumimoji="1" lang="en-US" altLang="ja-JP" sz="1200" dirty="0"/>
+              <a:t>[</a:t>
+            </a:r>
+            <a:r>
+              <a:rPr lang="ja-JP" altLang="en-US" sz="1200"/>
+              <a:t>メモ</a:t>
+            </a:r>
+            <a:r>
+              <a:rPr kumimoji="1" lang="en-US" altLang="ja-JP" sz="1200" dirty="0"/>
+              <a:t>]</a:t>
+            </a:r>
+          </a:p>
+          <a:p>
+            <a:r>
+              <a:rPr kumimoji="1" lang="ja-JP" altLang="en-US" sz="1200"/>
+              <a:t>この時間に</a:t>
+            </a:r>
+            <a:r>
+              <a:rPr lang="ja-JP" altLang="en-US" sz="1200"/>
+              <a:t>、顔データが</a:t>
+            </a:r>
+            <a:r>
+              <a:rPr lang="en-US" altLang="ja-JP" sz="1200" dirty="0"/>
+              <a:t>Recognition</a:t>
+            </a:r>
+            <a:r>
+              <a:rPr lang="ja-JP" altLang="en-US" sz="1200"/>
+              <a:t>に送信され、あだ名生成アルゴリズムが稼働する</a:t>
+            </a:r>
+            <a:endParaRPr kumimoji="1" lang="en-US" altLang="ja-JP" sz="1200" dirty="0"/>
           </a:p>
         </p:txBody>
       </p:sp>

--- a/UI関連/UI_20210904.pptx
+++ b/UI関連/UI_20210904.pptx
@@ -289,7 +289,7 @@
           <a:p>
             <a:fld id="{15C40CFA-59D4-4949-8475-97CDCC178B82}" type="datetimeFigureOut">
               <a:rPr kumimoji="1" lang="ja-JP" altLang="en-US" smtClean="0"/>
-              <a:t>2021/9/4</a:t>
+              <a:t>2021/9/12</a:t>
             </a:fld>
             <a:endParaRPr kumimoji="1" lang="ja-JP" altLang="en-US"/>
           </a:p>
@@ -519,7 +519,7 @@
           <a:p>
             <a:fld id="{15C40CFA-59D4-4949-8475-97CDCC178B82}" type="datetimeFigureOut">
               <a:rPr kumimoji="1" lang="ja-JP" altLang="en-US" smtClean="0"/>
-              <a:t>2021/9/4</a:t>
+              <a:t>2021/9/12</a:t>
             </a:fld>
             <a:endParaRPr kumimoji="1" lang="ja-JP" altLang="en-US"/>
           </a:p>
@@ -759,7 +759,7 @@
           <a:p>
             <a:fld id="{15C40CFA-59D4-4949-8475-97CDCC178B82}" type="datetimeFigureOut">
               <a:rPr kumimoji="1" lang="ja-JP" altLang="en-US" smtClean="0"/>
-              <a:t>2021/9/4</a:t>
+              <a:t>2021/9/12</a:t>
             </a:fld>
             <a:endParaRPr kumimoji="1" lang="ja-JP" altLang="en-US"/>
           </a:p>
@@ -989,7 +989,7 @@
           <a:p>
             <a:fld id="{15C40CFA-59D4-4949-8475-97CDCC178B82}" type="datetimeFigureOut">
               <a:rPr kumimoji="1" lang="ja-JP" altLang="en-US" smtClean="0"/>
-              <a:t>2021/9/4</a:t>
+              <a:t>2021/9/12</a:t>
             </a:fld>
             <a:endParaRPr kumimoji="1" lang="ja-JP" altLang="en-US"/>
           </a:p>
@@ -1264,7 +1264,7 @@
           <a:p>
             <a:fld id="{15C40CFA-59D4-4949-8475-97CDCC178B82}" type="datetimeFigureOut">
               <a:rPr kumimoji="1" lang="ja-JP" altLang="en-US" smtClean="0"/>
-              <a:t>2021/9/4</a:t>
+              <a:t>2021/9/12</a:t>
             </a:fld>
             <a:endParaRPr kumimoji="1" lang="ja-JP" altLang="en-US"/>
           </a:p>
@@ -1593,7 +1593,7 @@
           <a:p>
             <a:fld id="{15C40CFA-59D4-4949-8475-97CDCC178B82}" type="datetimeFigureOut">
               <a:rPr kumimoji="1" lang="ja-JP" altLang="en-US" smtClean="0"/>
-              <a:t>2021/9/4</a:t>
+              <a:t>2021/9/12</a:t>
             </a:fld>
             <a:endParaRPr kumimoji="1" lang="ja-JP" altLang="en-US"/>
           </a:p>
@@ -2069,7 +2069,7 @@
           <a:p>
             <a:fld id="{15C40CFA-59D4-4949-8475-97CDCC178B82}" type="datetimeFigureOut">
               <a:rPr kumimoji="1" lang="ja-JP" altLang="en-US" smtClean="0"/>
-              <a:t>2021/9/4</a:t>
+              <a:t>2021/9/12</a:t>
             </a:fld>
             <a:endParaRPr kumimoji="1" lang="ja-JP" altLang="en-US"/>
           </a:p>
@@ -2210,7 +2210,7 @@
           <a:p>
             <a:fld id="{15C40CFA-59D4-4949-8475-97CDCC178B82}" type="datetimeFigureOut">
               <a:rPr kumimoji="1" lang="ja-JP" altLang="en-US" smtClean="0"/>
-              <a:t>2021/9/4</a:t>
+              <a:t>2021/9/12</a:t>
             </a:fld>
             <a:endParaRPr kumimoji="1" lang="ja-JP" altLang="en-US"/>
           </a:p>
@@ -2323,7 +2323,7 @@
           <a:p>
             <a:fld id="{15C40CFA-59D4-4949-8475-97CDCC178B82}" type="datetimeFigureOut">
               <a:rPr kumimoji="1" lang="ja-JP" altLang="en-US" smtClean="0"/>
-              <a:t>2021/9/4</a:t>
+              <a:t>2021/9/12</a:t>
             </a:fld>
             <a:endParaRPr kumimoji="1" lang="ja-JP" altLang="en-US"/>
           </a:p>
@@ -2666,7 +2666,7 @@
           <a:p>
             <a:fld id="{15C40CFA-59D4-4949-8475-97CDCC178B82}" type="datetimeFigureOut">
               <a:rPr kumimoji="1" lang="ja-JP" altLang="en-US" smtClean="0"/>
-              <a:t>2021/9/4</a:t>
+              <a:t>2021/9/12</a:t>
             </a:fld>
             <a:endParaRPr kumimoji="1" lang="ja-JP" altLang="en-US"/>
           </a:p>
@@ -2954,7 +2954,7 @@
           <a:p>
             <a:fld id="{15C40CFA-59D4-4949-8475-97CDCC178B82}" type="datetimeFigureOut">
               <a:rPr kumimoji="1" lang="ja-JP" altLang="en-US" smtClean="0"/>
-              <a:t>2021/9/4</a:t>
+              <a:t>2021/9/12</a:t>
             </a:fld>
             <a:endParaRPr kumimoji="1" lang="ja-JP" altLang="en-US"/>
           </a:p>
@@ -3227,7 +3227,7 @@
           <a:p>
             <a:fld id="{15C40CFA-59D4-4949-8475-97CDCC178B82}" type="datetimeFigureOut">
               <a:rPr kumimoji="1" lang="ja-JP" altLang="en-US" smtClean="0"/>
-              <a:t>2021/9/4</a:t>
+              <a:t>2021/9/12</a:t>
             </a:fld>
             <a:endParaRPr kumimoji="1" lang="ja-JP" altLang="en-US"/>
           </a:p>
@@ -4567,7 +4567,7 @@
         </p:nvSpPr>
         <p:spPr>
           <a:xfrm>
-            <a:off x="2121305" y="862900"/>
+            <a:off x="2121305" y="1216669"/>
             <a:ext cx="1117600" cy="406400"/>
           </a:xfrm>
           <a:prstGeom prst="roundRect">
@@ -4616,7 +4616,7 @@
         </p:nvSpPr>
         <p:spPr>
           <a:xfrm>
-            <a:off x="2114954" y="5962413"/>
+            <a:off x="2128144" y="5943319"/>
             <a:ext cx="1117600" cy="406400"/>
           </a:xfrm>
           <a:prstGeom prst="roundRect">
@@ -4645,19 +4645,19 @@
           <a:p>
             <a:pPr algn="ctr"/>
             <a:r>
-              <a:rPr lang="ja-JP" altLang="en-US"/>
-              <a:t>終了</a:t>
-            </a:r>
-            <a:endParaRPr kumimoji="1" lang="ja-JP" altLang="en-US"/>
-          </a:p>
-        </p:txBody>
-      </p:sp>
-      <p:sp>
-        <p:nvSpPr>
-          <p:cNvPr id="7" name="正方形/長方形 6">
-            <a:extLst>
-              <a:ext uri="{FF2B5EF4-FFF2-40B4-BE49-F238E27FC236}">
-                <a16:creationId xmlns:a16="http://schemas.microsoft.com/office/drawing/2014/main" id="{764C3643-5BDF-7345-86FE-779FBFC262BB}"/>
+              <a:rPr lang="ja-JP" altLang="en-US" sz="1200"/>
+              <a:t>ブラウザを閉じる</a:t>
+            </a:r>
+            <a:endParaRPr kumimoji="1" lang="ja-JP" altLang="en-US" sz="1200"/>
+          </a:p>
+        </p:txBody>
+      </p:sp>
+      <p:sp>
+        <p:nvSpPr>
+          <p:cNvPr id="8" name="正方形/長方形 7">
+            <a:extLst>
+              <a:ext uri="{FF2B5EF4-FFF2-40B4-BE49-F238E27FC236}">
+                <a16:creationId xmlns:a16="http://schemas.microsoft.com/office/drawing/2014/main" id="{88A6AA7D-296D-7042-ABB8-5FC228F3A589}"/>
               </a:ext>
             </a:extLst>
           </p:cNvPr>
@@ -4666,7 +4666,7 @@
         </p:nvSpPr>
         <p:spPr>
           <a:xfrm>
-            <a:off x="2015472" y="1585622"/>
+            <a:off x="2009121" y="2956396"/>
             <a:ext cx="1329266" cy="414866"/>
           </a:xfrm>
           <a:prstGeom prst="rect">
@@ -4695,18 +4695,19 @@
           <a:p>
             <a:pPr algn="ctr"/>
             <a:r>
-              <a:rPr kumimoji="1" lang="ja-JP" altLang="en-US" sz="1100"/>
-              <a:t>撮影を承諾する</a:t>
-            </a:r>
-          </a:p>
-        </p:txBody>
-      </p:sp>
-      <p:sp>
-        <p:nvSpPr>
-          <p:cNvPr id="8" name="正方形/長方形 7">
-            <a:extLst>
-              <a:ext uri="{FF2B5EF4-FFF2-40B4-BE49-F238E27FC236}">
-                <a16:creationId xmlns:a16="http://schemas.microsoft.com/office/drawing/2014/main" id="{88A6AA7D-296D-7042-ABB8-5FC228F3A589}"/>
+              <a:rPr lang="ja-JP" altLang="en-US" sz="1100"/>
+              <a:t>カウントダウンが始まる</a:t>
+            </a:r>
+            <a:endParaRPr kumimoji="1" lang="ja-JP" altLang="en-US" sz="1100"/>
+          </a:p>
+        </p:txBody>
+      </p:sp>
+      <p:sp>
+        <p:nvSpPr>
+          <p:cNvPr id="9" name="正方形/長方形 8">
+            <a:extLst>
+              <a:ext uri="{FF2B5EF4-FFF2-40B4-BE49-F238E27FC236}">
+                <a16:creationId xmlns:a16="http://schemas.microsoft.com/office/drawing/2014/main" id="{4C62DFDA-7ECA-6B46-A358-0C45E989AE8E}"/>
               </a:ext>
             </a:extLst>
           </p:cNvPr>
@@ -4715,7 +4716,7 @@
         </p:nvSpPr>
         <p:spPr>
           <a:xfrm>
-            <a:off x="2009121" y="2956396"/>
+            <a:off x="2009121" y="3679118"/>
             <a:ext cx="1329266" cy="414866"/>
           </a:xfrm>
           <a:prstGeom prst="rect">
@@ -4744,19 +4745,26 @@
           <a:p>
             <a:pPr algn="ctr"/>
             <a:r>
-              <a:rPr lang="ja-JP" altLang="en-US" sz="1100"/>
-              <a:t>カウントダウンが始まる</a:t>
-            </a:r>
-            <a:endParaRPr kumimoji="1" lang="ja-JP" altLang="en-US" sz="1100"/>
-          </a:p>
-        </p:txBody>
-      </p:sp>
-      <p:sp>
-        <p:nvSpPr>
-          <p:cNvPr id="9" name="正方形/長方形 8">
-            <a:extLst>
-              <a:ext uri="{FF2B5EF4-FFF2-40B4-BE49-F238E27FC236}">
-                <a16:creationId xmlns:a16="http://schemas.microsoft.com/office/drawing/2014/main" id="{4C62DFDA-7ECA-6B46-A358-0C45E989AE8E}"/>
+              <a:rPr kumimoji="1" lang="ja-JP" altLang="en-US" sz="1100"/>
+              <a:t>顔の写真を</a:t>
+            </a:r>
+            <a:endParaRPr kumimoji="1" lang="en-US" altLang="ja-JP" sz="1100" dirty="0"/>
+          </a:p>
+          <a:p>
+            <a:pPr algn="ctr"/>
+            <a:r>
+              <a:rPr kumimoji="1" lang="ja-JP" altLang="en-US" sz="1100"/>
+              <a:t>撮られる</a:t>
+            </a:r>
+          </a:p>
+        </p:txBody>
+      </p:sp>
+      <p:sp>
+        <p:nvSpPr>
+          <p:cNvPr id="10" name="正方形/長方形 9">
+            <a:extLst>
+              <a:ext uri="{FF2B5EF4-FFF2-40B4-BE49-F238E27FC236}">
+                <a16:creationId xmlns:a16="http://schemas.microsoft.com/office/drawing/2014/main" id="{2207D736-B7A6-524E-8AD1-C690DA84A775}"/>
               </a:ext>
             </a:extLst>
           </p:cNvPr>
@@ -4765,7 +4773,7 @@
         </p:nvSpPr>
         <p:spPr>
           <a:xfrm>
-            <a:off x="2009121" y="3679118"/>
+            <a:off x="2009121" y="4393614"/>
             <a:ext cx="1329266" cy="414866"/>
           </a:xfrm>
           <a:prstGeom prst="rect">
@@ -4795,25 +4803,17 @@
             <a:pPr algn="ctr"/>
             <a:r>
               <a:rPr kumimoji="1" lang="ja-JP" altLang="en-US" sz="1100"/>
-              <a:t>顔の写真を</a:t>
-            </a:r>
-            <a:endParaRPr kumimoji="1" lang="en-US" altLang="ja-JP" sz="1100" dirty="0"/>
-          </a:p>
-          <a:p>
-            <a:pPr algn="ctr"/>
-            <a:r>
-              <a:rPr kumimoji="1" lang="ja-JP" altLang="en-US" sz="1100"/>
-              <a:t>撮られる</a:t>
-            </a:r>
-          </a:p>
-        </p:txBody>
-      </p:sp>
-      <p:sp>
-        <p:nvSpPr>
-          <p:cNvPr id="10" name="正方形/長方形 9">
-            <a:extLst>
-              <a:ext uri="{FF2B5EF4-FFF2-40B4-BE49-F238E27FC236}">
-                <a16:creationId xmlns:a16="http://schemas.microsoft.com/office/drawing/2014/main" id="{2207D736-B7A6-524E-8AD1-C690DA84A775}"/>
+              <a:t>あだ名を生成し、音声出力する</a:t>
+            </a:r>
+          </a:p>
+        </p:txBody>
+      </p:sp>
+      <p:sp>
+        <p:nvSpPr>
+          <p:cNvPr id="11" name="フローチャート: 判断 10">
+            <a:extLst>
+              <a:ext uri="{FF2B5EF4-FFF2-40B4-BE49-F238E27FC236}">
+                <a16:creationId xmlns:a16="http://schemas.microsoft.com/office/drawing/2014/main" id="{5FABC425-6EC0-2043-AEBA-6866B2937552}"/>
               </a:ext>
             </a:extLst>
           </p:cNvPr>
@@ -4822,10 +4822,10 @@
         </p:nvSpPr>
         <p:spPr>
           <a:xfrm>
-            <a:off x="2009121" y="4393614"/>
-            <a:ext cx="1329266" cy="414866"/>
-          </a:xfrm>
-          <a:prstGeom prst="rect">
+            <a:off x="2009121" y="5137797"/>
+            <a:ext cx="1329266" cy="355600"/>
+          </a:xfrm>
+          <a:prstGeom prst="flowChartDecision">
             <a:avLst/>
           </a:prstGeom>
         </p:spPr>
@@ -4851,57 +4851,8 @@
           <a:p>
             <a:pPr algn="ctr"/>
             <a:r>
-              <a:rPr kumimoji="1" lang="ja-JP" altLang="en-US" sz="1100"/>
-              <a:t>あだ名を生成し、音声出力する</a:t>
-            </a:r>
-          </a:p>
-        </p:txBody>
-      </p:sp>
-      <p:sp>
-        <p:nvSpPr>
-          <p:cNvPr id="11" name="フローチャート: 判断 10">
-            <a:extLst>
-              <a:ext uri="{FF2B5EF4-FFF2-40B4-BE49-F238E27FC236}">
-                <a16:creationId xmlns:a16="http://schemas.microsoft.com/office/drawing/2014/main" id="{5FABC425-6EC0-2043-AEBA-6866B2937552}"/>
-              </a:ext>
-            </a:extLst>
-          </p:cNvPr>
-          <p:cNvSpPr/>
-          <p:nvPr/>
-        </p:nvSpPr>
-        <p:spPr>
-          <a:xfrm>
-            <a:off x="2009121" y="5137797"/>
-            <a:ext cx="1329266" cy="355600"/>
-          </a:xfrm>
-          <a:prstGeom prst="flowChartDecision">
-            <a:avLst/>
-          </a:prstGeom>
-        </p:spPr>
-        <p:style>
-          <a:lnRef idx="2">
-            <a:schemeClr val="accent1">
-              <a:shade val="50000"/>
-            </a:schemeClr>
-          </a:lnRef>
-          <a:fillRef idx="1">
-            <a:schemeClr val="accent1"/>
-          </a:fillRef>
-          <a:effectRef idx="0">
-            <a:schemeClr val="accent1"/>
-          </a:effectRef>
-          <a:fontRef idx="minor">
-            <a:schemeClr val="lt1"/>
-          </a:fontRef>
-        </p:style>
-        <p:txBody>
-          <a:bodyPr rtlCol="0" anchor="ctr"/>
-          <a:lstStyle/>
-          <a:p>
-            <a:pPr algn="ctr"/>
-            <a:r>
-              <a:rPr kumimoji="1" lang="ja-JP" altLang="en-US" sz="1000"/>
-              <a:t>遊び</a:t>
+              <a:rPr lang="ja-JP" altLang="en-US" sz="1000"/>
+              <a:t>撮影を</a:t>
             </a:r>
             <a:endParaRPr kumimoji="1" lang="en-US" altLang="ja-JP" sz="1000" dirty="0"/>
           </a:p>
@@ -4926,14 +4877,14 @@
           <p:cNvCxnSpPr>
             <a:cxnSpLocks/>
             <a:stCxn id="5" idx="2"/>
-            <a:endCxn id="7" idx="0"/>
+            <a:endCxn id="83" idx="0"/>
           </p:cNvCxnSpPr>
           <p:nvPr/>
         </p:nvCxnSpPr>
         <p:spPr>
           <a:xfrm>
-            <a:off x="2680105" y="1269300"/>
-            <a:ext cx="0" cy="316322"/>
+            <a:off x="2680105" y="1623069"/>
+            <a:ext cx="0" cy="649472"/>
           </a:xfrm>
           <a:prstGeom prst="straightConnector1">
             <a:avLst/>
@@ -5140,14 +5091,13 @@
           <p:cNvCxnSpPr>
             <a:cxnSpLocks/>
             <a:stCxn id="11" idx="2"/>
-            <a:endCxn id="6" idx="0"/>
           </p:cNvCxnSpPr>
           <p:nvPr/>
         </p:nvCxnSpPr>
         <p:spPr>
           <a:xfrm>
             <a:off x="2673754" y="5493397"/>
-            <a:ext cx="0" cy="469016"/>
+            <a:ext cx="0" cy="442459"/>
           </a:xfrm>
           <a:prstGeom prst="straightConnector1">
             <a:avLst/>
@@ -5230,8 +5180,8 @@
         </p:nvSpPr>
         <p:spPr>
           <a:xfrm>
-            <a:off x="3092349" y="4959135"/>
-            <a:ext cx="691653" cy="369332"/>
+            <a:off x="3627592" y="5153158"/>
+            <a:ext cx="2060449" cy="307777"/>
           </a:xfrm>
           <a:prstGeom prst="rect">
             <a:avLst/>
@@ -5245,10 +5195,17 @@
           <a:lstStyle/>
           <a:p>
             <a:r>
-              <a:rPr kumimoji="1" lang="en-US" altLang="ja-JP" dirty="0"/>
-              <a:t>yes</a:t>
-            </a:r>
-            <a:endParaRPr kumimoji="1" lang="ja-JP" altLang="en-US"/>
+              <a:rPr kumimoji="1" lang="ja-JP" altLang="en-US" sz="1400"/>
+              <a:t>連続</a:t>
+            </a:r>
+            <a:r>
+              <a:rPr kumimoji="1" lang="en-US" altLang="ja-JP" sz="1400" dirty="0"/>
+              <a:t>or</a:t>
+            </a:r>
+            <a:r>
+              <a:rPr kumimoji="1" lang="ja-JP" altLang="en-US" sz="1400"/>
+              <a:t>タイトル</a:t>
+            </a:r>
           </a:p>
         </p:txBody>
       </p:sp>
@@ -5350,7 +5307,7 @@
         <p:spPr>
           <a:xfrm>
             <a:off x="5744136" y="46217"/>
-            <a:ext cx="2108269" cy="246221"/>
+            <a:ext cx="4105611" cy="246221"/>
           </a:xfrm>
           <a:prstGeom prst="rect">
             <a:avLst/>
@@ -5367,6 +5324,22 @@
               <a:rPr kumimoji="1" lang="ja-JP" altLang="en-US" sz="1000"/>
               <a:t>■遊びモードでない時（画面①）</a:t>
             </a:r>
+            <a:r>
+              <a:rPr kumimoji="1" lang="en-US" altLang="ja-JP" sz="1000" dirty="0"/>
+              <a:t>※</a:t>
+            </a:r>
+            <a:r>
+              <a:rPr kumimoji="1" lang="ja-JP" altLang="en-US" sz="1000"/>
+              <a:t>開始、撮影承諾</a:t>
+            </a:r>
+            <a:r>
+              <a:rPr lang="ja-JP" altLang="en-US" sz="1000"/>
+              <a:t>、</a:t>
+            </a:r>
+            <a:r>
+              <a:rPr kumimoji="1" lang="ja-JP" altLang="en-US" sz="1000"/>
+              <a:t>終了時の画面</a:t>
+            </a:r>
             <a:endParaRPr kumimoji="1" lang="en-US" altLang="ja-JP" sz="1000" dirty="0"/>
           </a:p>
         </p:txBody>
@@ -5407,48 +5380,6 @@
           </a:p>
         </p:txBody>
       </p:sp>
-      <p:cxnSp>
-        <p:nvCxnSpPr>
-          <p:cNvPr id="55" name="直線矢印コネクタ 54">
-            <a:extLst>
-              <a:ext uri="{FF2B5EF4-FFF2-40B4-BE49-F238E27FC236}">
-                <a16:creationId xmlns:a16="http://schemas.microsoft.com/office/drawing/2014/main" id="{1CB475E5-8362-334B-B199-8F222D4EAA39}"/>
-              </a:ext>
-            </a:extLst>
-          </p:cNvPr>
-          <p:cNvCxnSpPr>
-            <a:cxnSpLocks/>
-            <a:stCxn id="7" idx="2"/>
-          </p:cNvCxnSpPr>
-          <p:nvPr/>
-        </p:nvCxnSpPr>
-        <p:spPr>
-          <a:xfrm>
-            <a:off x="2680105" y="2000488"/>
-            <a:ext cx="0" cy="278987"/>
-          </a:xfrm>
-          <a:prstGeom prst="straightConnector1">
-            <a:avLst/>
-          </a:prstGeom>
-          <a:ln>
-            <a:tailEnd type="triangle"/>
-          </a:ln>
-        </p:spPr>
-        <p:style>
-          <a:lnRef idx="1">
-            <a:schemeClr val="accent1"/>
-          </a:lnRef>
-          <a:fillRef idx="0">
-            <a:schemeClr val="accent1"/>
-          </a:fillRef>
-          <a:effectRef idx="0">
-            <a:schemeClr val="accent1"/>
-          </a:effectRef>
-          <a:fontRef idx="minor">
-            <a:schemeClr val="tx1"/>
-          </a:fontRef>
-        </p:style>
-      </p:cxnSp>
       <p:sp>
         <p:nvSpPr>
           <p:cNvPr id="59" name="テキスト ボックス 58">
@@ -5779,7 +5710,7 @@
             <a:pPr algn="ctr"/>
             <a:r>
               <a:rPr kumimoji="1" lang="ja-JP" altLang="en-US" sz="1000" b="1"/>
-              <a:t>変顔ををせよ。</a:t>
+              <a:t>変顔をせよ。</a:t>
             </a:r>
             <a:endParaRPr kumimoji="1" lang="en-US" altLang="ja-JP" sz="1000" b="1" dirty="0"/>
           </a:p>
@@ -6038,10 +5969,10 @@
       </p:sp>
       <p:sp>
         <p:nvSpPr>
-          <p:cNvPr id="79" name="テキスト ボックス 78">
-            <a:extLst>
-              <a:ext uri="{FF2B5EF4-FFF2-40B4-BE49-F238E27FC236}">
-                <a16:creationId xmlns:a16="http://schemas.microsoft.com/office/drawing/2014/main" id="{FFA02FB3-0AE2-6D49-A432-DCC2DA06609F}"/>
+          <p:cNvPr id="80" name="テキスト ボックス 79">
+            <a:extLst>
+              <a:ext uri="{FF2B5EF4-FFF2-40B4-BE49-F238E27FC236}">
+                <a16:creationId xmlns:a16="http://schemas.microsoft.com/office/drawing/2014/main" id="{CF56F9CC-0ED0-7C45-88E5-0F566D2DC9D7}"/>
               </a:ext>
             </a:extLst>
           </p:cNvPr>
@@ -6050,8 +5981,8 @@
         </p:nvSpPr>
         <p:spPr>
           <a:xfrm>
-            <a:off x="3746903" y="5757194"/>
-            <a:ext cx="1338828" cy="246221"/>
+            <a:off x="4020503" y="3811149"/>
+            <a:ext cx="2066799" cy="1015663"/>
           </a:xfrm>
           <a:prstGeom prst="rect">
             <a:avLst/>
@@ -6059,51 +5990,7 @@
           <a:noFill/>
         </p:spPr>
         <p:txBody>
-          <a:bodyPr wrap="none" rtlCol="0">
-            <a:spAutoFit/>
-          </a:bodyPr>
-          <a:lstStyle/>
-          <a:p>
-            <a:r>
-              <a:rPr lang="ja-JP" altLang="en-US" sz="1000"/>
-              <a:t>➡︎画面②→</a:t>
-            </a:r>
-            <a:r>
-              <a:rPr lang="en-US" altLang="ja-JP" sz="1000" dirty="0"/>
-              <a:t>①</a:t>
-            </a:r>
-            <a:r>
-              <a:rPr lang="ja-JP" altLang="en-US" sz="1000"/>
-              <a:t>に遷移</a:t>
-            </a:r>
-            <a:endParaRPr kumimoji="1" lang="en-US" altLang="ja-JP" sz="1000" dirty="0"/>
-          </a:p>
-        </p:txBody>
-      </p:sp>
-      <p:sp>
-        <p:nvSpPr>
-          <p:cNvPr id="80" name="テキスト ボックス 79">
-            <a:extLst>
-              <a:ext uri="{FF2B5EF4-FFF2-40B4-BE49-F238E27FC236}">
-                <a16:creationId xmlns:a16="http://schemas.microsoft.com/office/drawing/2014/main" id="{CF56F9CC-0ED0-7C45-88E5-0F566D2DC9D7}"/>
-              </a:ext>
-            </a:extLst>
-          </p:cNvPr>
-          <p:cNvSpPr txBox="1"/>
-          <p:nvPr/>
-        </p:nvSpPr>
-        <p:spPr>
-          <a:xfrm>
-            <a:off x="3924836" y="4093984"/>
-            <a:ext cx="2045753" cy="400110"/>
-          </a:xfrm>
-          <a:prstGeom prst="rect">
-            <a:avLst/>
-          </a:prstGeom>
-          <a:noFill/>
-        </p:spPr>
-        <p:txBody>
-          <a:bodyPr wrap="none" rtlCol="0">
+          <a:bodyPr wrap="square" rtlCol="0">
             <a:spAutoFit/>
           </a:bodyPr>
           <a:lstStyle/>
@@ -6153,6 +6040,75 @@
             </a:r>
             <a:endParaRPr kumimoji="1" lang="en-US" altLang="ja-JP" sz="1000" b="1" dirty="0"/>
           </a:p>
+          <a:p>
+            <a:r>
+              <a:rPr lang="ja-JP" altLang="en-US" sz="1000" b="1"/>
+              <a:t>→実行時間は何秒まで</a:t>
+            </a:r>
+            <a:r>
+              <a:rPr lang="en-US" altLang="ja-JP" sz="1000" b="1" dirty="0"/>
+              <a:t>OK</a:t>
+            </a:r>
+            <a:r>
+              <a:rPr lang="ja-JP" altLang="en-US" sz="1000" b="1"/>
+              <a:t>？</a:t>
+            </a:r>
+            <a:endParaRPr lang="en-US" altLang="ja-JP" sz="1000" b="1" dirty="0"/>
+          </a:p>
+          <a:p>
+            <a:r>
+              <a:rPr kumimoji="1" lang="en-US" altLang="ja-JP" sz="1000" b="1" dirty="0">
+                <a:solidFill>
+                  <a:srgbClr val="FF0000"/>
+                </a:solidFill>
+              </a:rPr>
+              <a:t>【</a:t>
+            </a:r>
+            <a:r>
+              <a:rPr kumimoji="1" lang="ja-JP" altLang="en-US" sz="1000" b="1">
+                <a:solidFill>
+                  <a:srgbClr val="FF0000"/>
+                </a:solidFill>
+              </a:rPr>
+              <a:t>決定</a:t>
+            </a:r>
+            <a:r>
+              <a:rPr kumimoji="1" lang="en-US" altLang="ja-JP" sz="1000" b="1" dirty="0">
+                <a:solidFill>
+                  <a:srgbClr val="FF0000"/>
+                </a:solidFill>
+              </a:rPr>
+              <a:t>】5</a:t>
+            </a:r>
+            <a:r>
+              <a:rPr kumimoji="1" lang="ja-JP" altLang="en-US" sz="1000" b="1">
+                <a:solidFill>
+                  <a:srgbClr val="FF0000"/>
+                </a:solidFill>
+              </a:rPr>
+              <a:t>秒でトライしてみる</a:t>
+            </a:r>
+            <a:endParaRPr kumimoji="1" lang="en-US" altLang="ja-JP" sz="1000" b="1" dirty="0">
+              <a:solidFill>
+                <a:srgbClr val="FF0000"/>
+              </a:solidFill>
+            </a:endParaRPr>
+          </a:p>
+          <a:p>
+            <a:r>
+              <a:rPr lang="ja-JP" altLang="en-US" sz="1000" b="1">
+                <a:solidFill>
+                  <a:srgbClr val="FF0000"/>
+                </a:solidFill>
+              </a:rPr>
+              <a:t>実行時間が長くても、ユーザーをイラつかせない工夫はできる</a:t>
+            </a:r>
+            <a:endParaRPr kumimoji="1" lang="en-US" altLang="ja-JP" sz="1000" b="1" dirty="0">
+              <a:solidFill>
+                <a:srgbClr val="FF0000"/>
+              </a:solidFill>
+            </a:endParaRPr>
+          </a:p>
         </p:txBody>
       </p:sp>
       <p:sp>
@@ -6169,7 +6125,7 @@
         </p:nvSpPr>
         <p:spPr>
           <a:xfrm>
-            <a:off x="3743405" y="3625435"/>
+            <a:off x="3786793" y="3679118"/>
             <a:ext cx="160133" cy="1283862"/>
           </a:xfrm>
           <a:prstGeom prst="rightBrace">
@@ -6360,6 +6316,95 @@
               <a:t>yes</a:t>
             </a:r>
             <a:endParaRPr kumimoji="1" lang="ja-JP" altLang="en-US"/>
+          </a:p>
+        </p:txBody>
+      </p:sp>
+      <p:cxnSp>
+        <p:nvCxnSpPr>
+          <p:cNvPr id="52" name="カギ線コネクタ 51">
+            <a:extLst>
+              <a:ext uri="{FF2B5EF4-FFF2-40B4-BE49-F238E27FC236}">
+                <a16:creationId xmlns:a16="http://schemas.microsoft.com/office/drawing/2014/main" id="{2DEAE5E9-A295-3747-B3B0-B62CF1A28815}"/>
+              </a:ext>
+            </a:extLst>
+          </p:cNvPr>
+          <p:cNvCxnSpPr>
+            <a:cxnSpLocks/>
+            <a:endCxn id="83" idx="3"/>
+          </p:cNvCxnSpPr>
+          <p:nvPr/>
+        </p:nvCxnSpPr>
+        <p:spPr>
+          <a:xfrm rot="5400000" flipH="1" flipV="1">
+            <a:off x="1947330" y="3852156"/>
+            <a:ext cx="2837397" cy="72393"/>
+          </a:xfrm>
+          <a:prstGeom prst="bentConnector4">
+            <a:avLst>
+              <a:gd name="adj1" fmla="val -264"/>
+              <a:gd name="adj2" fmla="val 415776"/>
+            </a:avLst>
+          </a:prstGeom>
+          <a:ln>
+            <a:tailEnd type="triangle"/>
+          </a:ln>
+        </p:spPr>
+        <p:style>
+          <a:lnRef idx="1">
+            <a:schemeClr val="accent1"/>
+          </a:lnRef>
+          <a:fillRef idx="0">
+            <a:schemeClr val="accent1"/>
+          </a:fillRef>
+          <a:effectRef idx="0">
+            <a:schemeClr val="accent1"/>
+          </a:effectRef>
+          <a:fontRef idx="minor">
+            <a:schemeClr val="tx1"/>
+          </a:fontRef>
+        </p:style>
+      </p:cxnSp>
+      <p:sp>
+        <p:nvSpPr>
+          <p:cNvPr id="68" name="テキスト ボックス 67">
+            <a:extLst>
+              <a:ext uri="{FF2B5EF4-FFF2-40B4-BE49-F238E27FC236}">
+                <a16:creationId xmlns:a16="http://schemas.microsoft.com/office/drawing/2014/main" id="{0512463B-C3B2-DC4A-8F53-070D7B1843F5}"/>
+              </a:ext>
+            </a:extLst>
+          </p:cNvPr>
+          <p:cNvSpPr txBox="1"/>
+          <p:nvPr/>
+        </p:nvSpPr>
+        <p:spPr>
+          <a:xfrm>
+            <a:off x="3594503" y="6054352"/>
+            <a:ext cx="1383712" cy="246221"/>
+          </a:xfrm>
+          <a:prstGeom prst="rect">
+            <a:avLst/>
+          </a:prstGeom>
+          <a:noFill/>
+        </p:spPr>
+        <p:txBody>
+          <a:bodyPr wrap="none" rtlCol="0">
+            <a:spAutoFit/>
+          </a:bodyPr>
+          <a:lstStyle/>
+          <a:p>
+            <a:r>
+              <a:rPr kumimoji="1" lang="ja-JP" altLang="en-US" sz="1000"/>
+              <a:t>ブラウザや</a:t>
+            </a:r>
+            <a:r>
+              <a:rPr kumimoji="1" lang="en-US" altLang="ja-JP" sz="1000" dirty="0"/>
+              <a:t>PC</a:t>
+            </a:r>
+            <a:r>
+              <a:rPr kumimoji="1" lang="ja-JP" altLang="en-US" sz="1000"/>
+              <a:t>を消す</a:t>
+            </a:r>
+            <a:endParaRPr kumimoji="1" lang="en-US" altLang="ja-JP" sz="1000" dirty="0"/>
           </a:p>
         </p:txBody>
       </p:sp>
@@ -6656,7 +6701,7 @@
             <a:pPr algn="ctr"/>
             <a:r>
               <a:rPr kumimoji="1" lang="ja-JP" altLang="en-US" sz="1000" b="1"/>
-              <a:t>変顔ををせよ。</a:t>
+              <a:t>変顔をせよ。</a:t>
             </a:r>
             <a:endParaRPr kumimoji="1" lang="en-US" altLang="ja-JP" sz="1000" b="1" dirty="0"/>
           </a:p>
@@ -7470,7 +7515,7 @@
         <p:spPr>
           <a:xfrm>
             <a:off x="8592059" y="4088494"/>
-            <a:ext cx="2452916" cy="553998"/>
+            <a:ext cx="3082895" cy="861774"/>
           </a:xfrm>
           <a:prstGeom prst="rect">
             <a:avLst/>
@@ -7510,6 +7555,79 @@
               <a:t>感覚的に示したい。</a:t>
             </a:r>
             <a:endParaRPr kumimoji="1" lang="en-US" altLang="ja-JP" sz="1000" b="1" dirty="0"/>
+          </a:p>
+          <a:p>
+            <a:r>
+              <a:rPr lang="ja-JP" altLang="en-US" sz="1000" b="1">
+                <a:solidFill>
+                  <a:srgbClr val="FF0000"/>
+                </a:solidFill>
+              </a:rPr>
+              <a:t>→</a:t>
+            </a:r>
+            <a:r>
+              <a:rPr lang="en-US" altLang="ja-JP" sz="1000" b="1" dirty="0">
+                <a:solidFill>
+                  <a:srgbClr val="FF0000"/>
+                </a:solidFill>
+              </a:rPr>
+              <a:t>【</a:t>
+            </a:r>
+            <a:r>
+              <a:rPr lang="ja-JP" altLang="en-US" sz="1000" b="1">
+                <a:solidFill>
+                  <a:srgbClr val="FF0000"/>
+                </a:solidFill>
+              </a:rPr>
+              <a:t>決定</a:t>
+            </a:r>
+            <a:r>
+              <a:rPr lang="en-US" altLang="ja-JP" sz="1000" b="1" dirty="0">
+                <a:solidFill>
+                  <a:srgbClr val="FF0000"/>
+                </a:solidFill>
+              </a:rPr>
+              <a:t>】</a:t>
+            </a:r>
+            <a:r>
+              <a:rPr lang="ja-JP" altLang="en-US" sz="1000" b="1">
+                <a:solidFill>
+                  <a:srgbClr val="FF0000"/>
+                </a:solidFill>
+              </a:rPr>
+              <a:t>カメラアイコンのみで</a:t>
+            </a:r>
+            <a:r>
+              <a:rPr lang="en-US" altLang="ja-JP" sz="1000" b="1" dirty="0">
+                <a:solidFill>
+                  <a:srgbClr val="FF0000"/>
+                </a:solidFill>
+              </a:rPr>
+              <a:t>OK</a:t>
+            </a:r>
+          </a:p>
+          <a:p>
+            <a:r>
+              <a:rPr kumimoji="1" lang="en-US" altLang="ja-JP" sz="1000" b="1" dirty="0">
+                <a:solidFill>
+                  <a:srgbClr val="FF0000"/>
+                </a:solidFill>
+              </a:rPr>
+              <a:t>※X</a:t>
+            </a:r>
+            <a:r>
+              <a:rPr kumimoji="1" lang="ja-JP" altLang="en-US" sz="1000" b="1">
+                <a:solidFill>
+                  <a:srgbClr val="FF0000"/>
+                </a:solidFill>
+              </a:rPr>
+              <a:t>秒後に撮影することを文言で説明しているため</a:t>
+            </a:r>
+            <a:endParaRPr kumimoji="1" lang="en-US" altLang="ja-JP" sz="1000" b="1" dirty="0">
+              <a:solidFill>
+                <a:srgbClr val="FF0000"/>
+              </a:solidFill>
+            </a:endParaRPr>
           </a:p>
         </p:txBody>
       </p:sp>
@@ -7692,56 +7810,6 @@
               <a:rPr lang="en-US" altLang="ja-JP" sz="800" b="1" dirty="0"/>
               <a:t>Copyright ~~~~~~~~~~~</a:t>
             </a:r>
-          </a:p>
-        </p:txBody>
-      </p:sp>
-      <p:sp>
-        <p:nvSpPr>
-          <p:cNvPr id="40" name="円/楕円 39">
-            <a:extLst>
-              <a:ext uri="{FF2B5EF4-FFF2-40B4-BE49-F238E27FC236}">
-                <a16:creationId xmlns:a16="http://schemas.microsoft.com/office/drawing/2014/main" id="{E8746DF0-10D3-0C4C-AC7D-2F518A869710}"/>
-              </a:ext>
-            </a:extLst>
-          </p:cNvPr>
-          <p:cNvSpPr/>
-          <p:nvPr/>
-        </p:nvSpPr>
-        <p:spPr>
-          <a:xfrm>
-            <a:off x="9878835" y="452493"/>
-            <a:ext cx="326372" cy="289570"/>
-          </a:xfrm>
-          <a:prstGeom prst="ellipse">
-            <a:avLst/>
-          </a:prstGeom>
-        </p:spPr>
-        <p:style>
-          <a:lnRef idx="2">
-            <a:schemeClr val="accent1">
-              <a:shade val="50000"/>
-            </a:schemeClr>
-          </a:lnRef>
-          <a:fillRef idx="1">
-            <a:schemeClr val="accent1"/>
-          </a:fillRef>
-          <a:effectRef idx="0">
-            <a:schemeClr val="accent1"/>
-          </a:effectRef>
-          <a:fontRef idx="minor">
-            <a:schemeClr val="lt1"/>
-          </a:fontRef>
-        </p:style>
-        <p:txBody>
-          <a:bodyPr rtlCol="0" anchor="ctr"/>
-          <a:lstStyle/>
-          <a:p>
-            <a:pPr algn="ctr"/>
-            <a:r>
-              <a:rPr kumimoji="1" lang="en-US" altLang="ja-JP" dirty="0" err="1"/>
-              <a:t>i</a:t>
-            </a:r>
-            <a:endParaRPr kumimoji="1" lang="ja-JP" altLang="en-US"/>
           </a:p>
         </p:txBody>
       </p:sp>
@@ -7870,8 +7938,8 @@
         </p:nvSpPr>
         <p:spPr>
           <a:xfrm>
-            <a:off x="5895914" y="4887093"/>
-            <a:ext cx="3145413" cy="246221"/>
+            <a:off x="5841401" y="5124607"/>
+            <a:ext cx="5582224" cy="1631216"/>
           </a:xfrm>
           <a:prstGeom prst="rect">
             <a:avLst/>
@@ -7879,7 +7947,7 @@
           <a:noFill/>
         </p:spPr>
         <p:txBody>
-          <a:bodyPr wrap="none" rtlCol="0">
+          <a:bodyPr wrap="square" rtlCol="0">
             <a:spAutoFit/>
           </a:bodyPr>
           <a:lstStyle/>
@@ -7918,8 +7986,160 @@
             </a:r>
             <a:r>
               <a:rPr lang="ja-JP" altLang="en-US" sz="1000" b="1"/>
-              <a:t>ボタンを消すかどうか</a:t>
-            </a:r>
+              <a:t>ボタンを非表示</a:t>
+            </a:r>
+            <a:r>
+              <a:rPr lang="en-US" altLang="ja-JP" sz="1000" b="1" dirty="0"/>
+              <a:t>or</a:t>
+            </a:r>
+            <a:r>
+              <a:rPr lang="ja-JP" altLang="en-US" sz="1000" b="1"/>
+              <a:t>選択不可にするか</a:t>
+            </a:r>
+            <a:endParaRPr lang="en-US" altLang="ja-JP" sz="1000" b="1" dirty="0"/>
+          </a:p>
+          <a:p>
+            <a:r>
+              <a:rPr lang="ja-JP" altLang="en-US" sz="1000" b="1"/>
+              <a:t>→</a:t>
+            </a:r>
+            <a:r>
+              <a:rPr lang="en-US" altLang="ja-JP" sz="1000" b="1" dirty="0"/>
+              <a:t>【</a:t>
+            </a:r>
+            <a:r>
+              <a:rPr lang="ja-JP" altLang="en-US" sz="1000" b="1"/>
+              <a:t>非表示案</a:t>
+            </a:r>
+            <a:r>
+              <a:rPr lang="en-US" altLang="ja-JP" sz="1000" b="1" dirty="0"/>
+              <a:t>】</a:t>
+            </a:r>
+            <a:r>
+              <a:rPr lang="ja-JP" altLang="en-US" sz="1000" b="1"/>
+              <a:t>奥村：カウントダウン中に押されると面倒臭そう</a:t>
+            </a:r>
+            <a:endParaRPr lang="en-US" altLang="ja-JP" sz="1000" b="1" dirty="0"/>
+          </a:p>
+          <a:p>
+            <a:r>
+              <a:rPr lang="ja-JP" altLang="en-US" sz="1000" b="1" strike="sngStrike"/>
+              <a:t>デメリット：非表示の実装コスト発生</a:t>
+            </a:r>
+            <a:endParaRPr lang="en-US" altLang="ja-JP" sz="1000" b="1" strike="sngStrike" dirty="0"/>
+          </a:p>
+          <a:p>
+            <a:endParaRPr lang="en-US" altLang="ja-JP" sz="1000" b="1" strike="sngStrike" dirty="0"/>
+          </a:p>
+          <a:p>
+            <a:endParaRPr lang="en-US" altLang="ja-JP" sz="1000" b="1" dirty="0"/>
+          </a:p>
+          <a:p>
+            <a:r>
+              <a:rPr lang="ja-JP" altLang="en-US" sz="1000" b="1"/>
+              <a:t>→</a:t>
+            </a:r>
+            <a:r>
+              <a:rPr lang="en-US" altLang="ja-JP" sz="1000" b="1" dirty="0"/>
+              <a:t>【</a:t>
+            </a:r>
+            <a:r>
+              <a:rPr lang="ja-JP" altLang="en-US" sz="1000" b="1"/>
+              <a:t>表示案</a:t>
+            </a:r>
+            <a:r>
+              <a:rPr lang="en-US" altLang="ja-JP" sz="1000" b="1" dirty="0"/>
+              <a:t>】</a:t>
+            </a:r>
+            <a:r>
+              <a:rPr lang="ja-JP" altLang="en-US" sz="1000" b="1"/>
+              <a:t>鈴木：実装がめんどい</a:t>
+            </a:r>
+            <a:r>
+              <a:rPr lang="en-US" altLang="ja-JP" sz="1000" b="1" dirty="0"/>
+              <a:t>(</a:t>
+            </a:r>
+            <a:r>
+              <a:rPr lang="en-US" altLang="ja-JP" sz="1000" b="1" dirty="0" err="1"/>
+              <a:t>Javascript</a:t>
+            </a:r>
+            <a:r>
+              <a:rPr lang="ja-JP" altLang="en-US" sz="1000" b="1"/>
+              <a:t>で書く感じかな？）。</a:t>
+            </a:r>
+            <a:r>
+              <a:rPr lang="en-US" altLang="ja-JP" sz="1000" b="1" dirty="0"/>
+              <a:t>HTML</a:t>
+            </a:r>
+            <a:r>
+              <a:rPr lang="ja-JP" altLang="en-US" sz="1000" b="1"/>
+              <a:t>の分岐処理が入る。変顔が適切に撮影できなくても、もう一度撮影すればいいのでは？</a:t>
+            </a:r>
+            <a:endParaRPr lang="en-US" altLang="ja-JP" sz="1000" b="1" dirty="0"/>
+          </a:p>
+          <a:p>
+            <a:r>
+              <a:rPr lang="ja-JP" altLang="en-US" sz="1000" b="1"/>
+              <a:t>デメリット：カウントダウン中に押された場合の後処理を検討・実装しないといけない</a:t>
+            </a:r>
+            <a:endParaRPr lang="en-US" altLang="ja-JP" sz="1000" b="1" dirty="0"/>
+          </a:p>
+          <a:p>
+            <a:r>
+              <a:rPr lang="en-US" altLang="ja-JP" sz="1000" b="1" dirty="0">
+                <a:solidFill>
+                  <a:srgbClr val="FF0000"/>
+                </a:solidFill>
+              </a:rPr>
+              <a:t>【</a:t>
+            </a:r>
+            <a:r>
+              <a:rPr lang="ja-JP" altLang="en-US" sz="1000" b="1">
+                <a:solidFill>
+                  <a:srgbClr val="FF0000"/>
+                </a:solidFill>
+              </a:rPr>
+              <a:t>決定</a:t>
+            </a:r>
+            <a:r>
+              <a:rPr lang="en-US" altLang="ja-JP" sz="1000" b="1" dirty="0">
+                <a:solidFill>
+                  <a:srgbClr val="FF0000"/>
+                </a:solidFill>
+              </a:rPr>
+              <a:t>】</a:t>
+            </a:r>
+            <a:r>
+              <a:rPr lang="ja-JP" altLang="en-US" sz="1000" b="1">
+                <a:solidFill>
+                  <a:srgbClr val="FF0000"/>
+                </a:solidFill>
+              </a:rPr>
+              <a:t>カウントダウン中は非表示にする。（別途、</a:t>
+            </a:r>
+            <a:r>
+              <a:rPr lang="en-US" altLang="ja-JP" sz="1000" b="1" dirty="0" err="1">
+                <a:solidFill>
+                  <a:srgbClr val="FF0000"/>
+                </a:solidFill>
+              </a:rPr>
+              <a:t>i</a:t>
+            </a:r>
+            <a:r>
+              <a:rPr lang="ja-JP" altLang="en-US" sz="1000" b="1">
+                <a:solidFill>
+                  <a:srgbClr val="FF0000"/>
+                </a:solidFill>
+              </a:rPr>
+              <a:t>ボタン復活のトリガーも考えること）</a:t>
+            </a:r>
+            <a:endParaRPr lang="en-US" altLang="ja-JP" sz="1000" b="1" dirty="0">
+              <a:solidFill>
+                <a:srgbClr val="FF0000"/>
+              </a:solidFill>
+            </a:endParaRPr>
+          </a:p>
+          <a:p>
             <a:endParaRPr kumimoji="1" lang="en-US" altLang="ja-JP" sz="1000" b="1" dirty="0"/>
           </a:p>
         </p:txBody>
@@ -8216,6 +8436,144 @@
           </a:prstGeom>
         </p:spPr>
       </p:pic>
+      <p:cxnSp>
+        <p:nvCxnSpPr>
+          <p:cNvPr id="43" name="直線矢印コネクタ 42">
+            <a:extLst>
+              <a:ext uri="{FF2B5EF4-FFF2-40B4-BE49-F238E27FC236}">
+                <a16:creationId xmlns:a16="http://schemas.microsoft.com/office/drawing/2014/main" id="{23505117-810D-844B-B8D7-3C07F350ED07}"/>
+              </a:ext>
+            </a:extLst>
+          </p:cNvPr>
+          <p:cNvCxnSpPr>
+            <a:cxnSpLocks/>
+            <a:stCxn id="32" idx="1"/>
+            <a:endCxn id="24" idx="0"/>
+          </p:cNvCxnSpPr>
+          <p:nvPr/>
+        </p:nvCxnSpPr>
+        <p:spPr>
+          <a:xfrm flipH="1">
+            <a:off x="2644719" y="3910678"/>
+            <a:ext cx="3207187" cy="2347224"/>
+          </a:xfrm>
+          <a:prstGeom prst="straightConnector1">
+            <a:avLst/>
+          </a:prstGeom>
+          <a:ln>
+            <a:tailEnd type="triangle"/>
+          </a:ln>
+        </p:spPr>
+        <p:style>
+          <a:lnRef idx="1">
+            <a:schemeClr val="accent1"/>
+          </a:lnRef>
+          <a:fillRef idx="0">
+            <a:schemeClr val="accent1"/>
+          </a:fillRef>
+          <a:effectRef idx="0">
+            <a:schemeClr val="accent1"/>
+          </a:effectRef>
+          <a:fontRef idx="minor">
+            <a:schemeClr val="tx1"/>
+          </a:fontRef>
+        </p:style>
+      </p:cxnSp>
+      <p:sp>
+        <p:nvSpPr>
+          <p:cNvPr id="15" name="角丸四角形 14">
+            <a:extLst>
+              <a:ext uri="{FF2B5EF4-FFF2-40B4-BE49-F238E27FC236}">
+                <a16:creationId xmlns:a16="http://schemas.microsoft.com/office/drawing/2014/main" id="{709B6301-389A-BF4E-96C1-B0DABEF3FCB3}"/>
+              </a:ext>
+            </a:extLst>
+          </p:cNvPr>
+          <p:cNvSpPr/>
+          <p:nvPr/>
+        </p:nvSpPr>
+        <p:spPr>
+          <a:xfrm>
+            <a:off x="3794196" y="4772457"/>
+            <a:ext cx="1938867" cy="2142167"/>
+          </a:xfrm>
+          <a:prstGeom prst="roundRect">
+            <a:avLst>
+              <a:gd name="adj" fmla="val 3130"/>
+            </a:avLst>
+          </a:prstGeom>
+        </p:spPr>
+        <p:style>
+          <a:lnRef idx="2">
+            <a:schemeClr val="accent6">
+              <a:shade val="50000"/>
+            </a:schemeClr>
+          </a:lnRef>
+          <a:fillRef idx="1">
+            <a:schemeClr val="accent6"/>
+          </a:fillRef>
+          <a:effectRef idx="0">
+            <a:schemeClr val="accent6"/>
+          </a:effectRef>
+          <a:fontRef idx="minor">
+            <a:schemeClr val="lt1"/>
+          </a:fontRef>
+        </p:style>
+        <p:txBody>
+          <a:bodyPr rtlCol="0" anchor="ctr"/>
+          <a:lstStyle/>
+          <a:p>
+            <a:pPr algn="ctr"/>
+            <a:r>
+              <a:rPr kumimoji="1" lang="en-US" altLang="ja-JP" sz="1200" dirty="0"/>
+              <a:t>【</a:t>
+            </a:r>
+            <a:r>
+              <a:rPr kumimoji="1" lang="ja-JP" altLang="en-US" sz="1200"/>
+              <a:t>詳細な説明</a:t>
+            </a:r>
+            <a:r>
+              <a:rPr kumimoji="1" lang="en-US" altLang="ja-JP" sz="1200" dirty="0"/>
+              <a:t>】</a:t>
+            </a:r>
+          </a:p>
+          <a:p>
+            <a:pPr algn="ctr"/>
+            <a:r>
+              <a:rPr lang="en-US" altLang="ja-JP" sz="1200" dirty="0" err="1"/>
+              <a:t>Xxxxxxxx</a:t>
+            </a:r>
+            <a:endParaRPr lang="en-US" altLang="ja-JP" sz="1200" dirty="0"/>
+          </a:p>
+          <a:p>
+            <a:pPr algn="ctr"/>
+            <a:r>
+              <a:rPr kumimoji="1" lang="en-US" altLang="ja-JP" sz="1200" dirty="0" err="1"/>
+              <a:t>Xxxxxxxx</a:t>
+            </a:r>
+            <a:endParaRPr kumimoji="1" lang="en-US" altLang="ja-JP" sz="1200" dirty="0"/>
+          </a:p>
+          <a:p>
+            <a:pPr algn="ctr"/>
+            <a:r>
+              <a:rPr lang="en-US" altLang="ja-JP" sz="1200" dirty="0" err="1"/>
+              <a:t>Xxxxxxxx</a:t>
+            </a:r>
+            <a:endParaRPr lang="en-US" altLang="ja-JP" sz="1200" dirty="0"/>
+          </a:p>
+          <a:p>
+            <a:pPr algn="ctr"/>
+            <a:r>
+              <a:rPr kumimoji="1" lang="en-US" altLang="ja-JP" sz="1200" dirty="0" err="1"/>
+              <a:t>Xxxxxxxx</a:t>
+            </a:r>
+            <a:endParaRPr kumimoji="1" lang="en-US" altLang="ja-JP" sz="1200" dirty="0"/>
+          </a:p>
+          <a:p>
+            <a:pPr algn="ctr"/>
+            <a:endParaRPr kumimoji="1" lang="ja-JP" altLang="en-US" sz="1200"/>
+          </a:p>
+        </p:txBody>
+      </p:sp>
     </p:spTree>
     <p:extLst>
       <p:ext uri="{BB962C8B-B14F-4D97-AF65-F5344CB8AC3E}">
@@ -9292,8 +9650,8 @@
         </p:nvSpPr>
         <p:spPr>
           <a:xfrm>
-            <a:off x="6274446" y="3380767"/>
-            <a:ext cx="3365024" cy="246221"/>
+            <a:off x="6978493" y="3360934"/>
+            <a:ext cx="4362092" cy="707886"/>
           </a:xfrm>
           <a:prstGeom prst="rect">
             <a:avLst/>
@@ -9334,7 +9692,72 @@
               <a:rPr lang="ja-JP" altLang="en-US" sz="1000" b="1"/>
               <a:t>音声出力は必要かどうか（いらない説が浮上）</a:t>
             </a:r>
-            <a:endParaRPr kumimoji="1" lang="en-US" altLang="ja-JP" sz="1000" b="1" dirty="0"/>
+            <a:endParaRPr lang="en-US" altLang="ja-JP" sz="1000" b="1" dirty="0"/>
+          </a:p>
+          <a:p>
+            <a:r>
+              <a:rPr kumimoji="1" lang="ja-JP" altLang="en-US" sz="1000" b="1"/>
+              <a:t>→音声機能をオミットして、自分たちやユーザーは満足</a:t>
+            </a:r>
+            <a:r>
+              <a:rPr lang="ja-JP" altLang="en-US" sz="1000" b="1"/>
+              <a:t>するのか？？</a:t>
+            </a:r>
+            <a:endParaRPr lang="en-US" altLang="ja-JP" sz="1000" b="1" dirty="0"/>
+          </a:p>
+          <a:p>
+            <a:r>
+              <a:rPr kumimoji="1" lang="en-US" altLang="ja-JP" sz="1000" b="1" dirty="0">
+                <a:solidFill>
+                  <a:srgbClr val="FF0000"/>
+                </a:solidFill>
+              </a:rPr>
+              <a:t>【</a:t>
+            </a:r>
+            <a:r>
+              <a:rPr kumimoji="1" lang="ja-JP" altLang="en-US" sz="1000" b="1">
+                <a:solidFill>
+                  <a:srgbClr val="FF0000"/>
+                </a:solidFill>
+              </a:rPr>
+              <a:t>決定</a:t>
+            </a:r>
+            <a:r>
+              <a:rPr kumimoji="1" lang="en-US" altLang="ja-JP" sz="1000" b="1" dirty="0">
+                <a:solidFill>
+                  <a:srgbClr val="FF0000"/>
+                </a:solidFill>
+              </a:rPr>
+              <a:t>】</a:t>
+            </a:r>
+            <a:r>
+              <a:rPr kumimoji="1" lang="ja-JP" altLang="en-US" sz="1000" b="1">
+                <a:solidFill>
+                  <a:srgbClr val="FF0000"/>
+                </a:solidFill>
+              </a:rPr>
+              <a:t>音声機能は今回のスコープから除外する。</a:t>
+            </a:r>
+            <a:endParaRPr kumimoji="1" lang="en-US" altLang="ja-JP" sz="1000" b="1" dirty="0">
+              <a:solidFill>
+                <a:srgbClr val="FF0000"/>
+              </a:solidFill>
+            </a:endParaRPr>
+          </a:p>
+          <a:p>
+            <a:r>
+              <a:rPr lang="ja-JP" altLang="en-US" sz="1000" b="1">
+                <a:solidFill>
+                  <a:srgbClr val="FF0000"/>
+                </a:solidFill>
+              </a:rPr>
+              <a:t>　　　　将来的に追加できるように、この部分の拡張性は意識しておく</a:t>
+            </a:r>
+            <a:endParaRPr kumimoji="1" lang="en-US" altLang="ja-JP" sz="1000" b="1" dirty="0">
+              <a:solidFill>
+                <a:srgbClr val="FF0000"/>
+              </a:solidFill>
+            </a:endParaRPr>
           </a:p>
         </p:txBody>
       </p:sp>
@@ -9415,6 +9838,81 @@
               <a:t>に送信され、あだ名生成アルゴリズムが稼働する</a:t>
             </a:r>
             <a:endParaRPr kumimoji="1" lang="en-US" altLang="ja-JP" sz="1200" dirty="0"/>
+          </a:p>
+        </p:txBody>
+      </p:sp>
+      <p:sp>
+        <p:nvSpPr>
+          <p:cNvPr id="27" name="テキスト ボックス 26">
+            <a:extLst>
+              <a:ext uri="{FF2B5EF4-FFF2-40B4-BE49-F238E27FC236}">
+                <a16:creationId xmlns:a16="http://schemas.microsoft.com/office/drawing/2014/main" id="{A03608B1-5E6F-F148-AB66-2FF826F486E2}"/>
+              </a:ext>
+            </a:extLst>
+          </p:cNvPr>
+          <p:cNvSpPr txBox="1"/>
+          <p:nvPr/>
+        </p:nvSpPr>
+        <p:spPr>
+          <a:xfrm>
+            <a:off x="6003133" y="1677620"/>
+            <a:ext cx="5955476" cy="400110"/>
+          </a:xfrm>
+          <a:prstGeom prst="rect">
+            <a:avLst/>
+          </a:prstGeom>
+          <a:noFill/>
+        </p:spPr>
+        <p:txBody>
+          <a:bodyPr wrap="none" rtlCol="0">
+            <a:spAutoFit/>
+          </a:bodyPr>
+          <a:lstStyle/>
+          <a:p>
+            <a:r>
+              <a:rPr kumimoji="1" lang="en-US" altLang="ja-JP" sz="1000" b="1" dirty="0">
+                <a:solidFill>
+                  <a:srgbClr val="FF0000"/>
+                </a:solidFill>
+              </a:rPr>
+              <a:t>【</a:t>
+            </a:r>
+            <a:r>
+              <a:rPr kumimoji="1" lang="ja-JP" altLang="en-US" sz="1000" b="1">
+                <a:solidFill>
+                  <a:srgbClr val="FF0000"/>
+                </a:solidFill>
+              </a:rPr>
+              <a:t>決定</a:t>
+            </a:r>
+            <a:r>
+              <a:rPr kumimoji="1" lang="en-US" altLang="ja-JP" sz="1000" b="1" dirty="0">
+                <a:solidFill>
+                  <a:srgbClr val="FF0000"/>
+                </a:solidFill>
+              </a:rPr>
+              <a:t>】</a:t>
+            </a:r>
+            <a:r>
+              <a:rPr kumimoji="1" lang="ja-JP" altLang="en-US" sz="1000" b="1">
+                <a:solidFill>
+                  <a:srgbClr val="FF0000"/>
+                </a:solidFill>
+              </a:rPr>
+              <a:t>ここの実行時間が長い場合、ロードバーの実装など、ユーザーをイラつかせない工夫をする</a:t>
+            </a:r>
+            <a:endParaRPr kumimoji="1" lang="en-US" altLang="ja-JP" sz="1000" b="1" dirty="0">
+              <a:solidFill>
+                <a:srgbClr val="FF0000"/>
+              </a:solidFill>
+            </a:endParaRPr>
+          </a:p>
+          <a:p>
+            <a:endParaRPr kumimoji="1" lang="en-US" altLang="ja-JP" sz="1000" b="1" dirty="0">
+              <a:solidFill>
+                <a:srgbClr val="FF0000"/>
+              </a:solidFill>
+            </a:endParaRPr>
           </a:p>
         </p:txBody>
       </p:sp>
